--- a/Queue/Minh Hoạ Queue.pptx
+++ b/Queue/Minh Hoạ Queue.pptx
@@ -7,6 +7,8 @@
   <p:sldIdLst>
     <p:sldId id="256" r:id="rId2"/>
     <p:sldId id="257" r:id="rId3"/>
+    <p:sldId id="258" r:id="rId4"/>
+    <p:sldId id="259" r:id="rId5"/>
   </p:sldIdLst>
   <p:sldSz cx="12192000" cy="6858000"/>
   <p:notesSz cx="6858000" cy="9144000"/>
@@ -105,6 +107,11 @@
       </a:defRPr>
     </a:lvl9pPr>
   </p:defaultTextStyle>
+  <p:extLst>
+    <p:ext uri="{EFAFB233-063F-42B5-8137-9DF3F51BA10A}">
+      <p15:sldGuideLst xmlns:p15="http://schemas.microsoft.com/office/powerpoint/2012/main"/>
+    </p:ext>
+  </p:extLst>
 </p:presentation>
 </file>
 
@@ -255,7 +262,7 @@
           <a:p>
             <a:fld id="{C0DDDADA-A17E-42A8-B06D-4C589F44C0C4}" type="datetimeFigureOut">
               <a:rPr lang="en-US" smtClean="0"/>
-              <a:t>10/13/2021</a:t>
+              <a:t>11/3/2021</a:t>
             </a:fld>
             <a:endParaRPr lang="en-US"/>
           </a:p>
@@ -453,7 +460,7 @@
           <a:p>
             <a:fld id="{C0DDDADA-A17E-42A8-B06D-4C589F44C0C4}" type="datetimeFigureOut">
               <a:rPr lang="en-US" smtClean="0"/>
-              <a:t>10/13/2021</a:t>
+              <a:t>11/3/2021</a:t>
             </a:fld>
             <a:endParaRPr lang="en-US"/>
           </a:p>
@@ -661,7 +668,7 @@
           <a:p>
             <a:fld id="{C0DDDADA-A17E-42A8-B06D-4C589F44C0C4}" type="datetimeFigureOut">
               <a:rPr lang="en-US" smtClean="0"/>
-              <a:t>10/13/2021</a:t>
+              <a:t>11/3/2021</a:t>
             </a:fld>
             <a:endParaRPr lang="en-US"/>
           </a:p>
@@ -859,7 +866,7 @@
           <a:p>
             <a:fld id="{C0DDDADA-A17E-42A8-B06D-4C589F44C0C4}" type="datetimeFigureOut">
               <a:rPr lang="en-US" smtClean="0"/>
-              <a:t>10/13/2021</a:t>
+              <a:t>11/3/2021</a:t>
             </a:fld>
             <a:endParaRPr lang="en-US"/>
           </a:p>
@@ -1134,7 +1141,7 @@
           <a:p>
             <a:fld id="{C0DDDADA-A17E-42A8-B06D-4C589F44C0C4}" type="datetimeFigureOut">
               <a:rPr lang="en-US" smtClean="0"/>
-              <a:t>10/13/2021</a:t>
+              <a:t>11/3/2021</a:t>
             </a:fld>
             <a:endParaRPr lang="en-US"/>
           </a:p>
@@ -1399,7 +1406,7 @@
           <a:p>
             <a:fld id="{C0DDDADA-A17E-42A8-B06D-4C589F44C0C4}" type="datetimeFigureOut">
               <a:rPr lang="en-US" smtClean="0"/>
-              <a:t>10/13/2021</a:t>
+              <a:t>11/3/2021</a:t>
             </a:fld>
             <a:endParaRPr lang="en-US"/>
           </a:p>
@@ -1811,7 +1818,7 @@
           <a:p>
             <a:fld id="{C0DDDADA-A17E-42A8-B06D-4C589F44C0C4}" type="datetimeFigureOut">
               <a:rPr lang="en-US" smtClean="0"/>
-              <a:t>10/13/2021</a:t>
+              <a:t>11/3/2021</a:t>
             </a:fld>
             <a:endParaRPr lang="en-US"/>
           </a:p>
@@ -1952,7 +1959,7 @@
           <a:p>
             <a:fld id="{C0DDDADA-A17E-42A8-B06D-4C589F44C0C4}" type="datetimeFigureOut">
               <a:rPr lang="en-US" smtClean="0"/>
-              <a:t>10/13/2021</a:t>
+              <a:t>11/3/2021</a:t>
             </a:fld>
             <a:endParaRPr lang="en-US"/>
           </a:p>
@@ -2065,7 +2072,7 @@
           <a:p>
             <a:fld id="{C0DDDADA-A17E-42A8-B06D-4C589F44C0C4}" type="datetimeFigureOut">
               <a:rPr lang="en-US" smtClean="0"/>
-              <a:t>10/13/2021</a:t>
+              <a:t>11/3/2021</a:t>
             </a:fld>
             <a:endParaRPr lang="en-US"/>
           </a:p>
@@ -2376,7 +2383,7 @@
           <a:p>
             <a:fld id="{C0DDDADA-A17E-42A8-B06D-4C589F44C0C4}" type="datetimeFigureOut">
               <a:rPr lang="en-US" smtClean="0"/>
-              <a:t>10/13/2021</a:t>
+              <a:t>11/3/2021</a:t>
             </a:fld>
             <a:endParaRPr lang="en-US"/>
           </a:p>
@@ -2664,7 +2671,7 @@
           <a:p>
             <a:fld id="{C0DDDADA-A17E-42A8-B06D-4C589F44C0C4}" type="datetimeFigureOut">
               <a:rPr lang="en-US" smtClean="0"/>
-              <a:t>10/13/2021</a:t>
+              <a:t>11/3/2021</a:t>
             </a:fld>
             <a:endParaRPr lang="en-US"/>
           </a:p>
@@ -2905,7 +2912,7 @@
           <a:p>
             <a:fld id="{C0DDDADA-A17E-42A8-B06D-4C589F44C0C4}" type="datetimeFigureOut">
               <a:rPr lang="en-US" smtClean="0"/>
-              <a:t>10/13/2021</a:t>
+              <a:t>11/3/2021</a:t>
             </a:fld>
             <a:endParaRPr lang="en-US"/>
           </a:p>
@@ -3322,1948 +3329,47 @@
           <a:chExt cx="0" cy="0"/>
         </a:xfrm>
       </p:grpSpPr>
-      <p:graphicFrame>
-        <p:nvGraphicFramePr>
-          <p:cNvPr id="4" name="Table 4">
-            <a:extLst>
-              <a:ext uri="{FF2B5EF4-FFF2-40B4-BE49-F238E27FC236}">
-                <a16:creationId xmlns:a16="http://schemas.microsoft.com/office/drawing/2014/main" id="{6FD730E3-318B-4E50-8ED5-A0DF45316195}"/>
-              </a:ext>
-            </a:extLst>
-          </p:cNvPr>
-          <p:cNvGraphicFramePr>
-            <a:graphicFrameLocks noGrp="1"/>
-          </p:cNvGraphicFramePr>
-          <p:nvPr>
-            <p:extLst>
-              <p:ext uri="{D42A27DB-BD31-4B8C-83A1-F6EECF244321}">
-                <p14:modId xmlns:p14="http://schemas.microsoft.com/office/powerpoint/2010/main" val="3820643854"/>
-              </p:ext>
-            </p:extLst>
-          </p:nvPr>
-        </p:nvGraphicFramePr>
-        <p:xfrm>
-          <a:off x="245402" y="2309315"/>
-          <a:ext cx="11655900" cy="370840"/>
-        </p:xfrm>
-        <a:graphic>
-          <a:graphicData uri="http://schemas.openxmlformats.org/drawingml/2006/table">
-            <a:tbl>
-              <a:tblPr firstRow="1" bandRow="1">
-                <a:tableStyleId>{5C22544A-7EE6-4342-B048-85BDC9FD1C3A}</a:tableStyleId>
-              </a:tblPr>
-              <a:tblGrid>
-                <a:gridCol w="466236">
-                  <a:extLst>
-                    <a:ext uri="{9D8B030D-6E8A-4147-A177-3AD203B41FA5}">
-                      <a16:colId xmlns:a16="http://schemas.microsoft.com/office/drawing/2014/main" val="1410932271"/>
-                    </a:ext>
-                  </a:extLst>
-                </a:gridCol>
-                <a:gridCol w="466236">
-                  <a:extLst>
-                    <a:ext uri="{9D8B030D-6E8A-4147-A177-3AD203B41FA5}">
-                      <a16:colId xmlns:a16="http://schemas.microsoft.com/office/drawing/2014/main" val="1067691480"/>
-                    </a:ext>
-                  </a:extLst>
-                </a:gridCol>
-                <a:gridCol w="466236">
-                  <a:extLst>
-                    <a:ext uri="{9D8B030D-6E8A-4147-A177-3AD203B41FA5}">
-                      <a16:colId xmlns:a16="http://schemas.microsoft.com/office/drawing/2014/main" val="2021372832"/>
-                    </a:ext>
-                  </a:extLst>
-                </a:gridCol>
-                <a:gridCol w="466236">
-                  <a:extLst>
-                    <a:ext uri="{9D8B030D-6E8A-4147-A177-3AD203B41FA5}">
-                      <a16:colId xmlns:a16="http://schemas.microsoft.com/office/drawing/2014/main" val="4072984539"/>
-                    </a:ext>
-                  </a:extLst>
-                </a:gridCol>
-                <a:gridCol w="466236">
-                  <a:extLst>
-                    <a:ext uri="{9D8B030D-6E8A-4147-A177-3AD203B41FA5}">
-                      <a16:colId xmlns:a16="http://schemas.microsoft.com/office/drawing/2014/main" val="213570486"/>
-                    </a:ext>
-                  </a:extLst>
-                </a:gridCol>
-                <a:gridCol w="466236">
-                  <a:extLst>
-                    <a:ext uri="{9D8B030D-6E8A-4147-A177-3AD203B41FA5}">
-                      <a16:colId xmlns:a16="http://schemas.microsoft.com/office/drawing/2014/main" val="2942264148"/>
-                    </a:ext>
-                  </a:extLst>
-                </a:gridCol>
-                <a:gridCol w="466236">
-                  <a:extLst>
-                    <a:ext uri="{9D8B030D-6E8A-4147-A177-3AD203B41FA5}">
-                      <a16:colId xmlns:a16="http://schemas.microsoft.com/office/drawing/2014/main" val="4073421673"/>
-                    </a:ext>
-                  </a:extLst>
-                </a:gridCol>
-                <a:gridCol w="466236">
-                  <a:extLst>
-                    <a:ext uri="{9D8B030D-6E8A-4147-A177-3AD203B41FA5}">
-                      <a16:colId xmlns:a16="http://schemas.microsoft.com/office/drawing/2014/main" val="2870005006"/>
-                    </a:ext>
-                  </a:extLst>
-                </a:gridCol>
-                <a:gridCol w="466236">
-                  <a:extLst>
-                    <a:ext uri="{9D8B030D-6E8A-4147-A177-3AD203B41FA5}">
-                      <a16:colId xmlns:a16="http://schemas.microsoft.com/office/drawing/2014/main" val="3833067607"/>
-                    </a:ext>
-                  </a:extLst>
-                </a:gridCol>
-                <a:gridCol w="466236">
-                  <a:extLst>
-                    <a:ext uri="{9D8B030D-6E8A-4147-A177-3AD203B41FA5}">
-                      <a16:colId xmlns:a16="http://schemas.microsoft.com/office/drawing/2014/main" val="3922080913"/>
-                    </a:ext>
-                  </a:extLst>
-                </a:gridCol>
-                <a:gridCol w="466236">
-                  <a:extLst>
-                    <a:ext uri="{9D8B030D-6E8A-4147-A177-3AD203B41FA5}">
-                      <a16:colId xmlns:a16="http://schemas.microsoft.com/office/drawing/2014/main" val="3495183467"/>
-                    </a:ext>
-                  </a:extLst>
-                </a:gridCol>
-                <a:gridCol w="466236">
-                  <a:extLst>
-                    <a:ext uri="{9D8B030D-6E8A-4147-A177-3AD203B41FA5}">
-                      <a16:colId xmlns:a16="http://schemas.microsoft.com/office/drawing/2014/main" val="4256863363"/>
-                    </a:ext>
-                  </a:extLst>
-                </a:gridCol>
-                <a:gridCol w="466236">
-                  <a:extLst>
-                    <a:ext uri="{9D8B030D-6E8A-4147-A177-3AD203B41FA5}">
-                      <a16:colId xmlns:a16="http://schemas.microsoft.com/office/drawing/2014/main" val="1076578125"/>
-                    </a:ext>
-                  </a:extLst>
-                </a:gridCol>
-                <a:gridCol w="466236">
-                  <a:extLst>
-                    <a:ext uri="{9D8B030D-6E8A-4147-A177-3AD203B41FA5}">
-                      <a16:colId xmlns:a16="http://schemas.microsoft.com/office/drawing/2014/main" val="3973390970"/>
-                    </a:ext>
-                  </a:extLst>
-                </a:gridCol>
-                <a:gridCol w="466236">
-                  <a:extLst>
-                    <a:ext uri="{9D8B030D-6E8A-4147-A177-3AD203B41FA5}">
-                      <a16:colId xmlns:a16="http://schemas.microsoft.com/office/drawing/2014/main" val="4271474045"/>
-                    </a:ext>
-                  </a:extLst>
-                </a:gridCol>
-                <a:gridCol w="466236">
-                  <a:extLst>
-                    <a:ext uri="{9D8B030D-6E8A-4147-A177-3AD203B41FA5}">
-                      <a16:colId xmlns:a16="http://schemas.microsoft.com/office/drawing/2014/main" val="2398038330"/>
-                    </a:ext>
-                  </a:extLst>
-                </a:gridCol>
-                <a:gridCol w="466236">
-                  <a:extLst>
-                    <a:ext uri="{9D8B030D-6E8A-4147-A177-3AD203B41FA5}">
-                      <a16:colId xmlns:a16="http://schemas.microsoft.com/office/drawing/2014/main" val="3477592205"/>
-                    </a:ext>
-                  </a:extLst>
-                </a:gridCol>
-                <a:gridCol w="466236">
-                  <a:extLst>
-                    <a:ext uri="{9D8B030D-6E8A-4147-A177-3AD203B41FA5}">
-                      <a16:colId xmlns:a16="http://schemas.microsoft.com/office/drawing/2014/main" val="1152749526"/>
-                    </a:ext>
-                  </a:extLst>
-                </a:gridCol>
-                <a:gridCol w="466236">
-                  <a:extLst>
-                    <a:ext uri="{9D8B030D-6E8A-4147-A177-3AD203B41FA5}">
-                      <a16:colId xmlns:a16="http://schemas.microsoft.com/office/drawing/2014/main" val="3085122098"/>
-                    </a:ext>
-                  </a:extLst>
-                </a:gridCol>
-                <a:gridCol w="466236">
-                  <a:extLst>
-                    <a:ext uri="{9D8B030D-6E8A-4147-A177-3AD203B41FA5}">
-                      <a16:colId xmlns:a16="http://schemas.microsoft.com/office/drawing/2014/main" val="2447072344"/>
-                    </a:ext>
-                  </a:extLst>
-                </a:gridCol>
-                <a:gridCol w="466236">
-                  <a:extLst>
-                    <a:ext uri="{9D8B030D-6E8A-4147-A177-3AD203B41FA5}">
-                      <a16:colId xmlns:a16="http://schemas.microsoft.com/office/drawing/2014/main" val="336441042"/>
-                    </a:ext>
-                  </a:extLst>
-                </a:gridCol>
-                <a:gridCol w="466236">
-                  <a:extLst>
-                    <a:ext uri="{9D8B030D-6E8A-4147-A177-3AD203B41FA5}">
-                      <a16:colId xmlns:a16="http://schemas.microsoft.com/office/drawing/2014/main" val="944310644"/>
-                    </a:ext>
-                  </a:extLst>
-                </a:gridCol>
-                <a:gridCol w="466236">
-                  <a:extLst>
-                    <a:ext uri="{9D8B030D-6E8A-4147-A177-3AD203B41FA5}">
-                      <a16:colId xmlns:a16="http://schemas.microsoft.com/office/drawing/2014/main" val="3742512167"/>
-                    </a:ext>
-                  </a:extLst>
-                </a:gridCol>
-                <a:gridCol w="466236">
-                  <a:extLst>
-                    <a:ext uri="{9D8B030D-6E8A-4147-A177-3AD203B41FA5}">
-                      <a16:colId xmlns:a16="http://schemas.microsoft.com/office/drawing/2014/main" val="2317139802"/>
-                    </a:ext>
-                  </a:extLst>
-                </a:gridCol>
-                <a:gridCol w="466236">
-                  <a:extLst>
-                    <a:ext uri="{9D8B030D-6E8A-4147-A177-3AD203B41FA5}">
-                      <a16:colId xmlns:a16="http://schemas.microsoft.com/office/drawing/2014/main" val="2288041145"/>
-                    </a:ext>
-                  </a:extLst>
-                </a:gridCol>
-              </a:tblGrid>
-              <a:tr h="370840">
-                <a:tc>
-                  <a:txBody>
-                    <a:bodyPr/>
-                    <a:lstStyle/>
-                    <a:p>
-                      <a:pPr algn="ctr"/>
-                      <a:endParaRPr lang="en-US" b="0">
-                        <a:ln w="38100">
-                          <a:solidFill>
-                            <a:srgbClr val="212121"/>
-                          </a:solidFill>
-                        </a:ln>
-                        <a:solidFill>
-                          <a:schemeClr val="accent2"/>
-                        </a:solidFill>
-                      </a:endParaRPr>
-                    </a:p>
-                  </a:txBody>
-                  <a:tcPr anchor="ctr">
-                    <a:lnL w="38100" cap="flat" cmpd="sng" algn="ctr">
-                      <a:solidFill>
-                        <a:schemeClr val="tx1"/>
-                      </a:solidFill>
-                      <a:prstDash val="solid"/>
-                      <a:round/>
-                      <a:headEnd type="none" w="med" len="med"/>
-                      <a:tailEnd type="none" w="med" len="med"/>
-                    </a:lnL>
-                    <a:lnR w="38100" cap="flat" cmpd="sng" algn="ctr">
-                      <a:solidFill>
-                        <a:schemeClr val="tx1"/>
-                      </a:solidFill>
-                      <a:prstDash val="solid"/>
-                      <a:round/>
-                      <a:headEnd type="none" w="med" len="med"/>
-                      <a:tailEnd type="none" w="med" len="med"/>
-                    </a:lnR>
-                    <a:lnT w="38100" cap="flat" cmpd="sng" algn="ctr">
-                      <a:solidFill>
-                        <a:schemeClr val="tx1"/>
-                      </a:solidFill>
-                      <a:prstDash val="solid"/>
-                      <a:round/>
-                      <a:headEnd type="none" w="med" len="med"/>
-                      <a:tailEnd type="none" w="med" len="med"/>
-                    </a:lnT>
-                    <a:lnB w="38100" cap="flat" cmpd="sng" algn="ctr">
-                      <a:solidFill>
-                        <a:schemeClr val="tx1"/>
-                      </a:solidFill>
-                      <a:prstDash val="solid"/>
-                      <a:round/>
-                      <a:headEnd type="none" w="med" len="med"/>
-                      <a:tailEnd type="none" w="med" len="med"/>
-                    </a:lnB>
-                    <a:lnTlToBr w="12700" cmpd="sng">
-                      <a:noFill/>
-                      <a:prstDash val="solid"/>
-                    </a:lnTlToBr>
-                    <a:lnBlToTr w="12700" cmpd="sng">
-                      <a:noFill/>
-                      <a:prstDash val="solid"/>
-                    </a:lnBlToTr>
-                    <a:solidFill>
-                      <a:schemeClr val="bg1"/>
-                    </a:solidFill>
-                  </a:tcPr>
-                </a:tc>
-                <a:tc>
-                  <a:txBody>
-                    <a:bodyPr/>
-                    <a:lstStyle/>
-                    <a:p>
-                      <a:pPr algn="ctr"/>
-                      <a:endParaRPr lang="en-US" b="0">
-                        <a:ln w="38100">
-                          <a:solidFill>
-                            <a:srgbClr val="212121"/>
-                          </a:solidFill>
-                        </a:ln>
-                        <a:solidFill>
-                          <a:schemeClr val="accent2"/>
-                        </a:solidFill>
-                      </a:endParaRPr>
-                    </a:p>
-                  </a:txBody>
-                  <a:tcPr anchor="ctr">
-                    <a:lnL w="38100" cap="flat" cmpd="sng" algn="ctr">
-                      <a:solidFill>
-                        <a:schemeClr val="tx1"/>
-                      </a:solidFill>
-                      <a:prstDash val="solid"/>
-                      <a:round/>
-                      <a:headEnd type="none" w="med" len="med"/>
-                      <a:tailEnd type="none" w="med" len="med"/>
-                    </a:lnL>
-                    <a:lnR w="38100" cap="flat" cmpd="sng" algn="ctr">
-                      <a:solidFill>
-                        <a:schemeClr val="tx1"/>
-                      </a:solidFill>
-                      <a:prstDash val="solid"/>
-                      <a:round/>
-                      <a:headEnd type="none" w="med" len="med"/>
-                      <a:tailEnd type="none" w="med" len="med"/>
-                    </a:lnR>
-                    <a:lnT w="38100" cap="flat" cmpd="sng" algn="ctr">
-                      <a:solidFill>
-                        <a:schemeClr val="tx1"/>
-                      </a:solidFill>
-                      <a:prstDash val="solid"/>
-                      <a:round/>
-                      <a:headEnd type="none" w="med" len="med"/>
-                      <a:tailEnd type="none" w="med" len="med"/>
-                    </a:lnT>
-                    <a:lnB w="38100" cap="flat" cmpd="sng" algn="ctr">
-                      <a:solidFill>
-                        <a:schemeClr val="tx1"/>
-                      </a:solidFill>
-                      <a:prstDash val="solid"/>
-                      <a:round/>
-                      <a:headEnd type="none" w="med" len="med"/>
-                      <a:tailEnd type="none" w="med" len="med"/>
-                    </a:lnB>
-                    <a:lnTlToBr w="12700" cmpd="sng">
-                      <a:noFill/>
-                      <a:prstDash val="solid"/>
-                    </a:lnTlToBr>
-                    <a:lnBlToTr w="12700" cmpd="sng">
-                      <a:noFill/>
-                      <a:prstDash val="solid"/>
-                    </a:lnBlToTr>
-                    <a:solidFill>
-                      <a:schemeClr val="bg1"/>
-                    </a:solidFill>
-                  </a:tcPr>
-                </a:tc>
-                <a:tc>
-                  <a:txBody>
-                    <a:bodyPr/>
-                    <a:lstStyle/>
-                    <a:p>
-                      <a:pPr algn="ctr"/>
-                      <a:endParaRPr lang="en-US" b="0">
-                        <a:ln w="38100">
-                          <a:solidFill>
-                            <a:srgbClr val="212121"/>
-                          </a:solidFill>
-                        </a:ln>
-                        <a:solidFill>
-                          <a:schemeClr val="accent2"/>
-                        </a:solidFill>
-                      </a:endParaRPr>
-                    </a:p>
-                  </a:txBody>
-                  <a:tcPr anchor="ctr">
-                    <a:lnL w="38100" cap="flat" cmpd="sng" algn="ctr">
-                      <a:solidFill>
-                        <a:schemeClr val="tx1"/>
-                      </a:solidFill>
-                      <a:prstDash val="solid"/>
-                      <a:round/>
-                      <a:headEnd type="none" w="med" len="med"/>
-                      <a:tailEnd type="none" w="med" len="med"/>
-                    </a:lnL>
-                    <a:lnR w="38100" cap="flat" cmpd="sng" algn="ctr">
-                      <a:solidFill>
-                        <a:schemeClr val="tx1"/>
-                      </a:solidFill>
-                      <a:prstDash val="solid"/>
-                      <a:round/>
-                      <a:headEnd type="none" w="med" len="med"/>
-                      <a:tailEnd type="none" w="med" len="med"/>
-                    </a:lnR>
-                    <a:lnT w="38100" cap="flat" cmpd="sng" algn="ctr">
-                      <a:solidFill>
-                        <a:schemeClr val="tx1"/>
-                      </a:solidFill>
-                      <a:prstDash val="solid"/>
-                      <a:round/>
-                      <a:headEnd type="none" w="med" len="med"/>
-                      <a:tailEnd type="none" w="med" len="med"/>
-                    </a:lnT>
-                    <a:lnB w="38100" cap="flat" cmpd="sng" algn="ctr">
-                      <a:solidFill>
-                        <a:schemeClr val="tx1"/>
-                      </a:solidFill>
-                      <a:prstDash val="solid"/>
-                      <a:round/>
-                      <a:headEnd type="none" w="med" len="med"/>
-                      <a:tailEnd type="none" w="med" len="med"/>
-                    </a:lnB>
-                    <a:lnTlToBr w="12700" cmpd="sng">
-                      <a:noFill/>
-                      <a:prstDash val="solid"/>
-                    </a:lnTlToBr>
-                    <a:lnBlToTr w="12700" cmpd="sng">
-                      <a:noFill/>
-                      <a:prstDash val="solid"/>
-                    </a:lnBlToTr>
-                    <a:solidFill>
-                      <a:schemeClr val="bg1"/>
-                    </a:solidFill>
-                  </a:tcPr>
-                </a:tc>
-                <a:tc>
-                  <a:txBody>
-                    <a:bodyPr/>
-                    <a:lstStyle/>
-                    <a:p>
-                      <a:pPr algn="ctr"/>
-                      <a:endParaRPr lang="en-US" b="0">
-                        <a:ln w="38100">
-                          <a:solidFill>
-                            <a:srgbClr val="212121"/>
-                          </a:solidFill>
-                        </a:ln>
-                        <a:solidFill>
-                          <a:schemeClr val="accent2"/>
-                        </a:solidFill>
-                      </a:endParaRPr>
-                    </a:p>
-                  </a:txBody>
-                  <a:tcPr anchor="ctr">
-                    <a:lnL w="38100" cap="flat" cmpd="sng" algn="ctr">
-                      <a:solidFill>
-                        <a:schemeClr val="tx1"/>
-                      </a:solidFill>
-                      <a:prstDash val="solid"/>
-                      <a:round/>
-                      <a:headEnd type="none" w="med" len="med"/>
-                      <a:tailEnd type="none" w="med" len="med"/>
-                    </a:lnL>
-                    <a:lnR w="38100" cap="flat" cmpd="sng" algn="ctr">
-                      <a:solidFill>
-                        <a:schemeClr val="tx1"/>
-                      </a:solidFill>
-                      <a:prstDash val="solid"/>
-                      <a:round/>
-                      <a:headEnd type="none" w="med" len="med"/>
-                      <a:tailEnd type="none" w="med" len="med"/>
-                    </a:lnR>
-                    <a:lnT w="38100" cap="flat" cmpd="sng" algn="ctr">
-                      <a:solidFill>
-                        <a:schemeClr val="tx1"/>
-                      </a:solidFill>
-                      <a:prstDash val="solid"/>
-                      <a:round/>
-                      <a:headEnd type="none" w="med" len="med"/>
-                      <a:tailEnd type="none" w="med" len="med"/>
-                    </a:lnT>
-                    <a:lnB w="38100" cap="flat" cmpd="sng" algn="ctr">
-                      <a:solidFill>
-                        <a:schemeClr val="tx1"/>
-                      </a:solidFill>
-                      <a:prstDash val="solid"/>
-                      <a:round/>
-                      <a:headEnd type="none" w="med" len="med"/>
-                      <a:tailEnd type="none" w="med" len="med"/>
-                    </a:lnB>
-                    <a:lnTlToBr w="12700" cmpd="sng">
-                      <a:noFill/>
-                      <a:prstDash val="solid"/>
-                    </a:lnTlToBr>
-                    <a:lnBlToTr w="12700" cmpd="sng">
-                      <a:noFill/>
-                      <a:prstDash val="solid"/>
-                    </a:lnBlToTr>
-                    <a:solidFill>
-                      <a:schemeClr val="bg1"/>
-                    </a:solidFill>
-                  </a:tcPr>
-                </a:tc>
-                <a:tc>
-                  <a:txBody>
-                    <a:bodyPr/>
-                    <a:lstStyle/>
-                    <a:p>
-                      <a:pPr algn="ctr"/>
-                      <a:endParaRPr lang="en-US" b="0">
-                        <a:ln w="38100">
-                          <a:solidFill>
-                            <a:srgbClr val="212121"/>
-                          </a:solidFill>
-                        </a:ln>
-                        <a:solidFill>
-                          <a:schemeClr val="accent2"/>
-                        </a:solidFill>
-                      </a:endParaRPr>
-                    </a:p>
-                  </a:txBody>
-                  <a:tcPr anchor="ctr">
-                    <a:lnL w="38100" cap="flat" cmpd="sng" algn="ctr">
-                      <a:solidFill>
-                        <a:schemeClr val="tx1"/>
-                      </a:solidFill>
-                      <a:prstDash val="solid"/>
-                      <a:round/>
-                      <a:headEnd type="none" w="med" len="med"/>
-                      <a:tailEnd type="none" w="med" len="med"/>
-                    </a:lnL>
-                    <a:lnR w="38100" cap="flat" cmpd="sng" algn="ctr">
-                      <a:solidFill>
-                        <a:schemeClr val="tx1"/>
-                      </a:solidFill>
-                      <a:prstDash val="solid"/>
-                      <a:round/>
-                      <a:headEnd type="none" w="med" len="med"/>
-                      <a:tailEnd type="none" w="med" len="med"/>
-                    </a:lnR>
-                    <a:lnT w="38100" cap="flat" cmpd="sng" algn="ctr">
-                      <a:solidFill>
-                        <a:schemeClr val="tx1"/>
-                      </a:solidFill>
-                      <a:prstDash val="solid"/>
-                      <a:round/>
-                      <a:headEnd type="none" w="med" len="med"/>
-                      <a:tailEnd type="none" w="med" len="med"/>
-                    </a:lnT>
-                    <a:lnB w="38100" cap="flat" cmpd="sng" algn="ctr">
-                      <a:solidFill>
-                        <a:schemeClr val="tx1"/>
-                      </a:solidFill>
-                      <a:prstDash val="solid"/>
-                      <a:round/>
-                      <a:headEnd type="none" w="med" len="med"/>
-                      <a:tailEnd type="none" w="med" len="med"/>
-                    </a:lnB>
-                    <a:lnTlToBr w="12700" cmpd="sng">
-                      <a:noFill/>
-                      <a:prstDash val="solid"/>
-                    </a:lnTlToBr>
-                    <a:lnBlToTr w="12700" cmpd="sng">
-                      <a:noFill/>
-                      <a:prstDash val="solid"/>
-                    </a:lnBlToTr>
-                    <a:solidFill>
-                      <a:schemeClr val="bg1"/>
-                    </a:solidFill>
-                  </a:tcPr>
-                </a:tc>
-                <a:tc>
-                  <a:txBody>
-                    <a:bodyPr/>
-                    <a:lstStyle/>
-                    <a:p>
-                      <a:pPr algn="ctr"/>
-                      <a:endParaRPr lang="en-US" b="0">
-                        <a:ln w="38100">
-                          <a:solidFill>
-                            <a:srgbClr val="212121"/>
-                          </a:solidFill>
-                        </a:ln>
-                        <a:solidFill>
-                          <a:schemeClr val="accent2"/>
-                        </a:solidFill>
-                      </a:endParaRPr>
-                    </a:p>
-                  </a:txBody>
-                  <a:tcPr anchor="ctr">
-                    <a:lnL w="38100" cap="flat" cmpd="sng" algn="ctr">
-                      <a:solidFill>
-                        <a:schemeClr val="tx1"/>
-                      </a:solidFill>
-                      <a:prstDash val="solid"/>
-                      <a:round/>
-                      <a:headEnd type="none" w="med" len="med"/>
-                      <a:tailEnd type="none" w="med" len="med"/>
-                    </a:lnL>
-                    <a:lnR w="38100" cap="flat" cmpd="sng" algn="ctr">
-                      <a:solidFill>
-                        <a:schemeClr val="tx1"/>
-                      </a:solidFill>
-                      <a:prstDash val="solid"/>
-                      <a:round/>
-                      <a:headEnd type="none" w="med" len="med"/>
-                      <a:tailEnd type="none" w="med" len="med"/>
-                    </a:lnR>
-                    <a:lnT w="38100" cap="flat" cmpd="sng" algn="ctr">
-                      <a:solidFill>
-                        <a:schemeClr val="tx1"/>
-                      </a:solidFill>
-                      <a:prstDash val="solid"/>
-                      <a:round/>
-                      <a:headEnd type="none" w="med" len="med"/>
-                      <a:tailEnd type="none" w="med" len="med"/>
-                    </a:lnT>
-                    <a:lnB w="38100" cap="flat" cmpd="sng" algn="ctr">
-                      <a:solidFill>
-                        <a:schemeClr val="tx1"/>
-                      </a:solidFill>
-                      <a:prstDash val="solid"/>
-                      <a:round/>
-                      <a:headEnd type="none" w="med" len="med"/>
-                      <a:tailEnd type="none" w="med" len="med"/>
-                    </a:lnB>
-                    <a:lnTlToBr w="12700" cmpd="sng">
-                      <a:noFill/>
-                      <a:prstDash val="solid"/>
-                    </a:lnTlToBr>
-                    <a:lnBlToTr w="12700" cmpd="sng">
-                      <a:noFill/>
-                      <a:prstDash val="solid"/>
-                    </a:lnBlToTr>
-                    <a:solidFill>
-                      <a:schemeClr val="bg1"/>
-                    </a:solidFill>
-                  </a:tcPr>
-                </a:tc>
-                <a:tc>
-                  <a:txBody>
-                    <a:bodyPr/>
-                    <a:lstStyle/>
-                    <a:p>
-                      <a:pPr algn="ctr"/>
-                      <a:endParaRPr lang="en-US" b="0">
-                        <a:ln w="38100">
-                          <a:solidFill>
-                            <a:srgbClr val="212121"/>
-                          </a:solidFill>
-                        </a:ln>
-                        <a:solidFill>
-                          <a:schemeClr val="accent2"/>
-                        </a:solidFill>
-                      </a:endParaRPr>
-                    </a:p>
-                  </a:txBody>
-                  <a:tcPr anchor="ctr">
-                    <a:lnL w="38100" cap="flat" cmpd="sng" algn="ctr">
-                      <a:solidFill>
-                        <a:schemeClr val="tx1"/>
-                      </a:solidFill>
-                      <a:prstDash val="solid"/>
-                      <a:round/>
-                      <a:headEnd type="none" w="med" len="med"/>
-                      <a:tailEnd type="none" w="med" len="med"/>
-                    </a:lnL>
-                    <a:lnR w="38100" cap="flat" cmpd="sng" algn="ctr">
-                      <a:solidFill>
-                        <a:schemeClr val="tx1"/>
-                      </a:solidFill>
-                      <a:prstDash val="solid"/>
-                      <a:round/>
-                      <a:headEnd type="none" w="med" len="med"/>
-                      <a:tailEnd type="none" w="med" len="med"/>
-                    </a:lnR>
-                    <a:lnT w="38100" cap="flat" cmpd="sng" algn="ctr">
-                      <a:solidFill>
-                        <a:schemeClr val="tx1"/>
-                      </a:solidFill>
-                      <a:prstDash val="solid"/>
-                      <a:round/>
-                      <a:headEnd type="none" w="med" len="med"/>
-                      <a:tailEnd type="none" w="med" len="med"/>
-                    </a:lnT>
-                    <a:lnB w="38100" cap="flat" cmpd="sng" algn="ctr">
-                      <a:solidFill>
-                        <a:schemeClr val="tx1"/>
-                      </a:solidFill>
-                      <a:prstDash val="solid"/>
-                      <a:round/>
-                      <a:headEnd type="none" w="med" len="med"/>
-                      <a:tailEnd type="none" w="med" len="med"/>
-                    </a:lnB>
-                    <a:lnTlToBr w="12700" cmpd="sng">
-                      <a:noFill/>
-                      <a:prstDash val="solid"/>
-                    </a:lnTlToBr>
-                    <a:lnBlToTr w="12700" cmpd="sng">
-                      <a:noFill/>
-                      <a:prstDash val="solid"/>
-                    </a:lnBlToTr>
-                    <a:solidFill>
-                      <a:schemeClr val="bg1"/>
-                    </a:solidFill>
-                  </a:tcPr>
-                </a:tc>
-                <a:tc>
-                  <a:txBody>
-                    <a:bodyPr/>
-                    <a:lstStyle/>
-                    <a:p>
-                      <a:pPr algn="ctr"/>
-                      <a:endParaRPr lang="en-US" b="0">
-                        <a:ln w="38100">
-                          <a:solidFill>
-                            <a:srgbClr val="212121"/>
-                          </a:solidFill>
-                        </a:ln>
-                        <a:solidFill>
-                          <a:schemeClr val="accent2"/>
-                        </a:solidFill>
-                      </a:endParaRPr>
-                    </a:p>
-                  </a:txBody>
-                  <a:tcPr anchor="ctr">
-                    <a:lnL w="38100" cap="flat" cmpd="sng" algn="ctr">
-                      <a:solidFill>
-                        <a:schemeClr val="tx1"/>
-                      </a:solidFill>
-                      <a:prstDash val="solid"/>
-                      <a:round/>
-                      <a:headEnd type="none" w="med" len="med"/>
-                      <a:tailEnd type="none" w="med" len="med"/>
-                    </a:lnL>
-                    <a:lnR w="38100" cap="flat" cmpd="sng" algn="ctr">
-                      <a:solidFill>
-                        <a:schemeClr val="tx1"/>
-                      </a:solidFill>
-                      <a:prstDash val="solid"/>
-                      <a:round/>
-                      <a:headEnd type="none" w="med" len="med"/>
-                      <a:tailEnd type="none" w="med" len="med"/>
-                    </a:lnR>
-                    <a:lnT w="38100" cap="flat" cmpd="sng" algn="ctr">
-                      <a:solidFill>
-                        <a:schemeClr val="tx1"/>
-                      </a:solidFill>
-                      <a:prstDash val="solid"/>
-                      <a:round/>
-                      <a:headEnd type="none" w="med" len="med"/>
-                      <a:tailEnd type="none" w="med" len="med"/>
-                    </a:lnT>
-                    <a:lnB w="38100" cap="flat" cmpd="sng" algn="ctr">
-                      <a:solidFill>
-                        <a:schemeClr val="tx1"/>
-                      </a:solidFill>
-                      <a:prstDash val="solid"/>
-                      <a:round/>
-                      <a:headEnd type="none" w="med" len="med"/>
-                      <a:tailEnd type="none" w="med" len="med"/>
-                    </a:lnB>
-                    <a:lnTlToBr w="12700" cmpd="sng">
-                      <a:noFill/>
-                      <a:prstDash val="solid"/>
-                    </a:lnTlToBr>
-                    <a:lnBlToTr w="12700" cmpd="sng">
-                      <a:noFill/>
-                      <a:prstDash val="solid"/>
-                    </a:lnBlToTr>
-                    <a:solidFill>
-                      <a:schemeClr val="bg1"/>
-                    </a:solidFill>
-                  </a:tcPr>
-                </a:tc>
-                <a:tc>
-                  <a:txBody>
-                    <a:bodyPr/>
-                    <a:lstStyle/>
-                    <a:p>
-                      <a:pPr algn="ctr"/>
-                      <a:endParaRPr lang="en-US" b="0">
-                        <a:ln w="38100">
-                          <a:solidFill>
-                            <a:srgbClr val="212121"/>
-                          </a:solidFill>
-                        </a:ln>
-                        <a:solidFill>
-                          <a:schemeClr val="accent2"/>
-                        </a:solidFill>
-                      </a:endParaRPr>
-                    </a:p>
-                  </a:txBody>
-                  <a:tcPr anchor="ctr">
-                    <a:lnL w="38100" cap="flat" cmpd="sng" algn="ctr">
-                      <a:solidFill>
-                        <a:schemeClr val="tx1"/>
-                      </a:solidFill>
-                      <a:prstDash val="solid"/>
-                      <a:round/>
-                      <a:headEnd type="none" w="med" len="med"/>
-                      <a:tailEnd type="none" w="med" len="med"/>
-                    </a:lnL>
-                    <a:lnR w="38100" cap="flat" cmpd="sng" algn="ctr">
-                      <a:solidFill>
-                        <a:schemeClr val="tx1"/>
-                      </a:solidFill>
-                      <a:prstDash val="solid"/>
-                      <a:round/>
-                      <a:headEnd type="none" w="med" len="med"/>
-                      <a:tailEnd type="none" w="med" len="med"/>
-                    </a:lnR>
-                    <a:lnT w="38100" cap="flat" cmpd="sng" algn="ctr">
-                      <a:solidFill>
-                        <a:schemeClr val="tx1"/>
-                      </a:solidFill>
-                      <a:prstDash val="solid"/>
-                      <a:round/>
-                      <a:headEnd type="none" w="med" len="med"/>
-                      <a:tailEnd type="none" w="med" len="med"/>
-                    </a:lnT>
-                    <a:lnB w="38100" cap="flat" cmpd="sng" algn="ctr">
-                      <a:solidFill>
-                        <a:schemeClr val="tx1"/>
-                      </a:solidFill>
-                      <a:prstDash val="solid"/>
-                      <a:round/>
-                      <a:headEnd type="none" w="med" len="med"/>
-                      <a:tailEnd type="none" w="med" len="med"/>
-                    </a:lnB>
-                    <a:lnTlToBr w="12700" cmpd="sng">
-                      <a:noFill/>
-                      <a:prstDash val="solid"/>
-                    </a:lnTlToBr>
-                    <a:lnBlToTr w="12700" cmpd="sng">
-                      <a:noFill/>
-                      <a:prstDash val="solid"/>
-                    </a:lnBlToTr>
-                    <a:solidFill>
-                      <a:schemeClr val="bg1"/>
-                    </a:solidFill>
-                  </a:tcPr>
-                </a:tc>
-                <a:tc>
-                  <a:txBody>
-                    <a:bodyPr/>
-                    <a:lstStyle/>
-                    <a:p>
-                      <a:pPr algn="ctr"/>
-                      <a:endParaRPr lang="en-US" b="0">
-                        <a:ln w="38100">
-                          <a:solidFill>
-                            <a:srgbClr val="212121"/>
-                          </a:solidFill>
-                        </a:ln>
-                        <a:solidFill>
-                          <a:schemeClr val="accent2"/>
-                        </a:solidFill>
-                      </a:endParaRPr>
-                    </a:p>
-                  </a:txBody>
-                  <a:tcPr anchor="ctr">
-                    <a:lnL w="38100" cap="flat" cmpd="sng" algn="ctr">
-                      <a:solidFill>
-                        <a:schemeClr val="tx1"/>
-                      </a:solidFill>
-                      <a:prstDash val="solid"/>
-                      <a:round/>
-                      <a:headEnd type="none" w="med" len="med"/>
-                      <a:tailEnd type="none" w="med" len="med"/>
-                    </a:lnL>
-                    <a:lnR w="38100" cap="flat" cmpd="sng" algn="ctr">
-                      <a:solidFill>
-                        <a:schemeClr val="tx1"/>
-                      </a:solidFill>
-                      <a:prstDash val="solid"/>
-                      <a:round/>
-                      <a:headEnd type="none" w="med" len="med"/>
-                      <a:tailEnd type="none" w="med" len="med"/>
-                    </a:lnR>
-                    <a:lnT w="38100" cap="flat" cmpd="sng" algn="ctr">
-                      <a:solidFill>
-                        <a:schemeClr val="tx1"/>
-                      </a:solidFill>
-                      <a:prstDash val="solid"/>
-                      <a:round/>
-                      <a:headEnd type="none" w="med" len="med"/>
-                      <a:tailEnd type="none" w="med" len="med"/>
-                    </a:lnT>
-                    <a:lnB w="38100" cap="flat" cmpd="sng" algn="ctr">
-                      <a:solidFill>
-                        <a:schemeClr val="tx1"/>
-                      </a:solidFill>
-                      <a:prstDash val="solid"/>
-                      <a:round/>
-                      <a:headEnd type="none" w="med" len="med"/>
-                      <a:tailEnd type="none" w="med" len="med"/>
-                    </a:lnB>
-                    <a:lnTlToBr w="12700" cmpd="sng">
-                      <a:noFill/>
-                      <a:prstDash val="solid"/>
-                    </a:lnTlToBr>
-                    <a:lnBlToTr w="12700" cmpd="sng">
-                      <a:noFill/>
-                      <a:prstDash val="solid"/>
-                    </a:lnBlToTr>
-                    <a:solidFill>
-                      <a:schemeClr val="bg1"/>
-                    </a:solidFill>
-                  </a:tcPr>
-                </a:tc>
-                <a:tc>
-                  <a:txBody>
-                    <a:bodyPr/>
-                    <a:lstStyle/>
-                    <a:p>
-                      <a:pPr algn="ctr"/>
-                      <a:endParaRPr lang="en-US" b="0">
-                        <a:ln w="38100">
-                          <a:solidFill>
-                            <a:srgbClr val="212121"/>
-                          </a:solidFill>
-                        </a:ln>
-                        <a:solidFill>
-                          <a:schemeClr val="accent2"/>
-                        </a:solidFill>
-                      </a:endParaRPr>
-                    </a:p>
-                  </a:txBody>
-                  <a:tcPr anchor="ctr">
-                    <a:lnL w="38100" cap="flat" cmpd="sng" algn="ctr">
-                      <a:solidFill>
-                        <a:schemeClr val="tx1"/>
-                      </a:solidFill>
-                      <a:prstDash val="solid"/>
-                      <a:round/>
-                      <a:headEnd type="none" w="med" len="med"/>
-                      <a:tailEnd type="none" w="med" len="med"/>
-                    </a:lnL>
-                    <a:lnR w="38100" cap="flat" cmpd="sng" algn="ctr">
-                      <a:solidFill>
-                        <a:schemeClr val="tx1"/>
-                      </a:solidFill>
-                      <a:prstDash val="solid"/>
-                      <a:round/>
-                      <a:headEnd type="none" w="med" len="med"/>
-                      <a:tailEnd type="none" w="med" len="med"/>
-                    </a:lnR>
-                    <a:lnT w="38100" cap="flat" cmpd="sng" algn="ctr">
-                      <a:solidFill>
-                        <a:schemeClr val="tx1"/>
-                      </a:solidFill>
-                      <a:prstDash val="solid"/>
-                      <a:round/>
-                      <a:headEnd type="none" w="med" len="med"/>
-                      <a:tailEnd type="none" w="med" len="med"/>
-                    </a:lnT>
-                    <a:lnB w="38100" cap="flat" cmpd="sng" algn="ctr">
-                      <a:solidFill>
-                        <a:schemeClr val="tx1"/>
-                      </a:solidFill>
-                      <a:prstDash val="solid"/>
-                      <a:round/>
-                      <a:headEnd type="none" w="med" len="med"/>
-                      <a:tailEnd type="none" w="med" len="med"/>
-                    </a:lnB>
-                    <a:lnTlToBr w="12700" cmpd="sng">
-                      <a:noFill/>
-                      <a:prstDash val="solid"/>
-                    </a:lnTlToBr>
-                    <a:lnBlToTr w="12700" cmpd="sng">
-                      <a:noFill/>
-                      <a:prstDash val="solid"/>
-                    </a:lnBlToTr>
-                    <a:solidFill>
-                      <a:schemeClr val="bg1"/>
-                    </a:solidFill>
-                  </a:tcPr>
-                </a:tc>
-                <a:tc>
-                  <a:txBody>
-                    <a:bodyPr/>
-                    <a:lstStyle/>
-                    <a:p>
-                      <a:pPr algn="ctr"/>
-                      <a:endParaRPr lang="en-US" b="0">
-                        <a:ln w="38100">
-                          <a:solidFill>
-                            <a:srgbClr val="212121"/>
-                          </a:solidFill>
-                        </a:ln>
-                        <a:solidFill>
-                          <a:schemeClr val="accent2"/>
-                        </a:solidFill>
-                      </a:endParaRPr>
-                    </a:p>
-                  </a:txBody>
-                  <a:tcPr anchor="ctr">
-                    <a:lnL w="38100" cap="flat" cmpd="sng" algn="ctr">
-                      <a:solidFill>
-                        <a:schemeClr val="tx1"/>
-                      </a:solidFill>
-                      <a:prstDash val="solid"/>
-                      <a:round/>
-                      <a:headEnd type="none" w="med" len="med"/>
-                      <a:tailEnd type="none" w="med" len="med"/>
-                    </a:lnL>
-                    <a:lnR w="38100" cap="flat" cmpd="sng" algn="ctr">
-                      <a:solidFill>
-                        <a:schemeClr val="tx1"/>
-                      </a:solidFill>
-                      <a:prstDash val="solid"/>
-                      <a:round/>
-                      <a:headEnd type="none" w="med" len="med"/>
-                      <a:tailEnd type="none" w="med" len="med"/>
-                    </a:lnR>
-                    <a:lnT w="38100" cap="flat" cmpd="sng" algn="ctr">
-                      <a:solidFill>
-                        <a:schemeClr val="tx1"/>
-                      </a:solidFill>
-                      <a:prstDash val="solid"/>
-                      <a:round/>
-                      <a:headEnd type="none" w="med" len="med"/>
-                      <a:tailEnd type="none" w="med" len="med"/>
-                    </a:lnT>
-                    <a:lnB w="38100" cap="flat" cmpd="sng" algn="ctr">
-                      <a:solidFill>
-                        <a:schemeClr val="tx1"/>
-                      </a:solidFill>
-                      <a:prstDash val="solid"/>
-                      <a:round/>
-                      <a:headEnd type="none" w="med" len="med"/>
-                      <a:tailEnd type="none" w="med" len="med"/>
-                    </a:lnB>
-                    <a:lnTlToBr w="12700" cmpd="sng">
-                      <a:noFill/>
-                      <a:prstDash val="solid"/>
-                    </a:lnTlToBr>
-                    <a:lnBlToTr w="12700" cmpd="sng">
-                      <a:noFill/>
-                      <a:prstDash val="solid"/>
-                    </a:lnBlToTr>
-                    <a:solidFill>
-                      <a:schemeClr val="bg1"/>
-                    </a:solidFill>
-                  </a:tcPr>
-                </a:tc>
-                <a:tc>
-                  <a:txBody>
-                    <a:bodyPr/>
-                    <a:lstStyle/>
-                    <a:p>
-                      <a:pPr algn="ctr"/>
-                      <a:endParaRPr lang="en-US" b="0">
-                        <a:ln w="38100">
-                          <a:solidFill>
-                            <a:srgbClr val="212121"/>
-                          </a:solidFill>
-                        </a:ln>
-                        <a:solidFill>
-                          <a:schemeClr val="accent2"/>
-                        </a:solidFill>
-                      </a:endParaRPr>
-                    </a:p>
-                  </a:txBody>
-                  <a:tcPr anchor="ctr">
-                    <a:lnL w="38100" cap="flat" cmpd="sng" algn="ctr">
-                      <a:solidFill>
-                        <a:schemeClr val="tx1"/>
-                      </a:solidFill>
-                      <a:prstDash val="solid"/>
-                      <a:round/>
-                      <a:headEnd type="none" w="med" len="med"/>
-                      <a:tailEnd type="none" w="med" len="med"/>
-                    </a:lnL>
-                    <a:lnR w="38100" cap="flat" cmpd="sng" algn="ctr">
-                      <a:solidFill>
-                        <a:schemeClr val="tx1"/>
-                      </a:solidFill>
-                      <a:prstDash val="solid"/>
-                      <a:round/>
-                      <a:headEnd type="none" w="med" len="med"/>
-                      <a:tailEnd type="none" w="med" len="med"/>
-                    </a:lnR>
-                    <a:lnT w="38100" cap="flat" cmpd="sng" algn="ctr">
-                      <a:solidFill>
-                        <a:schemeClr val="tx1"/>
-                      </a:solidFill>
-                      <a:prstDash val="solid"/>
-                      <a:round/>
-                      <a:headEnd type="none" w="med" len="med"/>
-                      <a:tailEnd type="none" w="med" len="med"/>
-                    </a:lnT>
-                    <a:lnB w="38100" cap="flat" cmpd="sng" algn="ctr">
-                      <a:solidFill>
-                        <a:schemeClr val="tx1"/>
-                      </a:solidFill>
-                      <a:prstDash val="solid"/>
-                      <a:round/>
-                      <a:headEnd type="none" w="med" len="med"/>
-                      <a:tailEnd type="none" w="med" len="med"/>
-                    </a:lnB>
-                    <a:lnTlToBr w="12700" cmpd="sng">
-                      <a:noFill/>
-                      <a:prstDash val="solid"/>
-                    </a:lnTlToBr>
-                    <a:lnBlToTr w="12700" cmpd="sng">
-                      <a:noFill/>
-                      <a:prstDash val="solid"/>
-                    </a:lnBlToTr>
-                    <a:solidFill>
-                      <a:schemeClr val="bg1"/>
-                    </a:solidFill>
-                  </a:tcPr>
-                </a:tc>
-                <a:tc>
-                  <a:txBody>
-                    <a:bodyPr/>
-                    <a:lstStyle/>
-                    <a:p>
-                      <a:pPr algn="ctr"/>
-                      <a:endParaRPr lang="en-US" b="0">
-                        <a:ln w="38100">
-                          <a:solidFill>
-                            <a:srgbClr val="212121"/>
-                          </a:solidFill>
-                        </a:ln>
-                        <a:solidFill>
-                          <a:schemeClr val="accent2"/>
-                        </a:solidFill>
-                      </a:endParaRPr>
-                    </a:p>
-                  </a:txBody>
-                  <a:tcPr anchor="ctr">
-                    <a:lnL w="38100" cap="flat" cmpd="sng" algn="ctr">
-                      <a:solidFill>
-                        <a:schemeClr val="tx1"/>
-                      </a:solidFill>
-                      <a:prstDash val="solid"/>
-                      <a:round/>
-                      <a:headEnd type="none" w="med" len="med"/>
-                      <a:tailEnd type="none" w="med" len="med"/>
-                    </a:lnL>
-                    <a:lnR w="38100" cap="flat" cmpd="sng" algn="ctr">
-                      <a:solidFill>
-                        <a:schemeClr val="tx1"/>
-                      </a:solidFill>
-                      <a:prstDash val="solid"/>
-                      <a:round/>
-                      <a:headEnd type="none" w="med" len="med"/>
-                      <a:tailEnd type="none" w="med" len="med"/>
-                    </a:lnR>
-                    <a:lnT w="38100" cap="flat" cmpd="sng" algn="ctr">
-                      <a:solidFill>
-                        <a:schemeClr val="tx1"/>
-                      </a:solidFill>
-                      <a:prstDash val="solid"/>
-                      <a:round/>
-                      <a:headEnd type="none" w="med" len="med"/>
-                      <a:tailEnd type="none" w="med" len="med"/>
-                    </a:lnT>
-                    <a:lnB w="38100" cap="flat" cmpd="sng" algn="ctr">
-                      <a:solidFill>
-                        <a:schemeClr val="tx1"/>
-                      </a:solidFill>
-                      <a:prstDash val="solid"/>
-                      <a:round/>
-                      <a:headEnd type="none" w="med" len="med"/>
-                      <a:tailEnd type="none" w="med" len="med"/>
-                    </a:lnB>
-                    <a:lnTlToBr w="12700" cmpd="sng">
-                      <a:noFill/>
-                      <a:prstDash val="solid"/>
-                    </a:lnTlToBr>
-                    <a:lnBlToTr w="12700" cmpd="sng">
-                      <a:noFill/>
-                      <a:prstDash val="solid"/>
-                    </a:lnBlToTr>
-                    <a:solidFill>
-                      <a:schemeClr val="bg1"/>
-                    </a:solidFill>
-                  </a:tcPr>
-                </a:tc>
-                <a:tc>
-                  <a:txBody>
-                    <a:bodyPr/>
-                    <a:lstStyle/>
-                    <a:p>
-                      <a:pPr algn="ctr"/>
-                      <a:endParaRPr lang="en-US" b="0">
-                        <a:ln w="38100">
-                          <a:solidFill>
-                            <a:srgbClr val="212121"/>
-                          </a:solidFill>
-                        </a:ln>
-                        <a:solidFill>
-                          <a:schemeClr val="accent2"/>
-                        </a:solidFill>
-                      </a:endParaRPr>
-                    </a:p>
-                  </a:txBody>
-                  <a:tcPr anchor="ctr">
-                    <a:lnL w="38100" cap="flat" cmpd="sng" algn="ctr">
-                      <a:solidFill>
-                        <a:schemeClr val="tx1"/>
-                      </a:solidFill>
-                      <a:prstDash val="solid"/>
-                      <a:round/>
-                      <a:headEnd type="none" w="med" len="med"/>
-                      <a:tailEnd type="none" w="med" len="med"/>
-                    </a:lnL>
-                    <a:lnR w="38100" cap="flat" cmpd="sng" algn="ctr">
-                      <a:solidFill>
-                        <a:schemeClr val="tx1"/>
-                      </a:solidFill>
-                      <a:prstDash val="solid"/>
-                      <a:round/>
-                      <a:headEnd type="none" w="med" len="med"/>
-                      <a:tailEnd type="none" w="med" len="med"/>
-                    </a:lnR>
-                    <a:lnT w="38100" cap="flat" cmpd="sng" algn="ctr">
-                      <a:solidFill>
-                        <a:schemeClr val="tx1"/>
-                      </a:solidFill>
-                      <a:prstDash val="solid"/>
-                      <a:round/>
-                      <a:headEnd type="none" w="med" len="med"/>
-                      <a:tailEnd type="none" w="med" len="med"/>
-                    </a:lnT>
-                    <a:lnB w="38100" cap="flat" cmpd="sng" algn="ctr">
-                      <a:solidFill>
-                        <a:schemeClr val="tx1"/>
-                      </a:solidFill>
-                      <a:prstDash val="solid"/>
-                      <a:round/>
-                      <a:headEnd type="none" w="med" len="med"/>
-                      <a:tailEnd type="none" w="med" len="med"/>
-                    </a:lnB>
-                    <a:lnTlToBr w="12700" cmpd="sng">
-                      <a:noFill/>
-                      <a:prstDash val="solid"/>
-                    </a:lnTlToBr>
-                    <a:lnBlToTr w="12700" cmpd="sng">
-                      <a:noFill/>
-                      <a:prstDash val="solid"/>
-                    </a:lnBlToTr>
-                    <a:solidFill>
-                      <a:schemeClr val="bg1"/>
-                    </a:solidFill>
-                  </a:tcPr>
-                </a:tc>
-                <a:tc>
-                  <a:txBody>
-                    <a:bodyPr/>
-                    <a:lstStyle/>
-                    <a:p>
-                      <a:pPr algn="ctr"/>
-                      <a:endParaRPr lang="en-US" b="0">
-                        <a:ln w="38100">
-                          <a:solidFill>
-                            <a:srgbClr val="212121"/>
-                          </a:solidFill>
-                        </a:ln>
-                        <a:solidFill>
-                          <a:schemeClr val="accent2"/>
-                        </a:solidFill>
-                      </a:endParaRPr>
-                    </a:p>
-                  </a:txBody>
-                  <a:tcPr anchor="ctr">
-                    <a:lnL w="38100" cap="flat" cmpd="sng" algn="ctr">
-                      <a:solidFill>
-                        <a:schemeClr val="tx1"/>
-                      </a:solidFill>
-                      <a:prstDash val="solid"/>
-                      <a:round/>
-                      <a:headEnd type="none" w="med" len="med"/>
-                      <a:tailEnd type="none" w="med" len="med"/>
-                    </a:lnL>
-                    <a:lnR w="38100" cap="flat" cmpd="sng" algn="ctr">
-                      <a:solidFill>
-                        <a:schemeClr val="tx1"/>
-                      </a:solidFill>
-                      <a:prstDash val="solid"/>
-                      <a:round/>
-                      <a:headEnd type="none" w="med" len="med"/>
-                      <a:tailEnd type="none" w="med" len="med"/>
-                    </a:lnR>
-                    <a:lnT w="38100" cap="flat" cmpd="sng" algn="ctr">
-                      <a:solidFill>
-                        <a:schemeClr val="tx1"/>
-                      </a:solidFill>
-                      <a:prstDash val="solid"/>
-                      <a:round/>
-                      <a:headEnd type="none" w="med" len="med"/>
-                      <a:tailEnd type="none" w="med" len="med"/>
-                    </a:lnT>
-                    <a:lnB w="38100" cap="flat" cmpd="sng" algn="ctr">
-                      <a:solidFill>
-                        <a:schemeClr val="tx1"/>
-                      </a:solidFill>
-                      <a:prstDash val="solid"/>
-                      <a:round/>
-                      <a:headEnd type="none" w="med" len="med"/>
-                      <a:tailEnd type="none" w="med" len="med"/>
-                    </a:lnB>
-                    <a:lnTlToBr w="12700" cmpd="sng">
-                      <a:noFill/>
-                      <a:prstDash val="solid"/>
-                    </a:lnTlToBr>
-                    <a:lnBlToTr w="12700" cmpd="sng">
-                      <a:noFill/>
-                      <a:prstDash val="solid"/>
-                    </a:lnBlToTr>
-                    <a:solidFill>
-                      <a:schemeClr val="bg1"/>
-                    </a:solidFill>
-                  </a:tcPr>
-                </a:tc>
-                <a:tc>
-                  <a:txBody>
-                    <a:bodyPr/>
-                    <a:lstStyle/>
-                    <a:p>
-                      <a:pPr algn="ctr"/>
-                      <a:endParaRPr lang="en-US" b="0">
-                        <a:ln w="38100">
-                          <a:solidFill>
-                            <a:srgbClr val="212121"/>
-                          </a:solidFill>
-                        </a:ln>
-                        <a:solidFill>
-                          <a:schemeClr val="accent2"/>
-                        </a:solidFill>
-                      </a:endParaRPr>
-                    </a:p>
-                  </a:txBody>
-                  <a:tcPr anchor="ctr">
-                    <a:lnL w="38100" cap="flat" cmpd="sng" algn="ctr">
-                      <a:solidFill>
-                        <a:schemeClr val="tx1"/>
-                      </a:solidFill>
-                      <a:prstDash val="solid"/>
-                      <a:round/>
-                      <a:headEnd type="none" w="med" len="med"/>
-                      <a:tailEnd type="none" w="med" len="med"/>
-                    </a:lnL>
-                    <a:lnR w="38100" cap="flat" cmpd="sng" algn="ctr">
-                      <a:solidFill>
-                        <a:schemeClr val="tx1"/>
-                      </a:solidFill>
-                      <a:prstDash val="solid"/>
-                      <a:round/>
-                      <a:headEnd type="none" w="med" len="med"/>
-                      <a:tailEnd type="none" w="med" len="med"/>
-                    </a:lnR>
-                    <a:lnT w="38100" cap="flat" cmpd="sng" algn="ctr">
-                      <a:solidFill>
-                        <a:schemeClr val="tx1"/>
-                      </a:solidFill>
-                      <a:prstDash val="solid"/>
-                      <a:round/>
-                      <a:headEnd type="none" w="med" len="med"/>
-                      <a:tailEnd type="none" w="med" len="med"/>
-                    </a:lnT>
-                    <a:lnB w="38100" cap="flat" cmpd="sng" algn="ctr">
-                      <a:solidFill>
-                        <a:schemeClr val="tx1"/>
-                      </a:solidFill>
-                      <a:prstDash val="solid"/>
-                      <a:round/>
-                      <a:headEnd type="none" w="med" len="med"/>
-                      <a:tailEnd type="none" w="med" len="med"/>
-                    </a:lnB>
-                    <a:lnTlToBr w="12700" cmpd="sng">
-                      <a:noFill/>
-                      <a:prstDash val="solid"/>
-                    </a:lnTlToBr>
-                    <a:lnBlToTr w="12700" cmpd="sng">
-                      <a:noFill/>
-                      <a:prstDash val="solid"/>
-                    </a:lnBlToTr>
-                    <a:solidFill>
-                      <a:schemeClr val="bg1"/>
-                    </a:solidFill>
-                  </a:tcPr>
-                </a:tc>
-                <a:tc>
-                  <a:txBody>
-                    <a:bodyPr/>
-                    <a:lstStyle/>
-                    <a:p>
-                      <a:pPr algn="ctr"/>
-                      <a:endParaRPr lang="en-US" b="0">
-                        <a:ln w="38100">
-                          <a:solidFill>
-                            <a:srgbClr val="212121"/>
-                          </a:solidFill>
-                        </a:ln>
-                        <a:solidFill>
-                          <a:schemeClr val="accent2"/>
-                        </a:solidFill>
-                      </a:endParaRPr>
-                    </a:p>
-                  </a:txBody>
-                  <a:tcPr anchor="ctr">
-                    <a:lnL w="38100" cap="flat" cmpd="sng" algn="ctr">
-                      <a:solidFill>
-                        <a:schemeClr val="tx1"/>
-                      </a:solidFill>
-                      <a:prstDash val="solid"/>
-                      <a:round/>
-                      <a:headEnd type="none" w="med" len="med"/>
-                      <a:tailEnd type="none" w="med" len="med"/>
-                    </a:lnL>
-                    <a:lnR w="38100" cap="flat" cmpd="sng" algn="ctr">
-                      <a:solidFill>
-                        <a:schemeClr val="tx1"/>
-                      </a:solidFill>
-                      <a:prstDash val="solid"/>
-                      <a:round/>
-                      <a:headEnd type="none" w="med" len="med"/>
-                      <a:tailEnd type="none" w="med" len="med"/>
-                    </a:lnR>
-                    <a:lnT w="38100" cap="flat" cmpd="sng" algn="ctr">
-                      <a:solidFill>
-                        <a:schemeClr val="tx1"/>
-                      </a:solidFill>
-                      <a:prstDash val="solid"/>
-                      <a:round/>
-                      <a:headEnd type="none" w="med" len="med"/>
-                      <a:tailEnd type="none" w="med" len="med"/>
-                    </a:lnT>
-                    <a:lnB w="38100" cap="flat" cmpd="sng" algn="ctr">
-                      <a:solidFill>
-                        <a:schemeClr val="tx1"/>
-                      </a:solidFill>
-                      <a:prstDash val="solid"/>
-                      <a:round/>
-                      <a:headEnd type="none" w="med" len="med"/>
-                      <a:tailEnd type="none" w="med" len="med"/>
-                    </a:lnB>
-                    <a:lnTlToBr w="12700" cmpd="sng">
-                      <a:noFill/>
-                      <a:prstDash val="solid"/>
-                    </a:lnTlToBr>
-                    <a:lnBlToTr w="12700" cmpd="sng">
-                      <a:noFill/>
-                      <a:prstDash val="solid"/>
-                    </a:lnBlToTr>
-                    <a:solidFill>
-                      <a:schemeClr val="bg1"/>
-                    </a:solidFill>
-                  </a:tcPr>
-                </a:tc>
-                <a:tc>
-                  <a:txBody>
-                    <a:bodyPr/>
-                    <a:lstStyle/>
-                    <a:p>
-                      <a:pPr algn="ctr"/>
-                      <a:endParaRPr lang="en-US" b="0">
-                        <a:ln w="38100">
-                          <a:solidFill>
-                            <a:srgbClr val="212121"/>
-                          </a:solidFill>
-                        </a:ln>
-                        <a:solidFill>
-                          <a:schemeClr val="accent2"/>
-                        </a:solidFill>
-                      </a:endParaRPr>
-                    </a:p>
-                  </a:txBody>
-                  <a:tcPr anchor="ctr">
-                    <a:lnL w="38100" cap="flat" cmpd="sng" algn="ctr">
-                      <a:solidFill>
-                        <a:schemeClr val="tx1"/>
-                      </a:solidFill>
-                      <a:prstDash val="solid"/>
-                      <a:round/>
-                      <a:headEnd type="none" w="med" len="med"/>
-                      <a:tailEnd type="none" w="med" len="med"/>
-                    </a:lnL>
-                    <a:lnR w="38100" cap="flat" cmpd="sng" algn="ctr">
-                      <a:solidFill>
-                        <a:schemeClr val="tx1"/>
-                      </a:solidFill>
-                      <a:prstDash val="solid"/>
-                      <a:round/>
-                      <a:headEnd type="none" w="med" len="med"/>
-                      <a:tailEnd type="none" w="med" len="med"/>
-                    </a:lnR>
-                    <a:lnT w="38100" cap="flat" cmpd="sng" algn="ctr">
-                      <a:solidFill>
-                        <a:schemeClr val="tx1"/>
-                      </a:solidFill>
-                      <a:prstDash val="solid"/>
-                      <a:round/>
-                      <a:headEnd type="none" w="med" len="med"/>
-                      <a:tailEnd type="none" w="med" len="med"/>
-                    </a:lnT>
-                    <a:lnB w="38100" cap="flat" cmpd="sng" algn="ctr">
-                      <a:solidFill>
-                        <a:schemeClr val="tx1"/>
-                      </a:solidFill>
-                      <a:prstDash val="solid"/>
-                      <a:round/>
-                      <a:headEnd type="none" w="med" len="med"/>
-                      <a:tailEnd type="none" w="med" len="med"/>
-                    </a:lnB>
-                    <a:lnTlToBr w="12700" cmpd="sng">
-                      <a:noFill/>
-                      <a:prstDash val="solid"/>
-                    </a:lnTlToBr>
-                    <a:lnBlToTr w="12700" cmpd="sng">
-                      <a:noFill/>
-                      <a:prstDash val="solid"/>
-                    </a:lnBlToTr>
-                    <a:solidFill>
-                      <a:schemeClr val="bg1"/>
-                    </a:solidFill>
-                  </a:tcPr>
-                </a:tc>
-                <a:tc>
-                  <a:txBody>
-                    <a:bodyPr/>
-                    <a:lstStyle/>
-                    <a:p>
-                      <a:pPr algn="ctr"/>
-                      <a:r>
-                        <a:rPr lang="en-US" b="0">
-                          <a:ln w="38100">
-                            <a:solidFill>
-                              <a:srgbClr val="212121"/>
-                            </a:solidFill>
-                          </a:ln>
-                          <a:solidFill>
-                            <a:schemeClr val="accent2"/>
-                          </a:solidFill>
-                        </a:rPr>
-                        <a:t>4</a:t>
-                      </a:r>
-                    </a:p>
-                  </a:txBody>
-                  <a:tcPr anchor="ctr">
-                    <a:lnL w="38100" cap="flat" cmpd="sng" algn="ctr">
-                      <a:solidFill>
-                        <a:schemeClr val="tx1"/>
-                      </a:solidFill>
-                      <a:prstDash val="solid"/>
-                      <a:round/>
-                      <a:headEnd type="none" w="med" len="med"/>
-                      <a:tailEnd type="none" w="med" len="med"/>
-                    </a:lnL>
-                    <a:lnR w="38100" cap="flat" cmpd="sng" algn="ctr">
-                      <a:solidFill>
-                        <a:schemeClr val="tx1"/>
-                      </a:solidFill>
-                      <a:prstDash val="solid"/>
-                      <a:round/>
-                      <a:headEnd type="none" w="med" len="med"/>
-                      <a:tailEnd type="none" w="med" len="med"/>
-                    </a:lnR>
-                    <a:lnT w="38100" cap="flat" cmpd="sng" algn="ctr">
-                      <a:solidFill>
-                        <a:schemeClr val="tx1"/>
-                      </a:solidFill>
-                      <a:prstDash val="solid"/>
-                      <a:round/>
-                      <a:headEnd type="none" w="med" len="med"/>
-                      <a:tailEnd type="none" w="med" len="med"/>
-                    </a:lnT>
-                    <a:lnB w="38100" cap="flat" cmpd="sng" algn="ctr">
-                      <a:solidFill>
-                        <a:schemeClr val="tx1"/>
-                      </a:solidFill>
-                      <a:prstDash val="solid"/>
-                      <a:round/>
-                      <a:headEnd type="none" w="med" len="med"/>
-                      <a:tailEnd type="none" w="med" len="med"/>
-                    </a:lnB>
-                    <a:lnTlToBr w="12700" cmpd="sng">
-                      <a:noFill/>
-                      <a:prstDash val="solid"/>
-                    </a:lnTlToBr>
-                    <a:lnBlToTr w="12700" cmpd="sng">
-                      <a:noFill/>
-                      <a:prstDash val="solid"/>
-                    </a:lnBlToTr>
-                    <a:solidFill>
-                      <a:schemeClr val="accent6"/>
-                    </a:solidFill>
-                  </a:tcPr>
-                </a:tc>
-                <a:tc>
-                  <a:txBody>
-                    <a:bodyPr/>
-                    <a:lstStyle/>
-                    <a:p>
-                      <a:pPr algn="ctr"/>
-                      <a:r>
-                        <a:rPr lang="en-US" b="0">
-                          <a:ln w="38100">
-                            <a:solidFill>
-                              <a:srgbClr val="212121"/>
-                            </a:solidFill>
-                          </a:ln>
-                          <a:solidFill>
-                            <a:schemeClr val="accent2"/>
-                          </a:solidFill>
-                        </a:rPr>
-                        <a:t>5</a:t>
-                      </a:r>
-                    </a:p>
-                  </a:txBody>
-                  <a:tcPr anchor="ctr">
-                    <a:lnL w="38100" cap="flat" cmpd="sng" algn="ctr">
-                      <a:solidFill>
-                        <a:schemeClr val="tx1"/>
-                      </a:solidFill>
-                      <a:prstDash val="solid"/>
-                      <a:round/>
-                      <a:headEnd type="none" w="med" len="med"/>
-                      <a:tailEnd type="none" w="med" len="med"/>
-                    </a:lnL>
-                    <a:lnR w="38100" cap="flat" cmpd="sng" algn="ctr">
-                      <a:solidFill>
-                        <a:schemeClr val="tx1"/>
-                      </a:solidFill>
-                      <a:prstDash val="solid"/>
-                      <a:round/>
-                      <a:headEnd type="none" w="med" len="med"/>
-                      <a:tailEnd type="none" w="med" len="med"/>
-                    </a:lnR>
-                    <a:lnT w="38100" cap="flat" cmpd="sng" algn="ctr">
-                      <a:solidFill>
-                        <a:schemeClr val="tx1"/>
-                      </a:solidFill>
-                      <a:prstDash val="solid"/>
-                      <a:round/>
-                      <a:headEnd type="none" w="med" len="med"/>
-                      <a:tailEnd type="none" w="med" len="med"/>
-                    </a:lnT>
-                    <a:lnB w="38100" cap="flat" cmpd="sng" algn="ctr">
-                      <a:solidFill>
-                        <a:schemeClr val="tx1"/>
-                      </a:solidFill>
-                      <a:prstDash val="solid"/>
-                      <a:round/>
-                      <a:headEnd type="none" w="med" len="med"/>
-                      <a:tailEnd type="none" w="med" len="med"/>
-                    </a:lnB>
-                    <a:lnTlToBr w="12700" cmpd="sng">
-                      <a:noFill/>
-                      <a:prstDash val="solid"/>
-                    </a:lnTlToBr>
-                    <a:lnBlToTr w="12700" cmpd="sng">
-                      <a:noFill/>
-                      <a:prstDash val="solid"/>
-                    </a:lnBlToTr>
-                    <a:solidFill>
-                      <a:schemeClr val="accent6"/>
-                    </a:solidFill>
-                  </a:tcPr>
-                </a:tc>
-                <a:tc>
-                  <a:txBody>
-                    <a:bodyPr/>
-                    <a:lstStyle/>
-                    <a:p>
-                      <a:pPr algn="ctr"/>
-                      <a:r>
-                        <a:rPr lang="en-US" b="0">
-                          <a:ln w="38100">
-                            <a:solidFill>
-                              <a:srgbClr val="212121"/>
-                            </a:solidFill>
-                          </a:ln>
-                          <a:solidFill>
-                            <a:schemeClr val="accent2"/>
-                          </a:solidFill>
-                        </a:rPr>
-                        <a:t>6</a:t>
-                      </a:r>
-                    </a:p>
-                  </a:txBody>
-                  <a:tcPr anchor="ctr">
-                    <a:lnL w="38100" cap="flat" cmpd="sng" algn="ctr">
-                      <a:solidFill>
-                        <a:schemeClr val="tx1"/>
-                      </a:solidFill>
-                      <a:prstDash val="solid"/>
-                      <a:round/>
-                      <a:headEnd type="none" w="med" len="med"/>
-                      <a:tailEnd type="none" w="med" len="med"/>
-                    </a:lnL>
-                    <a:lnR w="38100" cap="flat" cmpd="sng" algn="ctr">
-                      <a:solidFill>
-                        <a:schemeClr val="tx1"/>
-                      </a:solidFill>
-                      <a:prstDash val="solid"/>
-                      <a:round/>
-                      <a:headEnd type="none" w="med" len="med"/>
-                      <a:tailEnd type="none" w="med" len="med"/>
-                    </a:lnR>
-                    <a:lnT w="38100" cap="flat" cmpd="sng" algn="ctr">
-                      <a:solidFill>
-                        <a:schemeClr val="tx1"/>
-                      </a:solidFill>
-                      <a:prstDash val="solid"/>
-                      <a:round/>
-                      <a:headEnd type="none" w="med" len="med"/>
-                      <a:tailEnd type="none" w="med" len="med"/>
-                    </a:lnT>
-                    <a:lnB w="38100" cap="flat" cmpd="sng" algn="ctr">
-                      <a:solidFill>
-                        <a:schemeClr val="tx1"/>
-                      </a:solidFill>
-                      <a:prstDash val="solid"/>
-                      <a:round/>
-                      <a:headEnd type="none" w="med" len="med"/>
-                      <a:tailEnd type="none" w="med" len="med"/>
-                    </a:lnB>
-                    <a:lnTlToBr w="12700" cmpd="sng">
-                      <a:noFill/>
-                      <a:prstDash val="solid"/>
-                    </a:lnTlToBr>
-                    <a:lnBlToTr w="12700" cmpd="sng">
-                      <a:noFill/>
-                      <a:prstDash val="solid"/>
-                    </a:lnBlToTr>
-                    <a:solidFill>
-                      <a:schemeClr val="accent6"/>
-                    </a:solidFill>
-                  </a:tcPr>
-                </a:tc>
-                <a:tc>
-                  <a:txBody>
-                    <a:bodyPr/>
-                    <a:lstStyle/>
-                    <a:p>
-                      <a:pPr algn="ctr"/>
-                      <a:r>
-                        <a:rPr lang="en-US" b="0">
-                          <a:ln w="38100">
-                            <a:solidFill>
-                              <a:srgbClr val="212121"/>
-                            </a:solidFill>
-                          </a:ln>
-                          <a:solidFill>
-                            <a:schemeClr val="accent2"/>
-                          </a:solidFill>
-                        </a:rPr>
-                        <a:t>7</a:t>
-                      </a:r>
-                    </a:p>
-                  </a:txBody>
-                  <a:tcPr anchor="ctr">
-                    <a:lnL w="38100" cap="flat" cmpd="sng" algn="ctr">
-                      <a:solidFill>
-                        <a:schemeClr val="tx1"/>
-                      </a:solidFill>
-                      <a:prstDash val="solid"/>
-                      <a:round/>
-                      <a:headEnd type="none" w="med" len="med"/>
-                      <a:tailEnd type="none" w="med" len="med"/>
-                    </a:lnL>
-                    <a:lnR w="38100" cap="flat" cmpd="sng" algn="ctr">
-                      <a:solidFill>
-                        <a:schemeClr val="tx1"/>
-                      </a:solidFill>
-                      <a:prstDash val="solid"/>
-                      <a:round/>
-                      <a:headEnd type="none" w="med" len="med"/>
-                      <a:tailEnd type="none" w="med" len="med"/>
-                    </a:lnR>
-                    <a:lnT w="38100" cap="flat" cmpd="sng" algn="ctr">
-                      <a:solidFill>
-                        <a:schemeClr val="tx1"/>
-                      </a:solidFill>
-                      <a:prstDash val="solid"/>
-                      <a:round/>
-                      <a:headEnd type="none" w="med" len="med"/>
-                      <a:tailEnd type="none" w="med" len="med"/>
-                    </a:lnT>
-                    <a:lnB w="38100" cap="flat" cmpd="sng" algn="ctr">
-                      <a:solidFill>
-                        <a:schemeClr val="tx1"/>
-                      </a:solidFill>
-                      <a:prstDash val="solid"/>
-                      <a:round/>
-                      <a:headEnd type="none" w="med" len="med"/>
-                      <a:tailEnd type="none" w="med" len="med"/>
-                    </a:lnB>
-                    <a:lnTlToBr w="12700" cmpd="sng">
-                      <a:noFill/>
-                      <a:prstDash val="solid"/>
-                    </a:lnTlToBr>
-                    <a:lnBlToTr w="12700" cmpd="sng">
-                      <a:noFill/>
-                      <a:prstDash val="solid"/>
-                    </a:lnBlToTr>
-                    <a:solidFill>
-                      <a:schemeClr val="accent6"/>
-                    </a:solidFill>
-                  </a:tcPr>
-                </a:tc>
-                <a:tc>
-                  <a:txBody>
-                    <a:bodyPr/>
-                    <a:lstStyle/>
-                    <a:p>
-                      <a:pPr algn="ctr"/>
-                      <a:r>
-                        <a:rPr lang="en-US" b="0">
-                          <a:ln w="38100">
-                            <a:solidFill>
-                              <a:srgbClr val="212121"/>
-                            </a:solidFill>
-                          </a:ln>
-                          <a:solidFill>
-                            <a:schemeClr val="accent2"/>
-                          </a:solidFill>
-                        </a:rPr>
-                        <a:t>3</a:t>
-                      </a:r>
-                    </a:p>
-                  </a:txBody>
-                  <a:tcPr anchor="ctr">
-                    <a:lnL w="38100" cap="flat" cmpd="sng" algn="ctr">
-                      <a:solidFill>
-                        <a:schemeClr val="tx1"/>
-                      </a:solidFill>
-                      <a:prstDash val="solid"/>
-                      <a:round/>
-                      <a:headEnd type="none" w="med" len="med"/>
-                      <a:tailEnd type="none" w="med" len="med"/>
-                    </a:lnL>
-                    <a:lnR w="38100" cap="flat" cmpd="sng" algn="ctr">
-                      <a:solidFill>
-                        <a:schemeClr val="tx1"/>
-                      </a:solidFill>
-                      <a:prstDash val="solid"/>
-                      <a:round/>
-                      <a:headEnd type="none" w="med" len="med"/>
-                      <a:tailEnd type="none" w="med" len="med"/>
-                    </a:lnR>
-                    <a:lnT w="38100" cap="flat" cmpd="sng" algn="ctr">
-                      <a:solidFill>
-                        <a:schemeClr val="tx1"/>
-                      </a:solidFill>
-                      <a:prstDash val="solid"/>
-                      <a:round/>
-                      <a:headEnd type="none" w="med" len="med"/>
-                      <a:tailEnd type="none" w="med" len="med"/>
-                    </a:lnT>
-                    <a:lnB w="38100" cap="flat" cmpd="sng" algn="ctr">
-                      <a:solidFill>
-                        <a:schemeClr val="tx1"/>
-                      </a:solidFill>
-                      <a:prstDash val="solid"/>
-                      <a:round/>
-                      <a:headEnd type="none" w="med" len="med"/>
-                      <a:tailEnd type="none" w="med" len="med"/>
-                    </a:lnB>
-                    <a:lnTlToBr w="12700" cmpd="sng">
-                      <a:noFill/>
-                      <a:prstDash val="solid"/>
-                    </a:lnTlToBr>
-                    <a:lnBlToTr w="12700" cmpd="sng">
-                      <a:noFill/>
-                      <a:prstDash val="solid"/>
-                    </a:lnBlToTr>
-                    <a:solidFill>
-                      <a:schemeClr val="accent6"/>
-                    </a:solidFill>
-                  </a:tcPr>
-                </a:tc>
-                <a:tc>
-                  <a:txBody>
-                    <a:bodyPr/>
-                    <a:lstStyle/>
-                    <a:p>
-                      <a:pPr algn="ctr"/>
-                      <a:r>
-                        <a:rPr lang="en-US" b="0">
-                          <a:ln w="38100">
-                            <a:solidFill>
-                              <a:srgbClr val="212121"/>
-                            </a:solidFill>
-                          </a:ln>
-                          <a:solidFill>
-                            <a:schemeClr val="accent2"/>
-                          </a:solidFill>
-                        </a:rPr>
-                        <a:t>2</a:t>
-                      </a:r>
-                    </a:p>
-                  </a:txBody>
-                  <a:tcPr anchor="ctr">
-                    <a:lnL w="38100" cap="flat" cmpd="sng" algn="ctr">
-                      <a:solidFill>
-                        <a:schemeClr val="tx1"/>
-                      </a:solidFill>
-                      <a:prstDash val="solid"/>
-                      <a:round/>
-                      <a:headEnd type="none" w="med" len="med"/>
-                      <a:tailEnd type="none" w="med" len="med"/>
-                    </a:lnL>
-                    <a:lnR w="38100" cap="flat" cmpd="sng" algn="ctr">
-                      <a:solidFill>
-                        <a:schemeClr val="tx1"/>
-                      </a:solidFill>
-                      <a:prstDash val="solid"/>
-                      <a:round/>
-                      <a:headEnd type="none" w="med" len="med"/>
-                      <a:tailEnd type="none" w="med" len="med"/>
-                    </a:lnR>
-                    <a:lnT w="38100" cap="flat" cmpd="sng" algn="ctr">
-                      <a:solidFill>
-                        <a:schemeClr val="tx1"/>
-                      </a:solidFill>
-                      <a:prstDash val="solid"/>
-                      <a:round/>
-                      <a:headEnd type="none" w="med" len="med"/>
-                      <a:tailEnd type="none" w="med" len="med"/>
-                    </a:lnT>
-                    <a:lnB w="38100" cap="flat" cmpd="sng" algn="ctr">
-                      <a:solidFill>
-                        <a:schemeClr val="tx1"/>
-                      </a:solidFill>
-                      <a:prstDash val="solid"/>
-                      <a:round/>
-                      <a:headEnd type="none" w="med" len="med"/>
-                      <a:tailEnd type="none" w="med" len="med"/>
-                    </a:lnB>
-                    <a:lnTlToBr w="12700" cmpd="sng">
-                      <a:noFill/>
-                      <a:prstDash val="solid"/>
-                    </a:lnTlToBr>
-                    <a:lnBlToTr w="12700" cmpd="sng">
-                      <a:noFill/>
-                      <a:prstDash val="solid"/>
-                    </a:lnBlToTr>
-                    <a:solidFill>
-                      <a:schemeClr val="accent6"/>
-                    </a:solidFill>
-                  </a:tcPr>
-                </a:tc>
-                <a:extLst>
-                  <a:ext uri="{0D108BD9-81ED-4DB2-BD59-A6C34878D82A}">
-                    <a16:rowId xmlns:a16="http://schemas.microsoft.com/office/drawing/2014/main" val="1442901590"/>
-                  </a:ext>
-                </a:extLst>
-              </a:tr>
-            </a:tbl>
-          </a:graphicData>
-        </a:graphic>
-      </p:graphicFrame>
-      <p:sp>
-        <p:nvSpPr>
-          <p:cNvPr id="5" name="Right Brace 4">
-            <a:extLst>
-              <a:ext uri="{FF2B5EF4-FFF2-40B4-BE49-F238E27FC236}">
-                <a16:creationId xmlns:a16="http://schemas.microsoft.com/office/drawing/2014/main" id="{FEDC4A34-9A61-4E52-B80D-D48215A303A2}"/>
+      <p:sp>
+        <p:nvSpPr>
+          <p:cNvPr id="2" name="TextBox 1">
+            <a:extLst>
+              <a:ext uri="{FF2B5EF4-FFF2-40B4-BE49-F238E27FC236}">
+                <a16:creationId xmlns:a16="http://schemas.microsoft.com/office/drawing/2014/main" id="{EA64F765-5DAF-4CC9-BA61-ADE67C189C48}"/>
+              </a:ext>
+            </a:extLst>
+          </p:cNvPr>
+          <p:cNvSpPr txBox="1"/>
+          <p:nvPr/>
+        </p:nvSpPr>
+        <p:spPr>
+          <a:xfrm>
+            <a:off x="517365" y="281354"/>
+            <a:ext cx="5160387" cy="769441"/>
+          </a:xfrm>
+          <a:prstGeom prst="rect">
+            <a:avLst/>
+          </a:prstGeom>
+          <a:noFill/>
+        </p:spPr>
+        <p:txBody>
+          <a:bodyPr wrap="none" rtlCol="0">
+            <a:spAutoFit/>
+          </a:bodyPr>
+          <a:lstStyle/>
+          <a:p>
+            <a:r>
+              <a:rPr lang="en-US" sz="4400" b="1"/>
+              <a:t>Queue – hàng đợi</a:t>
+            </a:r>
+          </a:p>
+        </p:txBody>
+      </p:sp>
+      <p:sp>
+        <p:nvSpPr>
+          <p:cNvPr id="3" name="Rectangle 2">
+            <a:extLst>
+              <a:ext uri="{FF2B5EF4-FFF2-40B4-BE49-F238E27FC236}">
+                <a16:creationId xmlns:a16="http://schemas.microsoft.com/office/drawing/2014/main" id="{D3308B8E-29B5-4810-9310-F8BC1B6536FA}"/>
               </a:ext>
             </a:extLst>
           </p:cNvPr>
@@ -5271,16 +3377,1313 @@
           <p:nvPr/>
         </p:nvSpPr>
         <p:spPr>
+          <a:xfrm>
+            <a:off x="1840523" y="2278966"/>
+            <a:ext cx="8510954" cy="1041009"/>
+          </a:xfrm>
+          <a:prstGeom prst="rect">
+            <a:avLst/>
+          </a:prstGeom>
+          <a:solidFill>
+            <a:srgbClr val="212121"/>
+          </a:solidFill>
+        </p:spPr>
+        <p:style>
+          <a:lnRef idx="2">
+            <a:schemeClr val="accent1">
+              <a:shade val="50000"/>
+            </a:schemeClr>
+          </a:lnRef>
+          <a:fillRef idx="1">
+            <a:schemeClr val="accent1"/>
+          </a:fillRef>
+          <a:effectRef idx="0">
+            <a:schemeClr val="accent1"/>
+          </a:effectRef>
+          <a:fontRef idx="minor">
+            <a:schemeClr val="lt1"/>
+          </a:fontRef>
+        </p:style>
+        <p:txBody>
+          <a:bodyPr rtlCol="0" anchor="ctr"/>
+          <a:lstStyle/>
+          <a:p>
+            <a:pPr algn="ctr"/>
+            <a:endParaRPr lang="en-US">
+              <a:solidFill>
+                <a:sysClr val="windowText" lastClr="000000"/>
+              </a:solidFill>
+            </a:endParaRPr>
+          </a:p>
+        </p:txBody>
+      </p:sp>
+      <p:sp>
+        <p:nvSpPr>
+          <p:cNvPr id="9" name="Rectangle 8">
+            <a:extLst>
+              <a:ext uri="{FF2B5EF4-FFF2-40B4-BE49-F238E27FC236}">
+                <a16:creationId xmlns:a16="http://schemas.microsoft.com/office/drawing/2014/main" id="{BFCD1A69-512F-4411-857B-F12ED500638F}"/>
+              </a:ext>
+            </a:extLst>
+          </p:cNvPr>
+          <p:cNvSpPr/>
+          <p:nvPr/>
+        </p:nvSpPr>
+        <p:spPr>
+          <a:xfrm>
+            <a:off x="867528" y="2342270"/>
+            <a:ext cx="412652" cy="914400"/>
+          </a:xfrm>
+          <a:prstGeom prst="rect">
+            <a:avLst/>
+          </a:prstGeom>
+          <a:solidFill>
+            <a:srgbClr val="212121"/>
+          </a:solidFill>
+          <a:ln>
+            <a:noFill/>
+          </a:ln>
+        </p:spPr>
+        <p:style>
+          <a:lnRef idx="2">
+            <a:schemeClr val="accent1">
+              <a:shade val="50000"/>
+            </a:schemeClr>
+          </a:lnRef>
+          <a:fillRef idx="1">
+            <a:schemeClr val="accent1"/>
+          </a:fillRef>
+          <a:effectRef idx="0">
+            <a:schemeClr val="accent1"/>
+          </a:effectRef>
+          <a:fontRef idx="minor">
+            <a:schemeClr val="lt1"/>
+          </a:fontRef>
+        </p:style>
+        <p:txBody>
+          <a:bodyPr rtlCol="0" anchor="ctr"/>
+          <a:lstStyle/>
+          <a:p>
+            <a:pPr algn="ctr"/>
+            <a:r>
+              <a:rPr lang="en-US">
+                <a:solidFill>
+                  <a:schemeClr val="bg1"/>
+                </a:solidFill>
+              </a:rPr>
+              <a:t>1</a:t>
+            </a:r>
+          </a:p>
+        </p:txBody>
+      </p:sp>
+      <p:sp>
+        <p:nvSpPr>
+          <p:cNvPr id="10" name="Rectangle 9">
+            <a:extLst>
+              <a:ext uri="{FF2B5EF4-FFF2-40B4-BE49-F238E27FC236}">
+                <a16:creationId xmlns:a16="http://schemas.microsoft.com/office/drawing/2014/main" id="{6B30BBD3-944B-4FED-A54E-ABAE4995E62B}"/>
+              </a:ext>
+            </a:extLst>
+          </p:cNvPr>
+          <p:cNvSpPr/>
+          <p:nvPr/>
+        </p:nvSpPr>
+        <p:spPr>
+          <a:xfrm>
+            <a:off x="2605888" y="2348816"/>
+            <a:ext cx="412652" cy="914400"/>
+          </a:xfrm>
+          <a:prstGeom prst="rect">
+            <a:avLst/>
+          </a:prstGeom>
+          <a:solidFill>
+            <a:schemeClr val="bg1"/>
+          </a:solidFill>
+          <a:ln>
+            <a:noFill/>
+          </a:ln>
+        </p:spPr>
+        <p:style>
+          <a:lnRef idx="2">
+            <a:schemeClr val="accent1">
+              <a:shade val="50000"/>
+            </a:schemeClr>
+          </a:lnRef>
+          <a:fillRef idx="1">
+            <a:schemeClr val="accent1"/>
+          </a:fillRef>
+          <a:effectRef idx="0">
+            <a:schemeClr val="accent1"/>
+          </a:effectRef>
+          <a:fontRef idx="minor">
+            <a:schemeClr val="lt1"/>
+          </a:fontRef>
+        </p:style>
+        <p:txBody>
+          <a:bodyPr rtlCol="0" anchor="ctr"/>
+          <a:lstStyle/>
+          <a:p>
+            <a:pPr algn="ctr"/>
+            <a:r>
+              <a:rPr lang="en-US" b="1">
+                <a:solidFill>
+                  <a:sysClr val="windowText" lastClr="000000"/>
+                </a:solidFill>
+              </a:rPr>
+              <a:t>2</a:t>
+            </a:r>
+          </a:p>
+        </p:txBody>
+      </p:sp>
+      <p:sp>
+        <p:nvSpPr>
+          <p:cNvPr id="11" name="Rectangle 10">
+            <a:extLst>
+              <a:ext uri="{FF2B5EF4-FFF2-40B4-BE49-F238E27FC236}">
+                <a16:creationId xmlns:a16="http://schemas.microsoft.com/office/drawing/2014/main" id="{23F74333-94AD-4E13-9734-B351689338B0}"/>
+              </a:ext>
+            </a:extLst>
+          </p:cNvPr>
+          <p:cNvSpPr/>
+          <p:nvPr/>
+        </p:nvSpPr>
+        <p:spPr>
+          <a:xfrm>
+            <a:off x="3097559" y="2348816"/>
+            <a:ext cx="412652" cy="914400"/>
+          </a:xfrm>
+          <a:prstGeom prst="rect">
+            <a:avLst/>
+          </a:prstGeom>
+          <a:solidFill>
+            <a:schemeClr val="bg1"/>
+          </a:solidFill>
+          <a:ln>
+            <a:noFill/>
+          </a:ln>
+        </p:spPr>
+        <p:style>
+          <a:lnRef idx="2">
+            <a:schemeClr val="accent1">
+              <a:shade val="50000"/>
+            </a:schemeClr>
+          </a:lnRef>
+          <a:fillRef idx="1">
+            <a:schemeClr val="accent1"/>
+          </a:fillRef>
+          <a:effectRef idx="0">
+            <a:schemeClr val="accent1"/>
+          </a:effectRef>
+          <a:fontRef idx="minor">
+            <a:schemeClr val="lt1"/>
+          </a:fontRef>
+        </p:style>
+        <p:txBody>
+          <a:bodyPr rtlCol="0" anchor="ctr"/>
+          <a:lstStyle/>
+          <a:p>
+            <a:pPr algn="ctr"/>
+            <a:r>
+              <a:rPr lang="en-US" b="1">
+                <a:solidFill>
+                  <a:sysClr val="windowText" lastClr="000000"/>
+                </a:solidFill>
+              </a:rPr>
+              <a:t>3</a:t>
+            </a:r>
+          </a:p>
+        </p:txBody>
+      </p:sp>
+      <p:sp>
+        <p:nvSpPr>
+          <p:cNvPr id="12" name="Rectangle 11">
+            <a:extLst>
+              <a:ext uri="{FF2B5EF4-FFF2-40B4-BE49-F238E27FC236}">
+                <a16:creationId xmlns:a16="http://schemas.microsoft.com/office/drawing/2014/main" id="{A7B6265B-7CD1-41AB-9DC6-F64045E63CFB}"/>
+              </a:ext>
+            </a:extLst>
+          </p:cNvPr>
+          <p:cNvSpPr/>
+          <p:nvPr/>
+        </p:nvSpPr>
+        <p:spPr>
+          <a:xfrm>
+            <a:off x="3596320" y="2348816"/>
+            <a:ext cx="412652" cy="914400"/>
+          </a:xfrm>
+          <a:prstGeom prst="rect">
+            <a:avLst/>
+          </a:prstGeom>
+          <a:solidFill>
+            <a:schemeClr val="bg1"/>
+          </a:solidFill>
+          <a:ln>
+            <a:noFill/>
+          </a:ln>
+        </p:spPr>
+        <p:style>
+          <a:lnRef idx="2">
+            <a:schemeClr val="accent1">
+              <a:shade val="50000"/>
+            </a:schemeClr>
+          </a:lnRef>
+          <a:fillRef idx="1">
+            <a:schemeClr val="accent1"/>
+          </a:fillRef>
+          <a:effectRef idx="0">
+            <a:schemeClr val="accent1"/>
+          </a:effectRef>
+          <a:fontRef idx="minor">
+            <a:schemeClr val="lt1"/>
+          </a:fontRef>
+        </p:style>
+        <p:txBody>
+          <a:bodyPr rtlCol="0" anchor="ctr"/>
+          <a:lstStyle/>
+          <a:p>
+            <a:pPr algn="ctr"/>
+            <a:r>
+              <a:rPr lang="en-US" b="1">
+                <a:solidFill>
+                  <a:sysClr val="windowText" lastClr="000000"/>
+                </a:solidFill>
+              </a:rPr>
+              <a:t>4</a:t>
+            </a:r>
+          </a:p>
+        </p:txBody>
+      </p:sp>
+      <p:sp>
+        <p:nvSpPr>
+          <p:cNvPr id="13" name="Rectangle 12">
+            <a:extLst>
+              <a:ext uri="{FF2B5EF4-FFF2-40B4-BE49-F238E27FC236}">
+                <a16:creationId xmlns:a16="http://schemas.microsoft.com/office/drawing/2014/main" id="{8E95BF1E-1BAD-42AC-89D5-A564970008E6}"/>
+              </a:ext>
+            </a:extLst>
+          </p:cNvPr>
+          <p:cNvSpPr/>
+          <p:nvPr/>
+        </p:nvSpPr>
+        <p:spPr>
+          <a:xfrm>
+            <a:off x="4095081" y="2348816"/>
+            <a:ext cx="412652" cy="914400"/>
+          </a:xfrm>
+          <a:prstGeom prst="rect">
+            <a:avLst/>
+          </a:prstGeom>
+          <a:solidFill>
+            <a:schemeClr val="bg1"/>
+          </a:solidFill>
+          <a:ln>
+            <a:noFill/>
+          </a:ln>
+        </p:spPr>
+        <p:style>
+          <a:lnRef idx="2">
+            <a:schemeClr val="accent1">
+              <a:shade val="50000"/>
+            </a:schemeClr>
+          </a:lnRef>
+          <a:fillRef idx="1">
+            <a:schemeClr val="accent1"/>
+          </a:fillRef>
+          <a:effectRef idx="0">
+            <a:schemeClr val="accent1"/>
+          </a:effectRef>
+          <a:fontRef idx="minor">
+            <a:schemeClr val="lt1"/>
+          </a:fontRef>
+        </p:style>
+        <p:txBody>
+          <a:bodyPr rtlCol="0" anchor="ctr"/>
+          <a:lstStyle/>
+          <a:p>
+            <a:pPr algn="ctr"/>
+            <a:r>
+              <a:rPr lang="en-US" b="1">
+                <a:solidFill>
+                  <a:sysClr val="windowText" lastClr="000000"/>
+                </a:solidFill>
+              </a:rPr>
+              <a:t>5</a:t>
+            </a:r>
+          </a:p>
+        </p:txBody>
+      </p:sp>
+      <p:sp>
+        <p:nvSpPr>
+          <p:cNvPr id="14" name="Rectangle 13">
+            <a:extLst>
+              <a:ext uri="{FF2B5EF4-FFF2-40B4-BE49-F238E27FC236}">
+                <a16:creationId xmlns:a16="http://schemas.microsoft.com/office/drawing/2014/main" id="{663252E2-5D2E-45AB-AE18-6901333E6872}"/>
+              </a:ext>
+            </a:extLst>
+          </p:cNvPr>
+          <p:cNvSpPr/>
+          <p:nvPr/>
+        </p:nvSpPr>
+        <p:spPr>
+          <a:xfrm>
+            <a:off x="4593842" y="2348816"/>
+            <a:ext cx="412652" cy="914400"/>
+          </a:xfrm>
+          <a:prstGeom prst="rect">
+            <a:avLst/>
+          </a:prstGeom>
+          <a:solidFill>
+            <a:schemeClr val="bg1"/>
+          </a:solidFill>
+          <a:ln>
+            <a:noFill/>
+          </a:ln>
+        </p:spPr>
+        <p:style>
+          <a:lnRef idx="2">
+            <a:schemeClr val="accent1">
+              <a:shade val="50000"/>
+            </a:schemeClr>
+          </a:lnRef>
+          <a:fillRef idx="1">
+            <a:schemeClr val="accent1"/>
+          </a:fillRef>
+          <a:effectRef idx="0">
+            <a:schemeClr val="accent1"/>
+          </a:effectRef>
+          <a:fontRef idx="minor">
+            <a:schemeClr val="lt1"/>
+          </a:fontRef>
+        </p:style>
+        <p:txBody>
+          <a:bodyPr rtlCol="0" anchor="ctr"/>
+          <a:lstStyle/>
+          <a:p>
+            <a:pPr algn="ctr"/>
+            <a:r>
+              <a:rPr lang="en-US" b="1">
+                <a:solidFill>
+                  <a:sysClr val="windowText" lastClr="000000"/>
+                </a:solidFill>
+              </a:rPr>
+              <a:t>6</a:t>
+            </a:r>
+          </a:p>
+        </p:txBody>
+      </p:sp>
+      <p:sp>
+        <p:nvSpPr>
+          <p:cNvPr id="15" name="Rectangle 14">
+            <a:extLst>
+              <a:ext uri="{FF2B5EF4-FFF2-40B4-BE49-F238E27FC236}">
+                <a16:creationId xmlns:a16="http://schemas.microsoft.com/office/drawing/2014/main" id="{BD943E8E-FF20-4D03-A1AC-A0432FD91669}"/>
+              </a:ext>
+            </a:extLst>
+          </p:cNvPr>
+          <p:cNvSpPr/>
+          <p:nvPr/>
+        </p:nvSpPr>
+        <p:spPr>
+          <a:xfrm>
+            <a:off x="5085513" y="2348816"/>
+            <a:ext cx="412652" cy="914400"/>
+          </a:xfrm>
+          <a:prstGeom prst="rect">
+            <a:avLst/>
+          </a:prstGeom>
+          <a:solidFill>
+            <a:schemeClr val="bg1"/>
+          </a:solidFill>
+          <a:ln>
+            <a:noFill/>
+          </a:ln>
+        </p:spPr>
+        <p:style>
+          <a:lnRef idx="2">
+            <a:schemeClr val="accent1">
+              <a:shade val="50000"/>
+            </a:schemeClr>
+          </a:lnRef>
+          <a:fillRef idx="1">
+            <a:schemeClr val="accent1"/>
+          </a:fillRef>
+          <a:effectRef idx="0">
+            <a:schemeClr val="accent1"/>
+          </a:effectRef>
+          <a:fontRef idx="minor">
+            <a:schemeClr val="lt1"/>
+          </a:fontRef>
+        </p:style>
+        <p:txBody>
+          <a:bodyPr rtlCol="0" anchor="ctr"/>
+          <a:lstStyle/>
+          <a:p>
+            <a:pPr algn="ctr"/>
+            <a:r>
+              <a:rPr lang="en-US" b="1">
+                <a:solidFill>
+                  <a:sysClr val="windowText" lastClr="000000"/>
+                </a:solidFill>
+              </a:rPr>
+              <a:t>9</a:t>
+            </a:r>
+          </a:p>
+        </p:txBody>
+      </p:sp>
+      <p:sp>
+        <p:nvSpPr>
+          <p:cNvPr id="16" name="Rectangle 15">
+            <a:extLst>
+              <a:ext uri="{FF2B5EF4-FFF2-40B4-BE49-F238E27FC236}">
+                <a16:creationId xmlns:a16="http://schemas.microsoft.com/office/drawing/2014/main" id="{D2977045-AA9D-4C31-8E57-1FFF916B3E76}"/>
+              </a:ext>
+            </a:extLst>
+          </p:cNvPr>
+          <p:cNvSpPr/>
+          <p:nvPr/>
+        </p:nvSpPr>
+        <p:spPr>
+          <a:xfrm>
+            <a:off x="5584274" y="2348816"/>
+            <a:ext cx="412652" cy="914400"/>
+          </a:xfrm>
+          <a:prstGeom prst="rect">
+            <a:avLst/>
+          </a:prstGeom>
+          <a:solidFill>
+            <a:schemeClr val="bg1"/>
+          </a:solidFill>
+          <a:ln>
+            <a:noFill/>
+          </a:ln>
+        </p:spPr>
+        <p:style>
+          <a:lnRef idx="2">
+            <a:schemeClr val="accent1">
+              <a:shade val="50000"/>
+            </a:schemeClr>
+          </a:lnRef>
+          <a:fillRef idx="1">
+            <a:schemeClr val="accent1"/>
+          </a:fillRef>
+          <a:effectRef idx="0">
+            <a:schemeClr val="accent1"/>
+          </a:effectRef>
+          <a:fontRef idx="minor">
+            <a:schemeClr val="lt1"/>
+          </a:fontRef>
+        </p:style>
+        <p:txBody>
+          <a:bodyPr rtlCol="0" anchor="ctr"/>
+          <a:lstStyle/>
+          <a:p>
+            <a:pPr algn="ctr"/>
+            <a:r>
+              <a:rPr lang="en-US" b="1">
+                <a:solidFill>
+                  <a:sysClr val="windowText" lastClr="000000"/>
+                </a:solidFill>
+              </a:rPr>
+              <a:t>3</a:t>
+            </a:r>
+          </a:p>
+        </p:txBody>
+      </p:sp>
+      <p:sp>
+        <p:nvSpPr>
+          <p:cNvPr id="17" name="Rectangle 16">
+            <a:extLst>
+              <a:ext uri="{FF2B5EF4-FFF2-40B4-BE49-F238E27FC236}">
+                <a16:creationId xmlns:a16="http://schemas.microsoft.com/office/drawing/2014/main" id="{47E5351A-036A-4935-9ADE-CA4BB60D7595}"/>
+              </a:ext>
+            </a:extLst>
+          </p:cNvPr>
+          <p:cNvSpPr/>
+          <p:nvPr/>
+        </p:nvSpPr>
+        <p:spPr>
+          <a:xfrm>
+            <a:off x="6080076" y="2348816"/>
+            <a:ext cx="412652" cy="914400"/>
+          </a:xfrm>
+          <a:prstGeom prst="rect">
+            <a:avLst/>
+          </a:prstGeom>
+          <a:solidFill>
+            <a:schemeClr val="bg1"/>
+          </a:solidFill>
+          <a:ln>
+            <a:noFill/>
+          </a:ln>
+        </p:spPr>
+        <p:style>
+          <a:lnRef idx="2">
+            <a:schemeClr val="accent1">
+              <a:shade val="50000"/>
+            </a:schemeClr>
+          </a:lnRef>
+          <a:fillRef idx="1">
+            <a:schemeClr val="accent1"/>
+          </a:fillRef>
+          <a:effectRef idx="0">
+            <a:schemeClr val="accent1"/>
+          </a:effectRef>
+          <a:fontRef idx="minor">
+            <a:schemeClr val="lt1"/>
+          </a:fontRef>
+        </p:style>
+        <p:txBody>
+          <a:bodyPr rtlCol="0" anchor="ctr"/>
+          <a:lstStyle/>
+          <a:p>
+            <a:pPr algn="ctr"/>
+            <a:r>
+              <a:rPr lang="en-US" b="1">
+                <a:solidFill>
+                  <a:sysClr val="windowText" lastClr="000000"/>
+                </a:solidFill>
+              </a:rPr>
+              <a:t>8</a:t>
+            </a:r>
+          </a:p>
+        </p:txBody>
+      </p:sp>
+      <p:sp>
+        <p:nvSpPr>
+          <p:cNvPr id="18" name="Rectangle 17">
+            <a:extLst>
+              <a:ext uri="{FF2B5EF4-FFF2-40B4-BE49-F238E27FC236}">
+                <a16:creationId xmlns:a16="http://schemas.microsoft.com/office/drawing/2014/main" id="{FAFA7945-917E-416B-AE43-88225389AE12}"/>
+              </a:ext>
+            </a:extLst>
+          </p:cNvPr>
+          <p:cNvSpPr/>
+          <p:nvPr/>
+        </p:nvSpPr>
+        <p:spPr>
+          <a:xfrm>
+            <a:off x="6578837" y="2348816"/>
+            <a:ext cx="412652" cy="914400"/>
+          </a:xfrm>
+          <a:prstGeom prst="rect">
+            <a:avLst/>
+          </a:prstGeom>
+          <a:solidFill>
+            <a:schemeClr val="bg1"/>
+          </a:solidFill>
+          <a:ln>
+            <a:noFill/>
+          </a:ln>
+        </p:spPr>
+        <p:style>
+          <a:lnRef idx="2">
+            <a:schemeClr val="accent1">
+              <a:shade val="50000"/>
+            </a:schemeClr>
+          </a:lnRef>
+          <a:fillRef idx="1">
+            <a:schemeClr val="accent1"/>
+          </a:fillRef>
+          <a:effectRef idx="0">
+            <a:schemeClr val="accent1"/>
+          </a:effectRef>
+          <a:fontRef idx="minor">
+            <a:schemeClr val="lt1"/>
+          </a:fontRef>
+        </p:style>
+        <p:txBody>
+          <a:bodyPr rtlCol="0" anchor="ctr"/>
+          <a:lstStyle/>
+          <a:p>
+            <a:pPr algn="ctr"/>
+            <a:r>
+              <a:rPr lang="en-US" b="1">
+                <a:solidFill>
+                  <a:sysClr val="windowText" lastClr="000000"/>
+                </a:solidFill>
+              </a:rPr>
+              <a:t>…</a:t>
+            </a:r>
+          </a:p>
+        </p:txBody>
+      </p:sp>
+      <p:sp>
+        <p:nvSpPr>
+          <p:cNvPr id="19" name="Rectangle 18">
+            <a:extLst>
+              <a:ext uri="{FF2B5EF4-FFF2-40B4-BE49-F238E27FC236}">
+                <a16:creationId xmlns:a16="http://schemas.microsoft.com/office/drawing/2014/main" id="{90EFAD78-74AD-44B1-8D74-0FD6BC11DB33}"/>
+              </a:ext>
+            </a:extLst>
+          </p:cNvPr>
+          <p:cNvSpPr/>
+          <p:nvPr/>
+        </p:nvSpPr>
+        <p:spPr>
+          <a:xfrm>
+            <a:off x="7070508" y="2348816"/>
+            <a:ext cx="412652" cy="914400"/>
+          </a:xfrm>
+          <a:prstGeom prst="rect">
+            <a:avLst/>
+          </a:prstGeom>
+          <a:solidFill>
+            <a:schemeClr val="bg1"/>
+          </a:solidFill>
+          <a:ln>
+            <a:noFill/>
+          </a:ln>
+        </p:spPr>
+        <p:style>
+          <a:lnRef idx="2">
+            <a:schemeClr val="accent1">
+              <a:shade val="50000"/>
+            </a:schemeClr>
+          </a:lnRef>
+          <a:fillRef idx="1">
+            <a:schemeClr val="accent1"/>
+          </a:fillRef>
+          <a:effectRef idx="0">
+            <a:schemeClr val="accent1"/>
+          </a:effectRef>
+          <a:fontRef idx="minor">
+            <a:schemeClr val="lt1"/>
+          </a:fontRef>
+        </p:style>
+        <p:txBody>
+          <a:bodyPr rtlCol="0" anchor="ctr"/>
+          <a:lstStyle/>
+          <a:p>
+            <a:pPr algn="ctr"/>
+            <a:r>
+              <a:rPr lang="en-US" b="1">
+                <a:solidFill>
+                  <a:sysClr val="windowText" lastClr="000000"/>
+                </a:solidFill>
+              </a:rPr>
+              <a:t>2</a:t>
+            </a:r>
+          </a:p>
+        </p:txBody>
+      </p:sp>
+      <p:sp>
+        <p:nvSpPr>
+          <p:cNvPr id="20" name="Rectangle 19">
+            <a:extLst>
+              <a:ext uri="{FF2B5EF4-FFF2-40B4-BE49-F238E27FC236}">
+                <a16:creationId xmlns:a16="http://schemas.microsoft.com/office/drawing/2014/main" id="{67A08135-9FD4-4827-8F93-98B37C2FA6A5}"/>
+              </a:ext>
+            </a:extLst>
+          </p:cNvPr>
+          <p:cNvSpPr/>
+          <p:nvPr/>
+        </p:nvSpPr>
+        <p:spPr>
+          <a:xfrm>
+            <a:off x="7569269" y="2348816"/>
+            <a:ext cx="412652" cy="914400"/>
+          </a:xfrm>
+          <a:prstGeom prst="rect">
+            <a:avLst/>
+          </a:prstGeom>
+          <a:solidFill>
+            <a:schemeClr val="bg1"/>
+          </a:solidFill>
+          <a:ln>
+            <a:noFill/>
+          </a:ln>
+        </p:spPr>
+        <p:style>
+          <a:lnRef idx="2">
+            <a:schemeClr val="accent1">
+              <a:shade val="50000"/>
+            </a:schemeClr>
+          </a:lnRef>
+          <a:fillRef idx="1">
+            <a:schemeClr val="accent1"/>
+          </a:fillRef>
+          <a:effectRef idx="0">
+            <a:schemeClr val="accent1"/>
+          </a:effectRef>
+          <a:fontRef idx="minor">
+            <a:schemeClr val="lt1"/>
+          </a:fontRef>
+        </p:style>
+        <p:txBody>
+          <a:bodyPr rtlCol="0" anchor="ctr"/>
+          <a:lstStyle/>
+          <a:p>
+            <a:pPr algn="ctr"/>
+            <a:r>
+              <a:rPr lang="en-US" b="1">
+                <a:solidFill>
+                  <a:sysClr val="windowText" lastClr="000000"/>
+                </a:solidFill>
+              </a:rPr>
+              <a:t>1</a:t>
+            </a:r>
+          </a:p>
+        </p:txBody>
+      </p:sp>
+      <p:sp>
+        <p:nvSpPr>
+          <p:cNvPr id="21" name="Rectangle 20">
+            <a:extLst>
+              <a:ext uri="{FF2B5EF4-FFF2-40B4-BE49-F238E27FC236}">
+                <a16:creationId xmlns:a16="http://schemas.microsoft.com/office/drawing/2014/main" id="{54B427D2-5E9E-47A3-B7E7-6140690D6A4B}"/>
+              </a:ext>
+            </a:extLst>
+          </p:cNvPr>
+          <p:cNvSpPr/>
+          <p:nvPr/>
+        </p:nvSpPr>
+        <p:spPr>
+          <a:xfrm>
+            <a:off x="8068030" y="2348816"/>
+            <a:ext cx="412652" cy="914400"/>
+          </a:xfrm>
+          <a:prstGeom prst="rect">
+            <a:avLst/>
+          </a:prstGeom>
+          <a:solidFill>
+            <a:schemeClr val="bg1"/>
+          </a:solidFill>
+          <a:ln>
+            <a:noFill/>
+          </a:ln>
+        </p:spPr>
+        <p:style>
+          <a:lnRef idx="2">
+            <a:schemeClr val="accent1">
+              <a:shade val="50000"/>
+            </a:schemeClr>
+          </a:lnRef>
+          <a:fillRef idx="1">
+            <a:schemeClr val="accent1"/>
+          </a:fillRef>
+          <a:effectRef idx="0">
+            <a:schemeClr val="accent1"/>
+          </a:effectRef>
+          <a:fontRef idx="minor">
+            <a:schemeClr val="lt1"/>
+          </a:fontRef>
+        </p:style>
+        <p:txBody>
+          <a:bodyPr rtlCol="0" anchor="ctr"/>
+          <a:lstStyle/>
+          <a:p>
+            <a:pPr algn="ctr"/>
+            <a:r>
+              <a:rPr lang="en-US" b="1">
+                <a:solidFill>
+                  <a:sysClr val="windowText" lastClr="000000"/>
+                </a:solidFill>
+              </a:rPr>
+              <a:t>4</a:t>
+            </a:r>
+          </a:p>
+        </p:txBody>
+      </p:sp>
+      <p:sp>
+        <p:nvSpPr>
+          <p:cNvPr id="22" name="Rectangle 21">
+            <a:extLst>
+              <a:ext uri="{FF2B5EF4-FFF2-40B4-BE49-F238E27FC236}">
+                <a16:creationId xmlns:a16="http://schemas.microsoft.com/office/drawing/2014/main" id="{58744B06-2CE6-46E8-998E-21C8A44397DC}"/>
+              </a:ext>
+            </a:extLst>
+          </p:cNvPr>
+          <p:cNvSpPr/>
+          <p:nvPr/>
+        </p:nvSpPr>
+        <p:spPr>
+          <a:xfrm>
+            <a:off x="8566791" y="2348816"/>
+            <a:ext cx="412652" cy="914400"/>
+          </a:xfrm>
+          <a:prstGeom prst="rect">
+            <a:avLst/>
+          </a:prstGeom>
+          <a:solidFill>
+            <a:schemeClr val="bg1"/>
+          </a:solidFill>
+          <a:ln>
+            <a:noFill/>
+          </a:ln>
+        </p:spPr>
+        <p:style>
+          <a:lnRef idx="2">
+            <a:schemeClr val="accent1">
+              <a:shade val="50000"/>
+            </a:schemeClr>
+          </a:lnRef>
+          <a:fillRef idx="1">
+            <a:schemeClr val="accent1"/>
+          </a:fillRef>
+          <a:effectRef idx="0">
+            <a:schemeClr val="accent1"/>
+          </a:effectRef>
+          <a:fontRef idx="minor">
+            <a:schemeClr val="lt1"/>
+          </a:fontRef>
+        </p:style>
+        <p:txBody>
+          <a:bodyPr rtlCol="0" anchor="ctr"/>
+          <a:lstStyle/>
+          <a:p>
+            <a:pPr algn="ctr"/>
+            <a:r>
+              <a:rPr lang="en-US" b="1">
+                <a:solidFill>
+                  <a:sysClr val="windowText" lastClr="000000"/>
+                </a:solidFill>
+              </a:rPr>
+              <a:t>5</a:t>
+            </a:r>
+          </a:p>
+        </p:txBody>
+      </p:sp>
+      <p:sp>
+        <p:nvSpPr>
+          <p:cNvPr id="23" name="Rectangle 22">
+            <a:extLst>
+              <a:ext uri="{FF2B5EF4-FFF2-40B4-BE49-F238E27FC236}">
+                <a16:creationId xmlns:a16="http://schemas.microsoft.com/office/drawing/2014/main" id="{8B6CB982-4E1C-4F01-BDE9-9ED402A87491}"/>
+              </a:ext>
+            </a:extLst>
+          </p:cNvPr>
+          <p:cNvSpPr/>
+          <p:nvPr/>
+        </p:nvSpPr>
+        <p:spPr>
+          <a:xfrm>
+            <a:off x="9058462" y="2348816"/>
+            <a:ext cx="412652" cy="914400"/>
+          </a:xfrm>
+          <a:prstGeom prst="rect">
+            <a:avLst/>
+          </a:prstGeom>
+          <a:solidFill>
+            <a:schemeClr val="bg1"/>
+          </a:solidFill>
+          <a:ln>
+            <a:noFill/>
+          </a:ln>
+        </p:spPr>
+        <p:style>
+          <a:lnRef idx="2">
+            <a:schemeClr val="accent1">
+              <a:shade val="50000"/>
+            </a:schemeClr>
+          </a:lnRef>
+          <a:fillRef idx="1">
+            <a:schemeClr val="accent1"/>
+          </a:fillRef>
+          <a:effectRef idx="0">
+            <a:schemeClr val="accent1"/>
+          </a:effectRef>
+          <a:fontRef idx="minor">
+            <a:schemeClr val="lt1"/>
+          </a:fontRef>
+        </p:style>
+        <p:txBody>
+          <a:bodyPr rtlCol="0" anchor="ctr"/>
+          <a:lstStyle/>
+          <a:p>
+            <a:pPr algn="ctr"/>
+            <a:r>
+              <a:rPr lang="en-US" b="1">
+                <a:solidFill>
+                  <a:sysClr val="windowText" lastClr="000000"/>
+                </a:solidFill>
+              </a:rPr>
+              <a:t>6</a:t>
+            </a:r>
+          </a:p>
+        </p:txBody>
+      </p:sp>
+      <p:sp>
+        <p:nvSpPr>
+          <p:cNvPr id="24" name="Rectangle 23">
+            <a:extLst>
+              <a:ext uri="{FF2B5EF4-FFF2-40B4-BE49-F238E27FC236}">
+                <a16:creationId xmlns:a16="http://schemas.microsoft.com/office/drawing/2014/main" id="{883BED56-CEF8-420D-9069-D26FFE945CF3}"/>
+              </a:ext>
+            </a:extLst>
+          </p:cNvPr>
+          <p:cNvSpPr/>
+          <p:nvPr/>
+        </p:nvSpPr>
+        <p:spPr>
+          <a:xfrm>
+            <a:off x="11355952" y="2342270"/>
+            <a:ext cx="412652" cy="914400"/>
+          </a:xfrm>
+          <a:prstGeom prst="rect">
+            <a:avLst/>
+          </a:prstGeom>
+          <a:solidFill>
+            <a:srgbClr val="212121"/>
+          </a:solidFill>
+          <a:ln>
+            <a:noFill/>
+          </a:ln>
+        </p:spPr>
+        <p:style>
+          <a:lnRef idx="2">
+            <a:schemeClr val="accent1">
+              <a:shade val="50000"/>
+            </a:schemeClr>
+          </a:lnRef>
+          <a:fillRef idx="1">
+            <a:schemeClr val="accent1"/>
+          </a:fillRef>
+          <a:effectRef idx="0">
+            <a:schemeClr val="accent1"/>
+          </a:effectRef>
+          <a:fontRef idx="minor">
+            <a:schemeClr val="lt1"/>
+          </a:fontRef>
+        </p:style>
+        <p:txBody>
+          <a:bodyPr rtlCol="0" anchor="ctr"/>
+          <a:lstStyle/>
+          <a:p>
+            <a:pPr algn="ctr"/>
+            <a:r>
+              <a:rPr lang="en-US">
+                <a:solidFill>
+                  <a:schemeClr val="bg1"/>
+                </a:solidFill>
+              </a:rPr>
+              <a:t>0</a:t>
+            </a:r>
+          </a:p>
+        </p:txBody>
+      </p:sp>
+      <p:cxnSp>
+        <p:nvCxnSpPr>
+          <p:cNvPr id="26" name="Straight Arrow Connector 25">
+            <a:extLst>
+              <a:ext uri="{FF2B5EF4-FFF2-40B4-BE49-F238E27FC236}">
+                <a16:creationId xmlns:a16="http://schemas.microsoft.com/office/drawing/2014/main" id="{5FD4AA79-4C38-48EC-8B1E-A1010AE63E73}"/>
+              </a:ext>
+            </a:extLst>
+          </p:cNvPr>
+          <p:cNvCxnSpPr>
+            <a:stCxn id="24" idx="1"/>
+            <a:endCxn id="3" idx="3"/>
+          </p:cNvCxnSpPr>
+          <p:nvPr/>
+        </p:nvCxnSpPr>
+        <p:spPr>
+          <a:xfrm flipH="1">
+            <a:off x="10351477" y="2799470"/>
+            <a:ext cx="1004475" cy="1"/>
+          </a:xfrm>
+          <a:prstGeom prst="straightConnector1">
+            <a:avLst/>
+          </a:prstGeom>
+          <a:ln w="76200">
+            <a:solidFill>
+              <a:srgbClr val="212121"/>
+            </a:solidFill>
+            <a:tailEnd type="triangle"/>
+          </a:ln>
+        </p:spPr>
+        <p:style>
+          <a:lnRef idx="1">
+            <a:schemeClr val="accent1"/>
+          </a:lnRef>
+          <a:fillRef idx="0">
+            <a:schemeClr val="accent1"/>
+          </a:fillRef>
+          <a:effectRef idx="0">
+            <a:schemeClr val="accent1"/>
+          </a:effectRef>
+          <a:fontRef idx="minor">
+            <a:schemeClr val="tx1"/>
+          </a:fontRef>
+        </p:style>
+      </p:cxnSp>
+      <p:cxnSp>
+        <p:nvCxnSpPr>
+          <p:cNvPr id="28" name="Straight Arrow Connector 27">
+            <a:extLst>
+              <a:ext uri="{FF2B5EF4-FFF2-40B4-BE49-F238E27FC236}">
+                <a16:creationId xmlns:a16="http://schemas.microsoft.com/office/drawing/2014/main" id="{61A091EB-936D-4802-B103-03ED80D5D655}"/>
+              </a:ext>
+            </a:extLst>
+          </p:cNvPr>
+          <p:cNvCxnSpPr>
+            <a:cxnSpLocks/>
+            <a:stCxn id="3" idx="1"/>
+            <a:endCxn id="9" idx="3"/>
+          </p:cNvCxnSpPr>
+          <p:nvPr/>
+        </p:nvCxnSpPr>
+        <p:spPr>
+          <a:xfrm flipH="1" flipV="1">
+            <a:off x="1280180" y="2799470"/>
+            <a:ext cx="560343" cy="1"/>
+          </a:xfrm>
+          <a:prstGeom prst="straightConnector1">
+            <a:avLst/>
+          </a:prstGeom>
+          <a:ln w="76200">
+            <a:solidFill>
+              <a:srgbClr val="212121"/>
+            </a:solidFill>
+            <a:tailEnd type="triangle"/>
+          </a:ln>
+        </p:spPr>
+        <p:style>
+          <a:lnRef idx="1">
+            <a:schemeClr val="accent1"/>
+          </a:lnRef>
+          <a:fillRef idx="0">
+            <a:schemeClr val="accent1"/>
+          </a:fillRef>
+          <a:effectRef idx="0">
+            <a:schemeClr val="accent1"/>
+          </a:effectRef>
+          <a:fontRef idx="minor">
+            <a:schemeClr val="tx1"/>
+          </a:fontRef>
+        </p:style>
+      </p:cxnSp>
+      <p:cxnSp>
+        <p:nvCxnSpPr>
+          <p:cNvPr id="31" name="Straight Arrow Connector 30">
+            <a:extLst>
+              <a:ext uri="{FF2B5EF4-FFF2-40B4-BE49-F238E27FC236}">
+                <a16:creationId xmlns:a16="http://schemas.microsoft.com/office/drawing/2014/main" id="{FC02F3B3-45B5-4B1B-B320-7B4B6BB9E0CF}"/>
+              </a:ext>
+            </a:extLst>
+          </p:cNvPr>
+          <p:cNvCxnSpPr>
+            <a:cxnSpLocks/>
+            <a:stCxn id="34" idx="0"/>
+          </p:cNvCxnSpPr>
+          <p:nvPr/>
+        </p:nvCxnSpPr>
+        <p:spPr>
+          <a:xfrm flipV="1">
+            <a:off x="2831154" y="3389824"/>
+            <a:ext cx="0" cy="858128"/>
+          </a:xfrm>
+          <a:prstGeom prst="straightConnector1">
+            <a:avLst/>
+          </a:prstGeom>
+          <a:ln w="76200">
+            <a:solidFill>
+              <a:srgbClr val="212121"/>
+            </a:solidFill>
+            <a:tailEnd type="triangle"/>
+          </a:ln>
+        </p:spPr>
+        <p:style>
+          <a:lnRef idx="1">
+            <a:schemeClr val="accent1"/>
+          </a:lnRef>
+          <a:fillRef idx="0">
+            <a:schemeClr val="accent1"/>
+          </a:fillRef>
+          <a:effectRef idx="0">
+            <a:schemeClr val="accent1"/>
+          </a:effectRef>
+          <a:fontRef idx="minor">
+            <a:schemeClr val="tx1"/>
+          </a:fontRef>
+        </p:style>
+      </p:cxnSp>
+      <p:sp>
+        <p:nvSpPr>
+          <p:cNvPr id="34" name="Rectangle 33">
+            <a:extLst>
+              <a:ext uri="{FF2B5EF4-FFF2-40B4-BE49-F238E27FC236}">
+                <a16:creationId xmlns:a16="http://schemas.microsoft.com/office/drawing/2014/main" id="{82C55E04-F44E-43BA-B0D7-A5B42F0EB155}"/>
+              </a:ext>
+            </a:extLst>
+          </p:cNvPr>
+          <p:cNvSpPr/>
+          <p:nvPr/>
+        </p:nvSpPr>
+        <p:spPr>
+          <a:xfrm>
+            <a:off x="2262934" y="4247952"/>
+            <a:ext cx="1136439" cy="788282"/>
+          </a:xfrm>
+          <a:prstGeom prst="rect">
+            <a:avLst/>
+          </a:prstGeom>
+          <a:solidFill>
+            <a:srgbClr val="212121"/>
+          </a:solidFill>
+          <a:ln>
+            <a:noFill/>
+          </a:ln>
+        </p:spPr>
+        <p:style>
+          <a:lnRef idx="2">
+            <a:schemeClr val="accent1">
+              <a:shade val="50000"/>
+            </a:schemeClr>
+          </a:lnRef>
+          <a:fillRef idx="1">
+            <a:schemeClr val="accent1"/>
+          </a:fillRef>
+          <a:effectRef idx="0">
+            <a:schemeClr val="accent1"/>
+          </a:effectRef>
+          <a:fontRef idx="minor">
+            <a:schemeClr val="lt1"/>
+          </a:fontRef>
+        </p:style>
+        <p:txBody>
+          <a:bodyPr rtlCol="0" anchor="ctr"/>
+          <a:lstStyle/>
+          <a:p>
+            <a:pPr algn="ctr"/>
+            <a:r>
+              <a:rPr lang="en-US">
+                <a:solidFill>
+                  <a:schemeClr val="bg1"/>
+                </a:solidFill>
+              </a:rPr>
+              <a:t>Front</a:t>
+            </a:r>
+          </a:p>
+        </p:txBody>
+      </p:sp>
+      <p:cxnSp>
+        <p:nvCxnSpPr>
+          <p:cNvPr id="40" name="Straight Arrow Connector 39">
+            <a:extLst>
+              <a:ext uri="{FF2B5EF4-FFF2-40B4-BE49-F238E27FC236}">
+                <a16:creationId xmlns:a16="http://schemas.microsoft.com/office/drawing/2014/main" id="{1A6D9405-4702-4C9A-8272-878A22589397}"/>
+              </a:ext>
+            </a:extLst>
+          </p:cNvPr>
+          <p:cNvCxnSpPr>
+            <a:cxnSpLocks/>
+            <a:stCxn id="41" idx="0"/>
+          </p:cNvCxnSpPr>
+          <p:nvPr/>
+        </p:nvCxnSpPr>
+        <p:spPr>
+          <a:xfrm flipV="1">
+            <a:off x="9783258" y="3389824"/>
+            <a:ext cx="0" cy="858128"/>
+          </a:xfrm>
+          <a:prstGeom prst="straightConnector1">
+            <a:avLst/>
+          </a:prstGeom>
+          <a:ln w="76200">
+            <a:solidFill>
+              <a:srgbClr val="212121"/>
+            </a:solidFill>
+            <a:tailEnd type="triangle"/>
+          </a:ln>
+        </p:spPr>
+        <p:style>
+          <a:lnRef idx="1">
+            <a:schemeClr val="accent1"/>
+          </a:lnRef>
+          <a:fillRef idx="0">
+            <a:schemeClr val="accent1"/>
+          </a:fillRef>
+          <a:effectRef idx="0">
+            <a:schemeClr val="accent1"/>
+          </a:effectRef>
+          <a:fontRef idx="minor">
+            <a:schemeClr val="tx1"/>
+          </a:fontRef>
+        </p:style>
+      </p:cxnSp>
+      <p:sp>
+        <p:nvSpPr>
+          <p:cNvPr id="41" name="Rectangle 40">
+            <a:extLst>
+              <a:ext uri="{FF2B5EF4-FFF2-40B4-BE49-F238E27FC236}">
+                <a16:creationId xmlns:a16="http://schemas.microsoft.com/office/drawing/2014/main" id="{A23389A3-5212-4994-B8D2-E362272AF21E}"/>
+              </a:ext>
+            </a:extLst>
+          </p:cNvPr>
+          <p:cNvSpPr/>
+          <p:nvPr/>
+        </p:nvSpPr>
+        <p:spPr>
+          <a:xfrm>
+            <a:off x="9215038" y="4247952"/>
+            <a:ext cx="1136439" cy="788282"/>
+          </a:xfrm>
+          <a:prstGeom prst="rect">
+            <a:avLst/>
+          </a:prstGeom>
+          <a:solidFill>
+            <a:srgbClr val="212121"/>
+          </a:solidFill>
+          <a:ln>
+            <a:noFill/>
+          </a:ln>
+        </p:spPr>
+        <p:style>
+          <a:lnRef idx="2">
+            <a:schemeClr val="accent1">
+              <a:shade val="50000"/>
+            </a:schemeClr>
+          </a:lnRef>
+          <a:fillRef idx="1">
+            <a:schemeClr val="accent1"/>
+          </a:fillRef>
+          <a:effectRef idx="0">
+            <a:schemeClr val="accent1"/>
+          </a:effectRef>
+          <a:fontRef idx="minor">
+            <a:schemeClr val="lt1"/>
+          </a:fontRef>
+        </p:style>
+        <p:txBody>
+          <a:bodyPr rtlCol="0" anchor="ctr"/>
+          <a:lstStyle/>
+          <a:p>
+            <a:pPr algn="ctr"/>
+            <a:r>
+              <a:rPr lang="en-US">
+                <a:solidFill>
+                  <a:schemeClr val="bg1"/>
+                </a:solidFill>
+              </a:rPr>
+              <a:t>Back</a:t>
+            </a:r>
+          </a:p>
+        </p:txBody>
+      </p:sp>
+      <p:sp>
+        <p:nvSpPr>
+          <p:cNvPr id="42" name="Left Brace 41">
+            <a:extLst>
+              <a:ext uri="{FF2B5EF4-FFF2-40B4-BE49-F238E27FC236}">
+                <a16:creationId xmlns:a16="http://schemas.microsoft.com/office/drawing/2014/main" id="{5F7950EE-937D-404A-8F56-D3D4B8BF3546}"/>
+              </a:ext>
+            </a:extLst>
+          </p:cNvPr>
+          <p:cNvSpPr/>
+          <p:nvPr/>
+        </p:nvSpPr>
+        <p:spPr>
           <a:xfrm rot="5400000">
-            <a:off x="5637253" y="-2511491"/>
-            <a:ext cx="872197" cy="11655899"/>
+            <a:off x="5815598" y="-1549721"/>
+            <a:ext cx="445807" cy="6865228"/>
           </a:xfrm>
-          <a:prstGeom prst="rightBrace">
+          <a:prstGeom prst="leftBrace">
             <a:avLst>
-              <a:gd name="adj1" fmla="val 77688"/>
-              <a:gd name="adj2" fmla="val 49638"/>
+              <a:gd name="adj1" fmla="val 29251"/>
+              <a:gd name="adj2" fmla="val 50615"/>
             </a:avLst>
           </a:prstGeom>
+          <a:noFill/>
           <a:ln w="38100">
             <a:solidFill>
               <a:srgbClr val="212121"/>
@@ -5312,10 +4715,10 @@
       </p:sp>
       <p:sp>
         <p:nvSpPr>
-          <p:cNvPr id="6" name="TextBox 5">
-            <a:extLst>
-              <a:ext uri="{FF2B5EF4-FFF2-40B4-BE49-F238E27FC236}">
-                <a16:creationId xmlns:a16="http://schemas.microsoft.com/office/drawing/2014/main" id="{FF4023C4-1627-4F75-A60B-0304154061CB}"/>
+          <p:cNvPr id="43" name="TextBox 42">
+            <a:extLst>
+              <a:ext uri="{FF2B5EF4-FFF2-40B4-BE49-F238E27FC236}">
+                <a16:creationId xmlns:a16="http://schemas.microsoft.com/office/drawing/2014/main" id="{E5F2ABE3-7CD9-45DE-8086-82AC440EA30E}"/>
               </a:ext>
             </a:extLst>
           </p:cNvPr>
@@ -5324,8 +4727,8 @@
         </p:nvSpPr>
         <p:spPr>
           <a:xfrm>
-            <a:off x="5243843" y="3752558"/>
-            <a:ext cx="1704313" cy="646331"/>
+            <a:off x="5564756" y="1163399"/>
+            <a:ext cx="864339" cy="461665"/>
           </a:xfrm>
           <a:prstGeom prst="rect">
             <a:avLst/>
@@ -5339,18 +4742,22 @@
           <a:lstStyle/>
           <a:p>
             <a:r>
-              <a:rPr lang="en-US" sz="3600" b="1"/>
-              <a:t>N = 25</a:t>
-            </a:r>
-          </a:p>
-        </p:txBody>
-      </p:sp>
-      <p:sp>
-        <p:nvSpPr>
-          <p:cNvPr id="7" name="TextBox 6">
-            <a:extLst>
-              <a:ext uri="{FF2B5EF4-FFF2-40B4-BE49-F238E27FC236}">
-                <a16:creationId xmlns:a16="http://schemas.microsoft.com/office/drawing/2014/main" id="{17D91FEB-3857-4CFC-9ABF-00B1BBAB50CE}"/>
+              <a:rPr lang="en-US" sz="2400" b="1">
+                <a:solidFill>
+                  <a:srgbClr val="212121"/>
+                </a:solidFill>
+              </a:rPr>
+              <a:t>Size</a:t>
+            </a:r>
+          </a:p>
+        </p:txBody>
+      </p:sp>
+      <p:sp>
+        <p:nvSpPr>
+          <p:cNvPr id="44" name="TextBox 43">
+            <a:extLst>
+              <a:ext uri="{FF2B5EF4-FFF2-40B4-BE49-F238E27FC236}">
+                <a16:creationId xmlns:a16="http://schemas.microsoft.com/office/drawing/2014/main" id="{2AA901D9-4ED7-44E3-9B59-66792239ED53}"/>
               </a:ext>
             </a:extLst>
           </p:cNvPr>
@@ -5359,8 +4766,8 @@
         </p:nvSpPr>
         <p:spPr>
           <a:xfrm>
-            <a:off x="9108425" y="1674903"/>
-            <a:ext cx="373212" cy="646331"/>
+            <a:off x="10043649" y="1312595"/>
+            <a:ext cx="1620129" cy="523220"/>
           </a:xfrm>
           <a:prstGeom prst="rect">
             <a:avLst/>
@@ -5373,19 +4780,64 @@
           </a:bodyPr>
           <a:lstStyle/>
           <a:p>
-            <a:r>
-              <a:rPr lang="en-US" sz="3600" b="1"/>
-              <a:t>r</a:t>
-            </a:r>
-          </a:p>
-        </p:txBody>
-      </p:sp>
-      <p:sp>
-        <p:nvSpPr>
-          <p:cNvPr id="8" name="TextBox 7">
-            <a:extLst>
-              <a:ext uri="{FF2B5EF4-FFF2-40B4-BE49-F238E27FC236}">
-                <a16:creationId xmlns:a16="http://schemas.microsoft.com/office/drawing/2014/main" id="{E5C85222-D1E2-4744-80F0-43ABA423FD11}"/>
+            <a:pPr algn="ctr"/>
+            <a:r>
+              <a:rPr lang="en-US" sz="2800" b="1"/>
+              <a:t>Push()</a:t>
+            </a:r>
+          </a:p>
+        </p:txBody>
+      </p:sp>
+      <p:cxnSp>
+        <p:nvCxnSpPr>
+          <p:cNvPr id="46" name="Straight Arrow Connector 45">
+            <a:extLst>
+              <a:ext uri="{FF2B5EF4-FFF2-40B4-BE49-F238E27FC236}">
+                <a16:creationId xmlns:a16="http://schemas.microsoft.com/office/drawing/2014/main" id="{0D7A2986-FBEC-496C-923B-17F611E1F5F9}"/>
+              </a:ext>
+            </a:extLst>
+          </p:cNvPr>
+          <p:cNvCxnSpPr>
+            <a:cxnSpLocks/>
+          </p:cNvCxnSpPr>
+          <p:nvPr/>
+        </p:nvCxnSpPr>
+        <p:spPr>
+          <a:xfrm flipH="1" flipV="1">
+            <a:off x="10853713" y="1835815"/>
+            <a:ext cx="1" cy="970201"/>
+          </a:xfrm>
+          <a:prstGeom prst="straightConnector1">
+            <a:avLst/>
+          </a:prstGeom>
+          <a:ln w="57150">
+            <a:solidFill>
+              <a:srgbClr val="212121"/>
+            </a:solidFill>
+            <a:tailEnd type="triangle"/>
+          </a:ln>
+        </p:spPr>
+        <p:style>
+          <a:lnRef idx="1">
+            <a:schemeClr val="accent1"/>
+          </a:lnRef>
+          <a:fillRef idx="0">
+            <a:schemeClr val="accent1"/>
+          </a:fillRef>
+          <a:effectRef idx="0">
+            <a:schemeClr val="accent1"/>
+          </a:effectRef>
+          <a:fontRef idx="minor">
+            <a:schemeClr val="tx1"/>
+          </a:fontRef>
+        </p:style>
+      </p:cxnSp>
+      <p:sp>
+        <p:nvSpPr>
+          <p:cNvPr id="47" name="TextBox 46">
+            <a:extLst>
+              <a:ext uri="{FF2B5EF4-FFF2-40B4-BE49-F238E27FC236}">
+                <a16:creationId xmlns:a16="http://schemas.microsoft.com/office/drawing/2014/main" id="{A45BB186-B9C7-4AB5-B0C3-CC96852C2251}"/>
               </a:ext>
             </a:extLst>
           </p:cNvPr>
@@ -5393,9 +4845,9 @@
           <p:nvPr/>
         </p:nvSpPr>
         <p:spPr>
-          <a:xfrm flipH="1">
-            <a:off x="290698" y="1686821"/>
-            <a:ext cx="373212" cy="646331"/>
+          <a:xfrm>
+            <a:off x="777057" y="1203861"/>
+            <a:ext cx="1620129" cy="523220"/>
           </a:xfrm>
           <a:prstGeom prst="rect">
             <a:avLst/>
@@ -5408,9 +4860,89 @@
           </a:bodyPr>
           <a:lstStyle/>
           <a:p>
-            <a:r>
-              <a:rPr lang="en-US" sz="3600" b="1"/>
-              <a:t>f</a:t>
+            <a:pPr algn="ctr"/>
+            <a:r>
+              <a:rPr lang="en-US" sz="2800" b="1"/>
+              <a:t>Pop()</a:t>
+            </a:r>
+          </a:p>
+        </p:txBody>
+      </p:sp>
+      <p:cxnSp>
+        <p:nvCxnSpPr>
+          <p:cNvPr id="48" name="Straight Arrow Connector 47">
+            <a:extLst>
+              <a:ext uri="{FF2B5EF4-FFF2-40B4-BE49-F238E27FC236}">
+                <a16:creationId xmlns:a16="http://schemas.microsoft.com/office/drawing/2014/main" id="{6ED04EEC-8A15-40B0-90D0-E75E76D7E0FF}"/>
+              </a:ext>
+            </a:extLst>
+          </p:cNvPr>
+          <p:cNvCxnSpPr>
+            <a:cxnSpLocks/>
+          </p:cNvCxnSpPr>
+          <p:nvPr/>
+        </p:nvCxnSpPr>
+        <p:spPr>
+          <a:xfrm flipH="1" flipV="1">
+            <a:off x="1587121" y="1727081"/>
+            <a:ext cx="1" cy="970201"/>
+          </a:xfrm>
+          <a:prstGeom prst="straightConnector1">
+            <a:avLst/>
+          </a:prstGeom>
+          <a:ln w="57150">
+            <a:solidFill>
+              <a:srgbClr val="212121"/>
+            </a:solidFill>
+            <a:tailEnd type="triangle"/>
+          </a:ln>
+        </p:spPr>
+        <p:style>
+          <a:lnRef idx="1">
+            <a:schemeClr val="accent1"/>
+          </a:lnRef>
+          <a:fillRef idx="0">
+            <a:schemeClr val="accent1"/>
+          </a:fillRef>
+          <a:effectRef idx="0">
+            <a:schemeClr val="accent1"/>
+          </a:effectRef>
+          <a:fontRef idx="minor">
+            <a:schemeClr val="tx1"/>
+          </a:fontRef>
+        </p:style>
+      </p:cxnSp>
+      <p:sp>
+        <p:nvSpPr>
+          <p:cNvPr id="49" name="TextBox 48">
+            <a:extLst>
+              <a:ext uri="{FF2B5EF4-FFF2-40B4-BE49-F238E27FC236}">
+                <a16:creationId xmlns:a16="http://schemas.microsoft.com/office/drawing/2014/main" id="{BD8981E6-50BF-4027-A8E5-191987F8753C}"/>
+              </a:ext>
+            </a:extLst>
+          </p:cNvPr>
+          <p:cNvSpPr txBox="1"/>
+          <p:nvPr/>
+        </p:nvSpPr>
+        <p:spPr>
+          <a:xfrm>
+            <a:off x="647114" y="5654139"/>
+            <a:ext cx="11121489" cy="830997"/>
+          </a:xfrm>
+          <a:prstGeom prst="rect">
+            <a:avLst/>
+          </a:prstGeom>
+          <a:noFill/>
+        </p:spPr>
+        <p:txBody>
+          <a:bodyPr wrap="square" rtlCol="0">
+            <a:spAutoFit/>
+          </a:bodyPr>
+          <a:lstStyle/>
+          <a:p>
+            <a:r>
+              <a:rPr lang="en-US" sz="2400" b="1"/>
+              <a:t>Hàng đợi (Queue) là một cấu trúc dữ liệu trìu tượng tuyến tính hoạt động theo cơ chế FIFO (Vào trước ra trước)</a:t>
             </a:r>
           </a:p>
         </p:txBody>
@@ -5447,116 +4979,2489 @@
       </p:grpSpPr>
       <p:sp>
         <p:nvSpPr>
-          <p:cNvPr id="4" name="Oval 3">
-            <a:extLst>
-              <a:ext uri="{FF2B5EF4-FFF2-40B4-BE49-F238E27FC236}">
-                <a16:creationId xmlns:a16="http://schemas.microsoft.com/office/drawing/2014/main" id="{8C516C98-506D-4937-B621-ED911392925B}"/>
-              </a:ext>
-            </a:extLst>
-          </p:cNvPr>
-          <p:cNvSpPr/>
+          <p:cNvPr id="2" name="TextBox 1">
+            <a:extLst>
+              <a:ext uri="{FF2B5EF4-FFF2-40B4-BE49-F238E27FC236}">
+                <a16:creationId xmlns:a16="http://schemas.microsoft.com/office/drawing/2014/main" id="{BD9F90E5-6AF9-4FEC-B490-15E970AEA782}"/>
+              </a:ext>
+            </a:extLst>
+          </p:cNvPr>
+          <p:cNvSpPr txBox="1"/>
           <p:nvPr/>
         </p:nvSpPr>
         <p:spPr>
           <a:xfrm>
-            <a:off x="3915507" y="1248507"/>
-            <a:ext cx="4360985" cy="4360985"/>
+            <a:off x="436099" y="140677"/>
+            <a:ext cx="10838223" cy="2803011"/>
           </a:xfrm>
-          <a:prstGeom prst="ellipse">
+          <a:prstGeom prst="rect">
             <a:avLst/>
           </a:prstGeom>
-          <a:solidFill>
-            <a:schemeClr val="bg1"/>
-          </a:solidFill>
-          <a:ln w="38100">
+          <a:noFill/>
+        </p:spPr>
+        <p:txBody>
+          <a:bodyPr wrap="none" rtlCol="0">
+            <a:spAutoFit/>
+          </a:bodyPr>
+          <a:lstStyle/>
+          <a:p>
+            <a:pPr>
+              <a:lnSpc>
+                <a:spcPct val="150000"/>
+              </a:lnSpc>
+            </a:pPr>
+            <a:r>
+              <a:rPr lang="en-US" sz="2400" b="1"/>
+              <a:t>Một Queue gồm ba thuộc tính chính:</a:t>
+            </a:r>
+          </a:p>
+          <a:p>
+            <a:pPr marL="285750" indent="-285750">
+              <a:lnSpc>
+                <a:spcPct val="150000"/>
+              </a:lnSpc>
+              <a:buFont typeface="Wingdings" panose="05000000000000000000" pitchFamily="2" charset="2"/>
+              <a:buChar char="q"/>
+            </a:pPr>
+            <a:r>
+              <a:rPr lang="en-US" sz="2400" b="1"/>
+              <a:t>Một con trỏ front trỏ đến phần tử đầu tiên.</a:t>
+            </a:r>
+          </a:p>
+          <a:p>
+            <a:pPr marL="285750" indent="-285750">
+              <a:lnSpc>
+                <a:spcPct val="150000"/>
+              </a:lnSpc>
+              <a:buFont typeface="Wingdings" panose="05000000000000000000" pitchFamily="2" charset="2"/>
+              <a:buChar char="q"/>
+            </a:pPr>
+            <a:r>
+              <a:rPr lang="en-US" sz="2400" b="1"/>
+              <a:t>Một con trỏ back trỏ đến phần tử cuối cùng.</a:t>
+            </a:r>
+          </a:p>
+          <a:p>
+            <a:pPr marL="285750" indent="-285750">
+              <a:lnSpc>
+                <a:spcPct val="150000"/>
+              </a:lnSpc>
+              <a:buFont typeface="Wingdings" panose="05000000000000000000" pitchFamily="2" charset="2"/>
+              <a:buChar char="q"/>
+            </a:pPr>
+            <a:r>
+              <a:rPr lang="en-US" sz="2400" b="1"/>
+              <a:t>Một mảng (Hoặc một tập các node) làm hàng đợi để chứa dữ liệu</a:t>
+            </a:r>
+          </a:p>
+          <a:p>
+            <a:pPr marL="285750" indent="-285750">
+              <a:lnSpc>
+                <a:spcPct val="150000"/>
+              </a:lnSpc>
+              <a:buFont typeface="Wingdings" panose="05000000000000000000" pitchFamily="2" charset="2"/>
+              <a:buChar char="q"/>
+            </a:pPr>
+            <a:r>
+              <a:rPr lang="en-US" sz="2400" b="1"/>
+              <a:t>Một biến size lưu trữ số lượng phần tử hiện có</a:t>
+            </a:r>
+          </a:p>
+        </p:txBody>
+      </p:sp>
+      <p:grpSp>
+        <p:nvGrpSpPr>
+          <p:cNvPr id="3" name="Group 2">
+            <a:extLst>
+              <a:ext uri="{FF2B5EF4-FFF2-40B4-BE49-F238E27FC236}">
+                <a16:creationId xmlns:a16="http://schemas.microsoft.com/office/drawing/2014/main" id="{2BC912A5-D281-4381-8D9E-D3AC706CF8D0}"/>
+              </a:ext>
+            </a:extLst>
+          </p:cNvPr>
+          <p:cNvGrpSpPr/>
+          <p:nvPr/>
+        </p:nvGrpSpPr>
+        <p:grpSpPr>
+          <a:xfrm>
+            <a:off x="1437718" y="3118808"/>
+            <a:ext cx="9316564" cy="3141315"/>
+            <a:chOff x="754986" y="2598303"/>
+            <a:chExt cx="10901076" cy="3872835"/>
+          </a:xfrm>
+        </p:grpSpPr>
+        <p:sp>
+          <p:nvSpPr>
+            <p:cNvPr id="6" name="Rectangle 5">
+              <a:extLst>
+                <a:ext uri="{FF2B5EF4-FFF2-40B4-BE49-F238E27FC236}">
+                  <a16:creationId xmlns:a16="http://schemas.microsoft.com/office/drawing/2014/main" id="{ACE1B6A0-770D-49AE-B9B3-538109A0DAFA}"/>
+                </a:ext>
+              </a:extLst>
+            </p:cNvPr>
+            <p:cNvSpPr/>
+            <p:nvPr/>
+          </p:nvSpPr>
+          <p:spPr>
+            <a:xfrm>
+              <a:off x="1727981" y="3713870"/>
+              <a:ext cx="8510954" cy="1041009"/>
+            </a:xfrm>
+            <a:prstGeom prst="rect">
+              <a:avLst/>
+            </a:prstGeom>
             <a:solidFill>
               <a:srgbClr val="212121"/>
             </a:solidFill>
-          </a:ln>
-        </p:spPr>
-        <p:style>
-          <a:lnRef idx="2">
-            <a:schemeClr val="accent1">
-              <a:shade val="50000"/>
-            </a:schemeClr>
-          </a:lnRef>
-          <a:fillRef idx="1">
-            <a:schemeClr val="accent1"/>
-          </a:fillRef>
-          <a:effectRef idx="0">
-            <a:schemeClr val="accent1"/>
-          </a:effectRef>
-          <a:fontRef idx="minor">
-            <a:schemeClr val="lt1"/>
-          </a:fontRef>
-        </p:style>
-        <p:txBody>
-          <a:bodyPr rtlCol="0" anchor="ctr"/>
-          <a:lstStyle/>
-          <a:p>
-            <a:pPr algn="ctr"/>
-            <a:endParaRPr lang="en-US"/>
-          </a:p>
-        </p:txBody>
-      </p:sp>
-      <p:sp>
-        <p:nvSpPr>
-          <p:cNvPr id="5" name="Oval 4">
-            <a:extLst>
-              <a:ext uri="{FF2B5EF4-FFF2-40B4-BE49-F238E27FC236}">
-                <a16:creationId xmlns:a16="http://schemas.microsoft.com/office/drawing/2014/main" id="{6B451708-F5C0-4B02-A51D-050711C1271E}"/>
-              </a:ext>
-            </a:extLst>
-          </p:cNvPr>
-          <p:cNvSpPr/>
-          <p:nvPr/>
-        </p:nvSpPr>
-        <p:spPr>
-          <a:xfrm>
-            <a:off x="4387654" y="1720654"/>
-            <a:ext cx="3416692" cy="3416692"/>
-          </a:xfrm>
-          <a:prstGeom prst="ellipse">
-            <a:avLst/>
-          </a:prstGeom>
-          <a:solidFill>
-            <a:schemeClr val="bg1"/>
-          </a:solidFill>
-          <a:ln w="38100">
+          </p:spPr>
+          <p:style>
+            <a:lnRef idx="2">
+              <a:schemeClr val="accent1">
+                <a:shade val="50000"/>
+              </a:schemeClr>
+            </a:lnRef>
+            <a:fillRef idx="1">
+              <a:schemeClr val="accent1"/>
+            </a:fillRef>
+            <a:effectRef idx="0">
+              <a:schemeClr val="accent1"/>
+            </a:effectRef>
+            <a:fontRef idx="minor">
+              <a:schemeClr val="lt1"/>
+            </a:fontRef>
+          </p:style>
+          <p:txBody>
+            <a:bodyPr rtlCol="0" anchor="ctr"/>
+            <a:lstStyle/>
+            <a:p>
+              <a:pPr algn="ctr"/>
+              <a:endParaRPr lang="en-US">
+                <a:solidFill>
+                  <a:sysClr val="windowText" lastClr="000000"/>
+                </a:solidFill>
+              </a:endParaRPr>
+            </a:p>
+          </p:txBody>
+        </p:sp>
+        <p:sp>
+          <p:nvSpPr>
+            <p:cNvPr id="7" name="Rectangle 6">
+              <a:extLst>
+                <a:ext uri="{FF2B5EF4-FFF2-40B4-BE49-F238E27FC236}">
+                  <a16:creationId xmlns:a16="http://schemas.microsoft.com/office/drawing/2014/main" id="{B67958FC-0E86-4AD8-B3A7-FD1F12A2592D}"/>
+                </a:ext>
+              </a:extLst>
+            </p:cNvPr>
+            <p:cNvSpPr/>
+            <p:nvPr/>
+          </p:nvSpPr>
+          <p:spPr>
+            <a:xfrm>
+              <a:off x="754986" y="3777174"/>
+              <a:ext cx="412652" cy="914400"/>
+            </a:xfrm>
+            <a:prstGeom prst="rect">
+              <a:avLst/>
+            </a:prstGeom>
             <a:solidFill>
               <a:srgbClr val="212121"/>
             </a:solidFill>
-          </a:ln>
-        </p:spPr>
-        <p:style>
-          <a:lnRef idx="2">
-            <a:schemeClr val="accent1">
-              <a:shade val="50000"/>
-            </a:schemeClr>
-          </a:lnRef>
-          <a:fillRef idx="1">
-            <a:schemeClr val="accent1"/>
-          </a:fillRef>
-          <a:effectRef idx="0">
-            <a:schemeClr val="accent1"/>
-          </a:effectRef>
-          <a:fontRef idx="minor">
-            <a:schemeClr val="lt1"/>
-          </a:fontRef>
-        </p:style>
-        <p:txBody>
-          <a:bodyPr rtlCol="0" anchor="ctr"/>
-          <a:lstStyle/>
-          <a:p>
-            <a:pPr algn="ctr"/>
-            <a:endParaRPr lang="en-US"/>
-          </a:p>
-        </p:txBody>
-      </p:sp>
+            <a:ln>
+              <a:noFill/>
+            </a:ln>
+          </p:spPr>
+          <p:style>
+            <a:lnRef idx="2">
+              <a:schemeClr val="accent1">
+                <a:shade val="50000"/>
+              </a:schemeClr>
+            </a:lnRef>
+            <a:fillRef idx="1">
+              <a:schemeClr val="accent1"/>
+            </a:fillRef>
+            <a:effectRef idx="0">
+              <a:schemeClr val="accent1"/>
+            </a:effectRef>
+            <a:fontRef idx="minor">
+              <a:schemeClr val="lt1"/>
+            </a:fontRef>
+          </p:style>
+          <p:txBody>
+            <a:bodyPr rtlCol="0" anchor="ctr"/>
+            <a:lstStyle/>
+            <a:p>
+              <a:pPr algn="ctr"/>
+              <a:r>
+                <a:rPr lang="en-US">
+                  <a:solidFill>
+                    <a:schemeClr val="bg1"/>
+                  </a:solidFill>
+                </a:rPr>
+                <a:t>1</a:t>
+              </a:r>
+            </a:p>
+          </p:txBody>
+        </p:sp>
+        <p:sp>
+          <p:nvSpPr>
+            <p:cNvPr id="8" name="Rectangle 7">
+              <a:extLst>
+                <a:ext uri="{FF2B5EF4-FFF2-40B4-BE49-F238E27FC236}">
+                  <a16:creationId xmlns:a16="http://schemas.microsoft.com/office/drawing/2014/main" id="{8B41F0A4-92D1-435E-B88A-716E069DDBE3}"/>
+                </a:ext>
+              </a:extLst>
+            </p:cNvPr>
+            <p:cNvSpPr/>
+            <p:nvPr/>
+          </p:nvSpPr>
+          <p:spPr>
+            <a:xfrm>
+              <a:off x="2493346" y="3783720"/>
+              <a:ext cx="412652" cy="914400"/>
+            </a:xfrm>
+            <a:prstGeom prst="rect">
+              <a:avLst/>
+            </a:prstGeom>
+            <a:solidFill>
+              <a:schemeClr val="bg1"/>
+            </a:solidFill>
+            <a:ln>
+              <a:noFill/>
+            </a:ln>
+          </p:spPr>
+          <p:style>
+            <a:lnRef idx="2">
+              <a:schemeClr val="accent1">
+                <a:shade val="50000"/>
+              </a:schemeClr>
+            </a:lnRef>
+            <a:fillRef idx="1">
+              <a:schemeClr val="accent1"/>
+            </a:fillRef>
+            <a:effectRef idx="0">
+              <a:schemeClr val="accent1"/>
+            </a:effectRef>
+            <a:fontRef idx="minor">
+              <a:schemeClr val="lt1"/>
+            </a:fontRef>
+          </p:style>
+          <p:txBody>
+            <a:bodyPr rtlCol="0" anchor="ctr"/>
+            <a:lstStyle/>
+            <a:p>
+              <a:pPr algn="ctr"/>
+              <a:r>
+                <a:rPr lang="en-US" b="1">
+                  <a:solidFill>
+                    <a:sysClr val="windowText" lastClr="000000"/>
+                  </a:solidFill>
+                </a:rPr>
+                <a:t>2</a:t>
+              </a:r>
+            </a:p>
+          </p:txBody>
+        </p:sp>
+        <p:sp>
+          <p:nvSpPr>
+            <p:cNvPr id="9" name="Rectangle 8">
+              <a:extLst>
+                <a:ext uri="{FF2B5EF4-FFF2-40B4-BE49-F238E27FC236}">
+                  <a16:creationId xmlns:a16="http://schemas.microsoft.com/office/drawing/2014/main" id="{9CA28626-BEF2-4F2E-B7B5-37BA4751A4D4}"/>
+                </a:ext>
+              </a:extLst>
+            </p:cNvPr>
+            <p:cNvSpPr/>
+            <p:nvPr/>
+          </p:nvSpPr>
+          <p:spPr>
+            <a:xfrm>
+              <a:off x="2985017" y="3783720"/>
+              <a:ext cx="412652" cy="914400"/>
+            </a:xfrm>
+            <a:prstGeom prst="rect">
+              <a:avLst/>
+            </a:prstGeom>
+            <a:solidFill>
+              <a:schemeClr val="bg1"/>
+            </a:solidFill>
+            <a:ln>
+              <a:noFill/>
+            </a:ln>
+          </p:spPr>
+          <p:style>
+            <a:lnRef idx="2">
+              <a:schemeClr val="accent1">
+                <a:shade val="50000"/>
+              </a:schemeClr>
+            </a:lnRef>
+            <a:fillRef idx="1">
+              <a:schemeClr val="accent1"/>
+            </a:fillRef>
+            <a:effectRef idx="0">
+              <a:schemeClr val="accent1"/>
+            </a:effectRef>
+            <a:fontRef idx="minor">
+              <a:schemeClr val="lt1"/>
+            </a:fontRef>
+          </p:style>
+          <p:txBody>
+            <a:bodyPr rtlCol="0" anchor="ctr"/>
+            <a:lstStyle/>
+            <a:p>
+              <a:pPr algn="ctr"/>
+              <a:r>
+                <a:rPr lang="en-US" b="1">
+                  <a:solidFill>
+                    <a:sysClr val="windowText" lastClr="000000"/>
+                  </a:solidFill>
+                </a:rPr>
+                <a:t>3</a:t>
+              </a:r>
+            </a:p>
+          </p:txBody>
+        </p:sp>
+        <p:sp>
+          <p:nvSpPr>
+            <p:cNvPr id="10" name="Rectangle 9">
+              <a:extLst>
+                <a:ext uri="{FF2B5EF4-FFF2-40B4-BE49-F238E27FC236}">
+                  <a16:creationId xmlns:a16="http://schemas.microsoft.com/office/drawing/2014/main" id="{25572C59-C020-4946-BB80-10F03DD66A02}"/>
+                </a:ext>
+              </a:extLst>
+            </p:cNvPr>
+            <p:cNvSpPr/>
+            <p:nvPr/>
+          </p:nvSpPr>
+          <p:spPr>
+            <a:xfrm>
+              <a:off x="3483778" y="3783720"/>
+              <a:ext cx="412652" cy="914400"/>
+            </a:xfrm>
+            <a:prstGeom prst="rect">
+              <a:avLst/>
+            </a:prstGeom>
+            <a:solidFill>
+              <a:schemeClr val="bg1"/>
+            </a:solidFill>
+            <a:ln>
+              <a:noFill/>
+            </a:ln>
+          </p:spPr>
+          <p:style>
+            <a:lnRef idx="2">
+              <a:schemeClr val="accent1">
+                <a:shade val="50000"/>
+              </a:schemeClr>
+            </a:lnRef>
+            <a:fillRef idx="1">
+              <a:schemeClr val="accent1"/>
+            </a:fillRef>
+            <a:effectRef idx="0">
+              <a:schemeClr val="accent1"/>
+            </a:effectRef>
+            <a:fontRef idx="minor">
+              <a:schemeClr val="lt1"/>
+            </a:fontRef>
+          </p:style>
+          <p:txBody>
+            <a:bodyPr rtlCol="0" anchor="ctr"/>
+            <a:lstStyle/>
+            <a:p>
+              <a:pPr algn="ctr"/>
+              <a:r>
+                <a:rPr lang="en-US" b="1">
+                  <a:solidFill>
+                    <a:sysClr val="windowText" lastClr="000000"/>
+                  </a:solidFill>
+                </a:rPr>
+                <a:t>4</a:t>
+              </a:r>
+            </a:p>
+          </p:txBody>
+        </p:sp>
+        <p:sp>
+          <p:nvSpPr>
+            <p:cNvPr id="11" name="Rectangle 10">
+              <a:extLst>
+                <a:ext uri="{FF2B5EF4-FFF2-40B4-BE49-F238E27FC236}">
+                  <a16:creationId xmlns:a16="http://schemas.microsoft.com/office/drawing/2014/main" id="{71D0094C-E1BC-4DEE-A55F-15E1C2B12B35}"/>
+                </a:ext>
+              </a:extLst>
+            </p:cNvPr>
+            <p:cNvSpPr/>
+            <p:nvPr/>
+          </p:nvSpPr>
+          <p:spPr>
+            <a:xfrm>
+              <a:off x="3982539" y="3783720"/>
+              <a:ext cx="412652" cy="914400"/>
+            </a:xfrm>
+            <a:prstGeom prst="rect">
+              <a:avLst/>
+            </a:prstGeom>
+            <a:solidFill>
+              <a:schemeClr val="bg1"/>
+            </a:solidFill>
+            <a:ln>
+              <a:noFill/>
+            </a:ln>
+          </p:spPr>
+          <p:style>
+            <a:lnRef idx="2">
+              <a:schemeClr val="accent1">
+                <a:shade val="50000"/>
+              </a:schemeClr>
+            </a:lnRef>
+            <a:fillRef idx="1">
+              <a:schemeClr val="accent1"/>
+            </a:fillRef>
+            <a:effectRef idx="0">
+              <a:schemeClr val="accent1"/>
+            </a:effectRef>
+            <a:fontRef idx="minor">
+              <a:schemeClr val="lt1"/>
+            </a:fontRef>
+          </p:style>
+          <p:txBody>
+            <a:bodyPr rtlCol="0" anchor="ctr"/>
+            <a:lstStyle/>
+            <a:p>
+              <a:pPr algn="ctr"/>
+              <a:r>
+                <a:rPr lang="en-US" b="1">
+                  <a:solidFill>
+                    <a:sysClr val="windowText" lastClr="000000"/>
+                  </a:solidFill>
+                </a:rPr>
+                <a:t>5</a:t>
+              </a:r>
+            </a:p>
+          </p:txBody>
+        </p:sp>
+        <p:sp>
+          <p:nvSpPr>
+            <p:cNvPr id="12" name="Rectangle 11">
+              <a:extLst>
+                <a:ext uri="{FF2B5EF4-FFF2-40B4-BE49-F238E27FC236}">
+                  <a16:creationId xmlns:a16="http://schemas.microsoft.com/office/drawing/2014/main" id="{8633392B-246B-438C-92B7-82600D55EAB7}"/>
+                </a:ext>
+              </a:extLst>
+            </p:cNvPr>
+            <p:cNvSpPr/>
+            <p:nvPr/>
+          </p:nvSpPr>
+          <p:spPr>
+            <a:xfrm>
+              <a:off x="4481300" y="3783720"/>
+              <a:ext cx="412652" cy="914400"/>
+            </a:xfrm>
+            <a:prstGeom prst="rect">
+              <a:avLst/>
+            </a:prstGeom>
+            <a:solidFill>
+              <a:schemeClr val="bg1"/>
+            </a:solidFill>
+            <a:ln>
+              <a:noFill/>
+            </a:ln>
+          </p:spPr>
+          <p:style>
+            <a:lnRef idx="2">
+              <a:schemeClr val="accent1">
+                <a:shade val="50000"/>
+              </a:schemeClr>
+            </a:lnRef>
+            <a:fillRef idx="1">
+              <a:schemeClr val="accent1"/>
+            </a:fillRef>
+            <a:effectRef idx="0">
+              <a:schemeClr val="accent1"/>
+            </a:effectRef>
+            <a:fontRef idx="minor">
+              <a:schemeClr val="lt1"/>
+            </a:fontRef>
+          </p:style>
+          <p:txBody>
+            <a:bodyPr rtlCol="0" anchor="ctr"/>
+            <a:lstStyle/>
+            <a:p>
+              <a:pPr algn="ctr"/>
+              <a:r>
+                <a:rPr lang="en-US" b="1">
+                  <a:solidFill>
+                    <a:sysClr val="windowText" lastClr="000000"/>
+                  </a:solidFill>
+                </a:rPr>
+                <a:t>6</a:t>
+              </a:r>
+            </a:p>
+          </p:txBody>
+        </p:sp>
+        <p:sp>
+          <p:nvSpPr>
+            <p:cNvPr id="13" name="Rectangle 12">
+              <a:extLst>
+                <a:ext uri="{FF2B5EF4-FFF2-40B4-BE49-F238E27FC236}">
+                  <a16:creationId xmlns:a16="http://schemas.microsoft.com/office/drawing/2014/main" id="{ABA43255-1F43-48AF-A212-6CC4463F8CB1}"/>
+                </a:ext>
+              </a:extLst>
+            </p:cNvPr>
+            <p:cNvSpPr/>
+            <p:nvPr/>
+          </p:nvSpPr>
+          <p:spPr>
+            <a:xfrm>
+              <a:off x="4972971" y="3783720"/>
+              <a:ext cx="412652" cy="914400"/>
+            </a:xfrm>
+            <a:prstGeom prst="rect">
+              <a:avLst/>
+            </a:prstGeom>
+            <a:solidFill>
+              <a:schemeClr val="bg1"/>
+            </a:solidFill>
+            <a:ln>
+              <a:noFill/>
+            </a:ln>
+          </p:spPr>
+          <p:style>
+            <a:lnRef idx="2">
+              <a:schemeClr val="accent1">
+                <a:shade val="50000"/>
+              </a:schemeClr>
+            </a:lnRef>
+            <a:fillRef idx="1">
+              <a:schemeClr val="accent1"/>
+            </a:fillRef>
+            <a:effectRef idx="0">
+              <a:schemeClr val="accent1"/>
+            </a:effectRef>
+            <a:fontRef idx="minor">
+              <a:schemeClr val="lt1"/>
+            </a:fontRef>
+          </p:style>
+          <p:txBody>
+            <a:bodyPr rtlCol="0" anchor="ctr"/>
+            <a:lstStyle/>
+            <a:p>
+              <a:pPr algn="ctr"/>
+              <a:r>
+                <a:rPr lang="en-US" b="1">
+                  <a:solidFill>
+                    <a:sysClr val="windowText" lastClr="000000"/>
+                  </a:solidFill>
+                </a:rPr>
+                <a:t>9</a:t>
+              </a:r>
+            </a:p>
+          </p:txBody>
+        </p:sp>
+        <p:sp>
+          <p:nvSpPr>
+            <p:cNvPr id="14" name="Rectangle 13">
+              <a:extLst>
+                <a:ext uri="{FF2B5EF4-FFF2-40B4-BE49-F238E27FC236}">
+                  <a16:creationId xmlns:a16="http://schemas.microsoft.com/office/drawing/2014/main" id="{9B5F5E0D-ADE8-4702-B6D7-D84046F4EED3}"/>
+                </a:ext>
+              </a:extLst>
+            </p:cNvPr>
+            <p:cNvSpPr/>
+            <p:nvPr/>
+          </p:nvSpPr>
+          <p:spPr>
+            <a:xfrm>
+              <a:off x="5471732" y="3783720"/>
+              <a:ext cx="412652" cy="914400"/>
+            </a:xfrm>
+            <a:prstGeom prst="rect">
+              <a:avLst/>
+            </a:prstGeom>
+            <a:solidFill>
+              <a:schemeClr val="bg1"/>
+            </a:solidFill>
+            <a:ln>
+              <a:noFill/>
+            </a:ln>
+          </p:spPr>
+          <p:style>
+            <a:lnRef idx="2">
+              <a:schemeClr val="accent1">
+                <a:shade val="50000"/>
+              </a:schemeClr>
+            </a:lnRef>
+            <a:fillRef idx="1">
+              <a:schemeClr val="accent1"/>
+            </a:fillRef>
+            <a:effectRef idx="0">
+              <a:schemeClr val="accent1"/>
+            </a:effectRef>
+            <a:fontRef idx="minor">
+              <a:schemeClr val="lt1"/>
+            </a:fontRef>
+          </p:style>
+          <p:txBody>
+            <a:bodyPr rtlCol="0" anchor="ctr"/>
+            <a:lstStyle/>
+            <a:p>
+              <a:pPr algn="ctr"/>
+              <a:r>
+                <a:rPr lang="en-US" b="1">
+                  <a:solidFill>
+                    <a:sysClr val="windowText" lastClr="000000"/>
+                  </a:solidFill>
+                </a:rPr>
+                <a:t>3</a:t>
+              </a:r>
+            </a:p>
+          </p:txBody>
+        </p:sp>
+        <p:sp>
+          <p:nvSpPr>
+            <p:cNvPr id="15" name="Rectangle 14">
+              <a:extLst>
+                <a:ext uri="{FF2B5EF4-FFF2-40B4-BE49-F238E27FC236}">
+                  <a16:creationId xmlns:a16="http://schemas.microsoft.com/office/drawing/2014/main" id="{7465C148-F264-4FD9-B4EC-7FCEB6C0BEB2}"/>
+                </a:ext>
+              </a:extLst>
+            </p:cNvPr>
+            <p:cNvSpPr/>
+            <p:nvPr/>
+          </p:nvSpPr>
+          <p:spPr>
+            <a:xfrm>
+              <a:off x="5967534" y="3783720"/>
+              <a:ext cx="412652" cy="914400"/>
+            </a:xfrm>
+            <a:prstGeom prst="rect">
+              <a:avLst/>
+            </a:prstGeom>
+            <a:solidFill>
+              <a:schemeClr val="bg1"/>
+            </a:solidFill>
+            <a:ln>
+              <a:noFill/>
+            </a:ln>
+          </p:spPr>
+          <p:style>
+            <a:lnRef idx="2">
+              <a:schemeClr val="accent1">
+                <a:shade val="50000"/>
+              </a:schemeClr>
+            </a:lnRef>
+            <a:fillRef idx="1">
+              <a:schemeClr val="accent1"/>
+            </a:fillRef>
+            <a:effectRef idx="0">
+              <a:schemeClr val="accent1"/>
+            </a:effectRef>
+            <a:fontRef idx="minor">
+              <a:schemeClr val="lt1"/>
+            </a:fontRef>
+          </p:style>
+          <p:txBody>
+            <a:bodyPr rtlCol="0" anchor="ctr"/>
+            <a:lstStyle/>
+            <a:p>
+              <a:pPr algn="ctr"/>
+              <a:r>
+                <a:rPr lang="en-US" b="1">
+                  <a:solidFill>
+                    <a:sysClr val="windowText" lastClr="000000"/>
+                  </a:solidFill>
+                </a:rPr>
+                <a:t>8</a:t>
+              </a:r>
+            </a:p>
+          </p:txBody>
+        </p:sp>
+        <p:sp>
+          <p:nvSpPr>
+            <p:cNvPr id="16" name="Rectangle 15">
+              <a:extLst>
+                <a:ext uri="{FF2B5EF4-FFF2-40B4-BE49-F238E27FC236}">
+                  <a16:creationId xmlns:a16="http://schemas.microsoft.com/office/drawing/2014/main" id="{1C134798-0ED4-4FE1-BF7E-351CC4201185}"/>
+                </a:ext>
+              </a:extLst>
+            </p:cNvPr>
+            <p:cNvSpPr/>
+            <p:nvPr/>
+          </p:nvSpPr>
+          <p:spPr>
+            <a:xfrm>
+              <a:off x="6466295" y="3783720"/>
+              <a:ext cx="412652" cy="914400"/>
+            </a:xfrm>
+            <a:prstGeom prst="rect">
+              <a:avLst/>
+            </a:prstGeom>
+            <a:solidFill>
+              <a:schemeClr val="bg1"/>
+            </a:solidFill>
+            <a:ln>
+              <a:noFill/>
+            </a:ln>
+          </p:spPr>
+          <p:style>
+            <a:lnRef idx="2">
+              <a:schemeClr val="accent1">
+                <a:shade val="50000"/>
+              </a:schemeClr>
+            </a:lnRef>
+            <a:fillRef idx="1">
+              <a:schemeClr val="accent1"/>
+            </a:fillRef>
+            <a:effectRef idx="0">
+              <a:schemeClr val="accent1"/>
+            </a:effectRef>
+            <a:fontRef idx="minor">
+              <a:schemeClr val="lt1"/>
+            </a:fontRef>
+          </p:style>
+          <p:txBody>
+            <a:bodyPr rtlCol="0" anchor="ctr"/>
+            <a:lstStyle/>
+            <a:p>
+              <a:pPr algn="ctr"/>
+              <a:r>
+                <a:rPr lang="en-US" b="1">
+                  <a:solidFill>
+                    <a:sysClr val="windowText" lastClr="000000"/>
+                  </a:solidFill>
+                </a:rPr>
+                <a:t>…</a:t>
+              </a:r>
+            </a:p>
+          </p:txBody>
+        </p:sp>
+        <p:sp>
+          <p:nvSpPr>
+            <p:cNvPr id="17" name="Rectangle 16">
+              <a:extLst>
+                <a:ext uri="{FF2B5EF4-FFF2-40B4-BE49-F238E27FC236}">
+                  <a16:creationId xmlns:a16="http://schemas.microsoft.com/office/drawing/2014/main" id="{53E1ABE8-DF42-439B-99D9-BB7EC933C5A2}"/>
+                </a:ext>
+              </a:extLst>
+            </p:cNvPr>
+            <p:cNvSpPr/>
+            <p:nvPr/>
+          </p:nvSpPr>
+          <p:spPr>
+            <a:xfrm>
+              <a:off x="6957966" y="3783720"/>
+              <a:ext cx="412652" cy="914400"/>
+            </a:xfrm>
+            <a:prstGeom prst="rect">
+              <a:avLst/>
+            </a:prstGeom>
+            <a:solidFill>
+              <a:schemeClr val="bg1"/>
+            </a:solidFill>
+            <a:ln>
+              <a:noFill/>
+            </a:ln>
+          </p:spPr>
+          <p:style>
+            <a:lnRef idx="2">
+              <a:schemeClr val="accent1">
+                <a:shade val="50000"/>
+              </a:schemeClr>
+            </a:lnRef>
+            <a:fillRef idx="1">
+              <a:schemeClr val="accent1"/>
+            </a:fillRef>
+            <a:effectRef idx="0">
+              <a:schemeClr val="accent1"/>
+            </a:effectRef>
+            <a:fontRef idx="minor">
+              <a:schemeClr val="lt1"/>
+            </a:fontRef>
+          </p:style>
+          <p:txBody>
+            <a:bodyPr rtlCol="0" anchor="ctr"/>
+            <a:lstStyle/>
+            <a:p>
+              <a:pPr algn="ctr"/>
+              <a:r>
+                <a:rPr lang="en-US" b="1">
+                  <a:solidFill>
+                    <a:sysClr val="windowText" lastClr="000000"/>
+                  </a:solidFill>
+                </a:rPr>
+                <a:t>2</a:t>
+              </a:r>
+            </a:p>
+          </p:txBody>
+        </p:sp>
+        <p:sp>
+          <p:nvSpPr>
+            <p:cNvPr id="18" name="Rectangle 17">
+              <a:extLst>
+                <a:ext uri="{FF2B5EF4-FFF2-40B4-BE49-F238E27FC236}">
+                  <a16:creationId xmlns:a16="http://schemas.microsoft.com/office/drawing/2014/main" id="{735B13A8-A922-478C-A082-509DC7024382}"/>
+                </a:ext>
+              </a:extLst>
+            </p:cNvPr>
+            <p:cNvSpPr/>
+            <p:nvPr/>
+          </p:nvSpPr>
+          <p:spPr>
+            <a:xfrm>
+              <a:off x="7456727" y="3783720"/>
+              <a:ext cx="412652" cy="914400"/>
+            </a:xfrm>
+            <a:prstGeom prst="rect">
+              <a:avLst/>
+            </a:prstGeom>
+            <a:solidFill>
+              <a:schemeClr val="bg1"/>
+            </a:solidFill>
+            <a:ln>
+              <a:noFill/>
+            </a:ln>
+          </p:spPr>
+          <p:style>
+            <a:lnRef idx="2">
+              <a:schemeClr val="accent1">
+                <a:shade val="50000"/>
+              </a:schemeClr>
+            </a:lnRef>
+            <a:fillRef idx="1">
+              <a:schemeClr val="accent1"/>
+            </a:fillRef>
+            <a:effectRef idx="0">
+              <a:schemeClr val="accent1"/>
+            </a:effectRef>
+            <a:fontRef idx="minor">
+              <a:schemeClr val="lt1"/>
+            </a:fontRef>
+          </p:style>
+          <p:txBody>
+            <a:bodyPr rtlCol="0" anchor="ctr"/>
+            <a:lstStyle/>
+            <a:p>
+              <a:pPr algn="ctr"/>
+              <a:r>
+                <a:rPr lang="en-US" b="1">
+                  <a:solidFill>
+                    <a:sysClr val="windowText" lastClr="000000"/>
+                  </a:solidFill>
+                </a:rPr>
+                <a:t>1</a:t>
+              </a:r>
+            </a:p>
+          </p:txBody>
+        </p:sp>
+        <p:sp>
+          <p:nvSpPr>
+            <p:cNvPr id="19" name="Rectangle 18">
+              <a:extLst>
+                <a:ext uri="{FF2B5EF4-FFF2-40B4-BE49-F238E27FC236}">
+                  <a16:creationId xmlns:a16="http://schemas.microsoft.com/office/drawing/2014/main" id="{1647DEDB-9B10-4169-8FBB-34649CC29186}"/>
+                </a:ext>
+              </a:extLst>
+            </p:cNvPr>
+            <p:cNvSpPr/>
+            <p:nvPr/>
+          </p:nvSpPr>
+          <p:spPr>
+            <a:xfrm>
+              <a:off x="7955488" y="3783720"/>
+              <a:ext cx="412652" cy="914400"/>
+            </a:xfrm>
+            <a:prstGeom prst="rect">
+              <a:avLst/>
+            </a:prstGeom>
+            <a:solidFill>
+              <a:schemeClr val="bg1"/>
+            </a:solidFill>
+            <a:ln>
+              <a:noFill/>
+            </a:ln>
+          </p:spPr>
+          <p:style>
+            <a:lnRef idx="2">
+              <a:schemeClr val="accent1">
+                <a:shade val="50000"/>
+              </a:schemeClr>
+            </a:lnRef>
+            <a:fillRef idx="1">
+              <a:schemeClr val="accent1"/>
+            </a:fillRef>
+            <a:effectRef idx="0">
+              <a:schemeClr val="accent1"/>
+            </a:effectRef>
+            <a:fontRef idx="minor">
+              <a:schemeClr val="lt1"/>
+            </a:fontRef>
+          </p:style>
+          <p:txBody>
+            <a:bodyPr rtlCol="0" anchor="ctr"/>
+            <a:lstStyle/>
+            <a:p>
+              <a:pPr algn="ctr"/>
+              <a:r>
+                <a:rPr lang="en-US" b="1">
+                  <a:solidFill>
+                    <a:sysClr val="windowText" lastClr="000000"/>
+                  </a:solidFill>
+                </a:rPr>
+                <a:t>4</a:t>
+              </a:r>
+            </a:p>
+          </p:txBody>
+        </p:sp>
+        <p:sp>
+          <p:nvSpPr>
+            <p:cNvPr id="20" name="Rectangle 19">
+              <a:extLst>
+                <a:ext uri="{FF2B5EF4-FFF2-40B4-BE49-F238E27FC236}">
+                  <a16:creationId xmlns:a16="http://schemas.microsoft.com/office/drawing/2014/main" id="{380EB713-0FD3-4F12-8784-54D5E615EF02}"/>
+                </a:ext>
+              </a:extLst>
+            </p:cNvPr>
+            <p:cNvSpPr/>
+            <p:nvPr/>
+          </p:nvSpPr>
+          <p:spPr>
+            <a:xfrm>
+              <a:off x="8454249" y="3783720"/>
+              <a:ext cx="412652" cy="914400"/>
+            </a:xfrm>
+            <a:prstGeom prst="rect">
+              <a:avLst/>
+            </a:prstGeom>
+            <a:solidFill>
+              <a:schemeClr val="bg1"/>
+            </a:solidFill>
+            <a:ln>
+              <a:noFill/>
+            </a:ln>
+          </p:spPr>
+          <p:style>
+            <a:lnRef idx="2">
+              <a:schemeClr val="accent1">
+                <a:shade val="50000"/>
+              </a:schemeClr>
+            </a:lnRef>
+            <a:fillRef idx="1">
+              <a:schemeClr val="accent1"/>
+            </a:fillRef>
+            <a:effectRef idx="0">
+              <a:schemeClr val="accent1"/>
+            </a:effectRef>
+            <a:fontRef idx="minor">
+              <a:schemeClr val="lt1"/>
+            </a:fontRef>
+          </p:style>
+          <p:txBody>
+            <a:bodyPr rtlCol="0" anchor="ctr"/>
+            <a:lstStyle/>
+            <a:p>
+              <a:pPr algn="ctr"/>
+              <a:r>
+                <a:rPr lang="en-US" b="1">
+                  <a:solidFill>
+                    <a:sysClr val="windowText" lastClr="000000"/>
+                  </a:solidFill>
+                </a:rPr>
+                <a:t>5</a:t>
+              </a:r>
+            </a:p>
+          </p:txBody>
+        </p:sp>
+        <p:sp>
+          <p:nvSpPr>
+            <p:cNvPr id="21" name="Rectangle 20">
+              <a:extLst>
+                <a:ext uri="{FF2B5EF4-FFF2-40B4-BE49-F238E27FC236}">
+                  <a16:creationId xmlns:a16="http://schemas.microsoft.com/office/drawing/2014/main" id="{AF5F825E-3989-42D4-ABB5-70CE12F9E1C8}"/>
+                </a:ext>
+              </a:extLst>
+            </p:cNvPr>
+            <p:cNvSpPr/>
+            <p:nvPr/>
+          </p:nvSpPr>
+          <p:spPr>
+            <a:xfrm>
+              <a:off x="8945920" y="3783720"/>
+              <a:ext cx="412652" cy="914400"/>
+            </a:xfrm>
+            <a:prstGeom prst="rect">
+              <a:avLst/>
+            </a:prstGeom>
+            <a:solidFill>
+              <a:schemeClr val="bg1"/>
+            </a:solidFill>
+            <a:ln>
+              <a:noFill/>
+            </a:ln>
+          </p:spPr>
+          <p:style>
+            <a:lnRef idx="2">
+              <a:schemeClr val="accent1">
+                <a:shade val="50000"/>
+              </a:schemeClr>
+            </a:lnRef>
+            <a:fillRef idx="1">
+              <a:schemeClr val="accent1"/>
+            </a:fillRef>
+            <a:effectRef idx="0">
+              <a:schemeClr val="accent1"/>
+            </a:effectRef>
+            <a:fontRef idx="minor">
+              <a:schemeClr val="lt1"/>
+            </a:fontRef>
+          </p:style>
+          <p:txBody>
+            <a:bodyPr rtlCol="0" anchor="ctr"/>
+            <a:lstStyle/>
+            <a:p>
+              <a:pPr algn="ctr"/>
+              <a:r>
+                <a:rPr lang="en-US" b="1">
+                  <a:solidFill>
+                    <a:sysClr val="windowText" lastClr="000000"/>
+                  </a:solidFill>
+                </a:rPr>
+                <a:t>6</a:t>
+              </a:r>
+            </a:p>
+          </p:txBody>
+        </p:sp>
+        <p:sp>
+          <p:nvSpPr>
+            <p:cNvPr id="22" name="Rectangle 21">
+              <a:extLst>
+                <a:ext uri="{FF2B5EF4-FFF2-40B4-BE49-F238E27FC236}">
+                  <a16:creationId xmlns:a16="http://schemas.microsoft.com/office/drawing/2014/main" id="{B47B7578-B6A2-4583-9E10-76B5AEB65EEB}"/>
+                </a:ext>
+              </a:extLst>
+            </p:cNvPr>
+            <p:cNvSpPr/>
+            <p:nvPr/>
+          </p:nvSpPr>
+          <p:spPr>
+            <a:xfrm>
+              <a:off x="11243410" y="3777174"/>
+              <a:ext cx="412652" cy="914400"/>
+            </a:xfrm>
+            <a:prstGeom prst="rect">
+              <a:avLst/>
+            </a:prstGeom>
+            <a:solidFill>
+              <a:srgbClr val="212121"/>
+            </a:solidFill>
+            <a:ln>
+              <a:noFill/>
+            </a:ln>
+          </p:spPr>
+          <p:style>
+            <a:lnRef idx="2">
+              <a:schemeClr val="accent1">
+                <a:shade val="50000"/>
+              </a:schemeClr>
+            </a:lnRef>
+            <a:fillRef idx="1">
+              <a:schemeClr val="accent1"/>
+            </a:fillRef>
+            <a:effectRef idx="0">
+              <a:schemeClr val="accent1"/>
+            </a:effectRef>
+            <a:fontRef idx="minor">
+              <a:schemeClr val="lt1"/>
+            </a:fontRef>
+          </p:style>
+          <p:txBody>
+            <a:bodyPr rtlCol="0" anchor="ctr"/>
+            <a:lstStyle/>
+            <a:p>
+              <a:pPr algn="ctr"/>
+              <a:r>
+                <a:rPr lang="en-US">
+                  <a:solidFill>
+                    <a:schemeClr val="bg1"/>
+                  </a:solidFill>
+                </a:rPr>
+                <a:t>0</a:t>
+              </a:r>
+            </a:p>
+          </p:txBody>
+        </p:sp>
+        <p:cxnSp>
+          <p:nvCxnSpPr>
+            <p:cNvPr id="23" name="Straight Arrow Connector 22">
+              <a:extLst>
+                <a:ext uri="{FF2B5EF4-FFF2-40B4-BE49-F238E27FC236}">
+                  <a16:creationId xmlns:a16="http://schemas.microsoft.com/office/drawing/2014/main" id="{27950E87-2149-460F-93A6-7947ABAAC3BA}"/>
+                </a:ext>
+              </a:extLst>
+            </p:cNvPr>
+            <p:cNvCxnSpPr>
+              <a:cxnSpLocks/>
+              <a:stCxn id="22" idx="1"/>
+              <a:endCxn id="6" idx="3"/>
+            </p:cNvCxnSpPr>
+            <p:nvPr/>
+          </p:nvCxnSpPr>
+          <p:spPr>
+            <a:xfrm flipH="1">
+              <a:off x="10238935" y="4234374"/>
+              <a:ext cx="1004475" cy="1"/>
+            </a:xfrm>
+            <a:prstGeom prst="straightConnector1">
+              <a:avLst/>
+            </a:prstGeom>
+            <a:ln w="76200">
+              <a:solidFill>
+                <a:srgbClr val="212121"/>
+              </a:solidFill>
+              <a:tailEnd type="triangle"/>
+            </a:ln>
+          </p:spPr>
+          <p:style>
+            <a:lnRef idx="1">
+              <a:schemeClr val="accent1"/>
+            </a:lnRef>
+            <a:fillRef idx="0">
+              <a:schemeClr val="accent1"/>
+            </a:fillRef>
+            <a:effectRef idx="0">
+              <a:schemeClr val="accent1"/>
+            </a:effectRef>
+            <a:fontRef idx="minor">
+              <a:schemeClr val="tx1"/>
+            </a:fontRef>
+          </p:style>
+        </p:cxnSp>
+        <p:cxnSp>
+          <p:nvCxnSpPr>
+            <p:cNvPr id="24" name="Straight Arrow Connector 23">
+              <a:extLst>
+                <a:ext uri="{FF2B5EF4-FFF2-40B4-BE49-F238E27FC236}">
+                  <a16:creationId xmlns:a16="http://schemas.microsoft.com/office/drawing/2014/main" id="{E2735069-72CB-4B2D-BE80-CD900B1762E8}"/>
+                </a:ext>
+              </a:extLst>
+            </p:cNvPr>
+            <p:cNvCxnSpPr>
+              <a:cxnSpLocks/>
+              <a:stCxn id="6" idx="1"/>
+              <a:endCxn id="7" idx="3"/>
+            </p:cNvCxnSpPr>
+            <p:nvPr/>
+          </p:nvCxnSpPr>
+          <p:spPr>
+            <a:xfrm flipH="1" flipV="1">
+              <a:off x="1167638" y="4234374"/>
+              <a:ext cx="560343" cy="1"/>
+            </a:xfrm>
+            <a:prstGeom prst="straightConnector1">
+              <a:avLst/>
+            </a:prstGeom>
+            <a:ln w="76200">
+              <a:solidFill>
+                <a:srgbClr val="212121"/>
+              </a:solidFill>
+              <a:tailEnd type="triangle"/>
+            </a:ln>
+          </p:spPr>
+          <p:style>
+            <a:lnRef idx="1">
+              <a:schemeClr val="accent1"/>
+            </a:lnRef>
+            <a:fillRef idx="0">
+              <a:schemeClr val="accent1"/>
+            </a:fillRef>
+            <a:effectRef idx="0">
+              <a:schemeClr val="accent1"/>
+            </a:effectRef>
+            <a:fontRef idx="minor">
+              <a:schemeClr val="tx1"/>
+            </a:fontRef>
+          </p:style>
+        </p:cxnSp>
+        <p:cxnSp>
+          <p:nvCxnSpPr>
+            <p:cNvPr id="25" name="Straight Arrow Connector 24">
+              <a:extLst>
+                <a:ext uri="{FF2B5EF4-FFF2-40B4-BE49-F238E27FC236}">
+                  <a16:creationId xmlns:a16="http://schemas.microsoft.com/office/drawing/2014/main" id="{E1A613CC-3EBF-4FD8-BD5F-96EB59223A80}"/>
+                </a:ext>
+              </a:extLst>
+            </p:cNvPr>
+            <p:cNvCxnSpPr>
+              <a:cxnSpLocks/>
+              <a:stCxn id="26" idx="0"/>
+            </p:cNvCxnSpPr>
+            <p:nvPr/>
+          </p:nvCxnSpPr>
+          <p:spPr>
+            <a:xfrm flipV="1">
+              <a:off x="2718612" y="4824728"/>
+              <a:ext cx="0" cy="858128"/>
+            </a:xfrm>
+            <a:prstGeom prst="straightConnector1">
+              <a:avLst/>
+            </a:prstGeom>
+            <a:ln w="76200">
+              <a:solidFill>
+                <a:srgbClr val="212121"/>
+              </a:solidFill>
+              <a:tailEnd type="triangle"/>
+            </a:ln>
+          </p:spPr>
+          <p:style>
+            <a:lnRef idx="1">
+              <a:schemeClr val="accent1"/>
+            </a:lnRef>
+            <a:fillRef idx="0">
+              <a:schemeClr val="accent1"/>
+            </a:fillRef>
+            <a:effectRef idx="0">
+              <a:schemeClr val="accent1"/>
+            </a:effectRef>
+            <a:fontRef idx="minor">
+              <a:schemeClr val="tx1"/>
+            </a:fontRef>
+          </p:style>
+        </p:cxnSp>
+        <p:sp>
+          <p:nvSpPr>
+            <p:cNvPr id="26" name="Rectangle 25">
+              <a:extLst>
+                <a:ext uri="{FF2B5EF4-FFF2-40B4-BE49-F238E27FC236}">
+                  <a16:creationId xmlns:a16="http://schemas.microsoft.com/office/drawing/2014/main" id="{5473AB51-77A5-498E-8885-59D7FFAC5F54}"/>
+                </a:ext>
+              </a:extLst>
+            </p:cNvPr>
+            <p:cNvSpPr/>
+            <p:nvPr/>
+          </p:nvSpPr>
+          <p:spPr>
+            <a:xfrm>
+              <a:off x="2150392" y="5682856"/>
+              <a:ext cx="1136439" cy="788282"/>
+            </a:xfrm>
+            <a:prstGeom prst="rect">
+              <a:avLst/>
+            </a:prstGeom>
+            <a:solidFill>
+              <a:srgbClr val="212121"/>
+            </a:solidFill>
+            <a:ln>
+              <a:noFill/>
+            </a:ln>
+          </p:spPr>
+          <p:style>
+            <a:lnRef idx="2">
+              <a:schemeClr val="accent1">
+                <a:shade val="50000"/>
+              </a:schemeClr>
+            </a:lnRef>
+            <a:fillRef idx="1">
+              <a:schemeClr val="accent1"/>
+            </a:fillRef>
+            <a:effectRef idx="0">
+              <a:schemeClr val="accent1"/>
+            </a:effectRef>
+            <a:fontRef idx="minor">
+              <a:schemeClr val="lt1"/>
+            </a:fontRef>
+          </p:style>
+          <p:txBody>
+            <a:bodyPr rtlCol="0" anchor="ctr"/>
+            <a:lstStyle/>
+            <a:p>
+              <a:pPr algn="ctr"/>
+              <a:r>
+                <a:rPr lang="en-US">
+                  <a:solidFill>
+                    <a:schemeClr val="bg1"/>
+                  </a:solidFill>
+                </a:rPr>
+                <a:t>Front</a:t>
+              </a:r>
+            </a:p>
+          </p:txBody>
+        </p:sp>
+        <p:cxnSp>
+          <p:nvCxnSpPr>
+            <p:cNvPr id="27" name="Straight Arrow Connector 26">
+              <a:extLst>
+                <a:ext uri="{FF2B5EF4-FFF2-40B4-BE49-F238E27FC236}">
+                  <a16:creationId xmlns:a16="http://schemas.microsoft.com/office/drawing/2014/main" id="{73A10AA8-24F2-4AA4-9019-17A14B02E2DA}"/>
+                </a:ext>
+              </a:extLst>
+            </p:cNvPr>
+            <p:cNvCxnSpPr>
+              <a:cxnSpLocks/>
+              <a:stCxn id="28" idx="0"/>
+            </p:cNvCxnSpPr>
+            <p:nvPr/>
+          </p:nvCxnSpPr>
+          <p:spPr>
+            <a:xfrm flipV="1">
+              <a:off x="9127531" y="4824728"/>
+              <a:ext cx="0" cy="858129"/>
+            </a:xfrm>
+            <a:prstGeom prst="straightConnector1">
+              <a:avLst/>
+            </a:prstGeom>
+            <a:ln w="76200">
+              <a:solidFill>
+                <a:srgbClr val="212121"/>
+              </a:solidFill>
+              <a:tailEnd type="triangle"/>
+            </a:ln>
+          </p:spPr>
+          <p:style>
+            <a:lnRef idx="1">
+              <a:schemeClr val="accent1"/>
+            </a:lnRef>
+            <a:fillRef idx="0">
+              <a:schemeClr val="accent1"/>
+            </a:fillRef>
+            <a:effectRef idx="0">
+              <a:schemeClr val="accent1"/>
+            </a:effectRef>
+            <a:fontRef idx="minor">
+              <a:schemeClr val="tx1"/>
+            </a:fontRef>
+          </p:style>
+        </p:cxnSp>
+        <p:sp>
+          <p:nvSpPr>
+            <p:cNvPr id="28" name="Rectangle 27">
+              <a:extLst>
+                <a:ext uri="{FF2B5EF4-FFF2-40B4-BE49-F238E27FC236}">
+                  <a16:creationId xmlns:a16="http://schemas.microsoft.com/office/drawing/2014/main" id="{9DFEC6E7-95EA-4BC8-AB2B-F2C813542D2D}"/>
+                </a:ext>
+              </a:extLst>
+            </p:cNvPr>
+            <p:cNvSpPr/>
+            <p:nvPr/>
+          </p:nvSpPr>
+          <p:spPr>
+            <a:xfrm>
+              <a:off x="8559311" y="5682857"/>
+              <a:ext cx="1136439" cy="788281"/>
+            </a:xfrm>
+            <a:prstGeom prst="rect">
+              <a:avLst/>
+            </a:prstGeom>
+            <a:solidFill>
+              <a:srgbClr val="212121"/>
+            </a:solidFill>
+            <a:ln>
+              <a:noFill/>
+            </a:ln>
+          </p:spPr>
+          <p:style>
+            <a:lnRef idx="2">
+              <a:schemeClr val="accent1">
+                <a:shade val="50000"/>
+              </a:schemeClr>
+            </a:lnRef>
+            <a:fillRef idx="1">
+              <a:schemeClr val="accent1"/>
+            </a:fillRef>
+            <a:effectRef idx="0">
+              <a:schemeClr val="accent1"/>
+            </a:effectRef>
+            <a:fontRef idx="minor">
+              <a:schemeClr val="lt1"/>
+            </a:fontRef>
+          </p:style>
+          <p:txBody>
+            <a:bodyPr rtlCol="0" anchor="ctr"/>
+            <a:lstStyle/>
+            <a:p>
+              <a:pPr algn="ctr"/>
+              <a:r>
+                <a:rPr lang="en-US">
+                  <a:solidFill>
+                    <a:schemeClr val="bg1"/>
+                  </a:solidFill>
+                </a:rPr>
+                <a:t>Back</a:t>
+              </a:r>
+            </a:p>
+          </p:txBody>
+        </p:sp>
+        <p:sp>
+          <p:nvSpPr>
+            <p:cNvPr id="29" name="Left Brace 28">
+              <a:extLst>
+                <a:ext uri="{FF2B5EF4-FFF2-40B4-BE49-F238E27FC236}">
+                  <a16:creationId xmlns:a16="http://schemas.microsoft.com/office/drawing/2014/main" id="{D8EF12B3-CFCD-4E3A-8013-6ECB7488299F}"/>
+                </a:ext>
+              </a:extLst>
+            </p:cNvPr>
+            <p:cNvSpPr/>
+            <p:nvPr/>
+          </p:nvSpPr>
+          <p:spPr>
+            <a:xfrm rot="5400000">
+              <a:off x="5703056" y="-114817"/>
+              <a:ext cx="445807" cy="6865228"/>
+            </a:xfrm>
+            <a:prstGeom prst="leftBrace">
+              <a:avLst>
+                <a:gd name="adj1" fmla="val 29251"/>
+                <a:gd name="adj2" fmla="val 50615"/>
+              </a:avLst>
+            </a:prstGeom>
+            <a:noFill/>
+            <a:ln w="38100">
+              <a:solidFill>
+                <a:srgbClr val="212121"/>
+              </a:solidFill>
+            </a:ln>
+          </p:spPr>
+          <p:style>
+            <a:lnRef idx="1">
+              <a:schemeClr val="accent1"/>
+            </a:lnRef>
+            <a:fillRef idx="0">
+              <a:schemeClr val="accent1"/>
+            </a:fillRef>
+            <a:effectRef idx="0">
+              <a:schemeClr val="accent1"/>
+            </a:effectRef>
+            <a:fontRef idx="minor">
+              <a:schemeClr val="tx1"/>
+            </a:fontRef>
+          </p:style>
+          <p:txBody>
+            <a:bodyPr rtlCol="0" anchor="ctr"/>
+            <a:lstStyle/>
+            <a:p>
+              <a:pPr algn="ctr"/>
+              <a:endParaRPr lang="en-US"/>
+            </a:p>
+          </p:txBody>
+        </p:sp>
+        <p:sp>
+          <p:nvSpPr>
+            <p:cNvPr id="30" name="TextBox 29">
+              <a:extLst>
+                <a:ext uri="{FF2B5EF4-FFF2-40B4-BE49-F238E27FC236}">
+                  <a16:creationId xmlns:a16="http://schemas.microsoft.com/office/drawing/2014/main" id="{FF258766-B7A6-4740-BAC3-E3A2E3BCEE32}"/>
+                </a:ext>
+              </a:extLst>
+            </p:cNvPr>
+            <p:cNvSpPr txBox="1"/>
+            <p:nvPr/>
+          </p:nvSpPr>
+          <p:spPr>
+            <a:xfrm>
+              <a:off x="5452214" y="2598303"/>
+              <a:ext cx="864339" cy="461665"/>
+            </a:xfrm>
+            <a:prstGeom prst="rect">
+              <a:avLst/>
+            </a:prstGeom>
+            <a:noFill/>
+          </p:spPr>
+          <p:txBody>
+            <a:bodyPr wrap="none" rtlCol="0">
+              <a:spAutoFit/>
+            </a:bodyPr>
+            <a:lstStyle/>
+            <a:p>
+              <a:r>
+                <a:rPr lang="en-US" sz="2400" b="1">
+                  <a:solidFill>
+                    <a:srgbClr val="212121"/>
+                  </a:solidFill>
+                </a:rPr>
+                <a:t>Size</a:t>
+              </a:r>
+            </a:p>
+          </p:txBody>
+        </p:sp>
+      </p:grpSp>
     </p:spTree>
     <p:extLst>
       <p:ext uri="{BB962C8B-B14F-4D97-AF65-F5344CB8AC3E}">
         <p14:creationId xmlns:p14="http://schemas.microsoft.com/office/powerpoint/2010/main" val="3458560663"/>
+      </p:ext>
+    </p:extLst>
+  </p:cSld>
+  <p:clrMapOvr>
+    <a:masterClrMapping/>
+  </p:clrMapOvr>
+</p:sld>
+</file>
+
+<file path=ppt/slides/slide3.xml><?xml version="1.0" encoding="utf-8"?>
+<p:sld xmlns:a="http://schemas.openxmlformats.org/drawingml/2006/main" xmlns:r="http://schemas.openxmlformats.org/officeDocument/2006/relationships" xmlns:p="http://schemas.openxmlformats.org/presentationml/2006/main">
+  <p:cSld>
+    <p:spTree>
+      <p:nvGrpSpPr>
+        <p:cNvPr id="1" name=""/>
+        <p:cNvGrpSpPr/>
+        <p:nvPr/>
+      </p:nvGrpSpPr>
+      <p:grpSpPr>
+        <a:xfrm>
+          <a:off x="0" y="0"/>
+          <a:ext cx="0" cy="0"/>
+          <a:chOff x="0" y="0"/>
+          <a:chExt cx="0" cy="0"/>
+        </a:xfrm>
+      </p:grpSpPr>
+      <p:sp>
+        <p:nvSpPr>
+          <p:cNvPr id="4" name="TextBox 3">
+            <a:extLst>
+              <a:ext uri="{FF2B5EF4-FFF2-40B4-BE49-F238E27FC236}">
+                <a16:creationId xmlns:a16="http://schemas.microsoft.com/office/drawing/2014/main" id="{3EE95896-1B48-4B3A-B604-50FCF7732EBB}"/>
+              </a:ext>
+            </a:extLst>
+          </p:cNvPr>
+          <p:cNvSpPr txBox="1"/>
+          <p:nvPr/>
+        </p:nvSpPr>
+        <p:spPr>
+          <a:xfrm>
+            <a:off x="334485" y="168813"/>
+            <a:ext cx="6099747" cy="523220"/>
+          </a:xfrm>
+          <a:prstGeom prst="rect">
+            <a:avLst/>
+          </a:prstGeom>
+          <a:noFill/>
+        </p:spPr>
+        <p:txBody>
+          <a:bodyPr wrap="none" rtlCol="0">
+            <a:spAutoFit/>
+          </a:bodyPr>
+          <a:lstStyle/>
+          <a:p>
+            <a:r>
+              <a:rPr lang="en-US" sz="2800" b="1"/>
+              <a:t>Các phương thức đối với queue:</a:t>
+            </a:r>
+          </a:p>
+        </p:txBody>
+      </p:sp>
+      <p:sp>
+        <p:nvSpPr>
+          <p:cNvPr id="5" name="TextBox 4">
+            <a:extLst>
+              <a:ext uri="{FF2B5EF4-FFF2-40B4-BE49-F238E27FC236}">
+                <a16:creationId xmlns:a16="http://schemas.microsoft.com/office/drawing/2014/main" id="{61131E95-8385-4A44-890D-A7ED9D8799BD}"/>
+              </a:ext>
+            </a:extLst>
+          </p:cNvPr>
+          <p:cNvSpPr txBox="1"/>
+          <p:nvPr/>
+        </p:nvSpPr>
+        <p:spPr>
+          <a:xfrm>
+            <a:off x="997423" y="955079"/>
+            <a:ext cx="7621922" cy="5586145"/>
+          </a:xfrm>
+          <a:prstGeom prst="rect">
+            <a:avLst/>
+          </a:prstGeom>
+          <a:noFill/>
+        </p:spPr>
+        <p:txBody>
+          <a:bodyPr wrap="square" rtlCol="0">
+            <a:spAutoFit/>
+          </a:bodyPr>
+          <a:lstStyle/>
+          <a:p>
+            <a:pPr marL="285750" indent="-285750">
+              <a:spcBef>
+                <a:spcPts val="600"/>
+              </a:spcBef>
+              <a:buFont typeface="Wingdings" panose="05000000000000000000" pitchFamily="2" charset="2"/>
+              <a:buChar char="q"/>
+            </a:pPr>
+            <a:r>
+              <a:rPr lang="en-US" sz="2400" b="1"/>
+              <a:t>Các phương thức chính:</a:t>
+            </a:r>
+          </a:p>
+          <a:p>
+            <a:pPr marL="742950" lvl="1" indent="-285750">
+              <a:spcBef>
+                <a:spcPts val="600"/>
+              </a:spcBef>
+              <a:buFont typeface="Arial" panose="020B0604020202020204" pitchFamily="34" charset="0"/>
+              <a:buChar char="•"/>
+            </a:pPr>
+            <a:r>
+              <a:rPr lang="en-US" sz="2400" b="1"/>
+              <a:t>push(): Thêm một phần tử vào cuối queue</a:t>
+            </a:r>
+          </a:p>
+          <a:p>
+            <a:pPr marL="742950" lvl="1" indent="-285750">
+              <a:spcBef>
+                <a:spcPts val="600"/>
+              </a:spcBef>
+              <a:buFont typeface="Arial" panose="020B0604020202020204" pitchFamily="34" charset="0"/>
+              <a:buChar char="•"/>
+            </a:pPr>
+            <a:r>
+              <a:rPr lang="en-US" sz="2400" b="1"/>
+              <a:t>pop(): Lấy ra một phần tử ở đầu queue.</a:t>
+            </a:r>
+          </a:p>
+          <a:p>
+            <a:pPr marL="285750" indent="-285750">
+              <a:spcBef>
+                <a:spcPts val="600"/>
+              </a:spcBef>
+              <a:buFont typeface="Wingdings" panose="05000000000000000000" pitchFamily="2" charset="2"/>
+              <a:buChar char="q"/>
+            </a:pPr>
+            <a:r>
+              <a:rPr lang="en-US" sz="2400" b="1"/>
+              <a:t>Các phương thức bổ sung:</a:t>
+            </a:r>
+          </a:p>
+          <a:p>
+            <a:pPr marL="742950" lvl="1" indent="-285750">
+              <a:spcBef>
+                <a:spcPts val="600"/>
+              </a:spcBef>
+              <a:buFont typeface="Arial" panose="020B0604020202020204" pitchFamily="34" charset="0"/>
+              <a:buChar char="•"/>
+            </a:pPr>
+            <a:r>
+              <a:rPr lang="en-US" sz="2400" b="1"/>
+              <a:t>size(): Trả về số phần tử của queue.</a:t>
+            </a:r>
+          </a:p>
+          <a:p>
+            <a:pPr marL="742950" lvl="1" indent="-285750">
+              <a:spcBef>
+                <a:spcPts val="600"/>
+              </a:spcBef>
+              <a:buFont typeface="Arial" panose="020B0604020202020204" pitchFamily="34" charset="0"/>
+              <a:buChar char="•"/>
+            </a:pPr>
+            <a:r>
+              <a:rPr lang="en-US" sz="2400" b="1"/>
+              <a:t>front(): Trả về phần tử ở đầu hàng.</a:t>
+            </a:r>
+          </a:p>
+          <a:p>
+            <a:pPr marL="742950" lvl="1" indent="-285750">
+              <a:spcBef>
+                <a:spcPts val="600"/>
+              </a:spcBef>
+              <a:buFont typeface="Arial" panose="020B0604020202020204" pitchFamily="34" charset="0"/>
+              <a:buChar char="•"/>
+            </a:pPr>
+            <a:r>
+              <a:rPr lang="en-US" sz="2400" b="1"/>
+              <a:t>back(): Trả về phần tử ở cuối hàng.</a:t>
+            </a:r>
+          </a:p>
+          <a:p>
+            <a:pPr marL="742950" lvl="1" indent="-285750">
+              <a:spcBef>
+                <a:spcPts val="600"/>
+              </a:spcBef>
+              <a:buFont typeface="Arial" panose="020B0604020202020204" pitchFamily="34" charset="0"/>
+              <a:buChar char="•"/>
+            </a:pPr>
+            <a:r>
+              <a:rPr lang="en-US" sz="2400" b="1"/>
+              <a:t>empty(): Kiểm tra xem hàng đợi có rỗng hay không.</a:t>
+            </a:r>
+          </a:p>
+          <a:p>
+            <a:pPr marL="742950" lvl="1" indent="-285750">
+              <a:spcBef>
+                <a:spcPts val="600"/>
+              </a:spcBef>
+              <a:buFont typeface="Arial" panose="020B0604020202020204" pitchFamily="34" charset="0"/>
+              <a:buChar char="•"/>
+            </a:pPr>
+            <a:r>
+              <a:rPr lang="en-US" sz="2400" b="1"/>
+              <a:t>contain(): Kiểm tra một phần tử có nằm ở trong hàng hay không.</a:t>
+            </a:r>
+          </a:p>
+          <a:p>
+            <a:pPr marL="742950" lvl="1" indent="-285750">
+              <a:spcBef>
+                <a:spcPts val="600"/>
+              </a:spcBef>
+              <a:buFont typeface="Arial" panose="020B0604020202020204" pitchFamily="34" charset="0"/>
+              <a:buChar char="•"/>
+            </a:pPr>
+            <a:r>
+              <a:rPr lang="en-US" sz="2400" b="1"/>
+              <a:t>remove(): Loại một phần tử trong hàng ra khỏi hàng</a:t>
+            </a:r>
+          </a:p>
+        </p:txBody>
+      </p:sp>
+    </p:spTree>
+    <p:extLst>
+      <p:ext uri="{BB962C8B-B14F-4D97-AF65-F5344CB8AC3E}">
+        <p14:creationId xmlns:p14="http://schemas.microsoft.com/office/powerpoint/2010/main" val="3651106967"/>
+      </p:ext>
+    </p:extLst>
+  </p:cSld>
+  <p:clrMapOvr>
+    <a:masterClrMapping/>
+  </p:clrMapOvr>
+</p:sld>
+</file>
+
+<file path=ppt/slides/slide4.xml><?xml version="1.0" encoding="utf-8"?>
+<p:sld xmlns:a="http://schemas.openxmlformats.org/drawingml/2006/main" xmlns:r="http://schemas.openxmlformats.org/officeDocument/2006/relationships" xmlns:p="http://schemas.openxmlformats.org/presentationml/2006/main">
+  <p:cSld>
+    <p:spTree>
+      <p:nvGrpSpPr>
+        <p:cNvPr id="1" name=""/>
+        <p:cNvGrpSpPr/>
+        <p:nvPr/>
+      </p:nvGrpSpPr>
+      <p:grpSpPr>
+        <a:xfrm>
+          <a:off x="0" y="0"/>
+          <a:ext cx="0" cy="0"/>
+          <a:chOff x="0" y="0"/>
+          <a:chExt cx="0" cy="0"/>
+        </a:xfrm>
+      </p:grpSpPr>
+      <p:sp>
+        <p:nvSpPr>
+          <p:cNvPr id="4" name="TextBox 3">
+            <a:extLst>
+              <a:ext uri="{FF2B5EF4-FFF2-40B4-BE49-F238E27FC236}">
+                <a16:creationId xmlns:a16="http://schemas.microsoft.com/office/drawing/2014/main" id="{914D4905-9614-4527-A09E-E7B50E727200}"/>
+              </a:ext>
+            </a:extLst>
+          </p:cNvPr>
+          <p:cNvSpPr txBox="1"/>
+          <p:nvPr/>
+        </p:nvSpPr>
+        <p:spPr>
+          <a:xfrm>
+            <a:off x="334485" y="168813"/>
+            <a:ext cx="4916731" cy="523220"/>
+          </a:xfrm>
+          <a:prstGeom prst="rect">
+            <a:avLst/>
+          </a:prstGeom>
+          <a:noFill/>
+        </p:spPr>
+        <p:txBody>
+          <a:bodyPr wrap="none" rtlCol="0">
+            <a:spAutoFit/>
+          </a:bodyPr>
+          <a:lstStyle/>
+          <a:p>
+            <a:r>
+              <a:rPr lang="en-US" sz="2800" b="1"/>
+              <a:t>Cài đặt queue bằng mảng:</a:t>
+            </a:r>
+          </a:p>
+        </p:txBody>
+      </p:sp>
+      <p:graphicFrame>
+        <p:nvGraphicFramePr>
+          <p:cNvPr id="5" name="Table 5">
+            <a:extLst>
+              <a:ext uri="{FF2B5EF4-FFF2-40B4-BE49-F238E27FC236}">
+                <a16:creationId xmlns:a16="http://schemas.microsoft.com/office/drawing/2014/main" id="{A511025E-0739-4D7F-8F9C-009192D6201B}"/>
+              </a:ext>
+            </a:extLst>
+          </p:cNvPr>
+          <p:cNvGraphicFramePr>
+            <a:graphicFrameLocks noGrp="1"/>
+          </p:cNvGraphicFramePr>
+          <p:nvPr>
+            <p:extLst>
+              <p:ext uri="{D42A27DB-BD31-4B8C-83A1-F6EECF244321}">
+                <p14:modId xmlns:p14="http://schemas.microsoft.com/office/powerpoint/2010/main" val="2502273354"/>
+              </p:ext>
+            </p:extLst>
+          </p:nvPr>
+        </p:nvGraphicFramePr>
+        <p:xfrm>
+          <a:off x="334485" y="1244322"/>
+          <a:ext cx="11627660" cy="741680"/>
+        </p:xfrm>
+        <a:graphic>
+          <a:graphicData uri="http://schemas.openxmlformats.org/drawingml/2006/table">
+            <a:tbl>
+              <a:tblPr firstRow="1" bandRow="1">
+                <a:tableStyleId>{073A0DAA-6AF3-43AB-8588-CEC1D06C72B9}</a:tableStyleId>
+              </a:tblPr>
+              <a:tblGrid>
+                <a:gridCol w="581383">
+                  <a:extLst>
+                    <a:ext uri="{9D8B030D-6E8A-4147-A177-3AD203B41FA5}">
+                      <a16:colId xmlns:a16="http://schemas.microsoft.com/office/drawing/2014/main" val="2513172387"/>
+                    </a:ext>
+                  </a:extLst>
+                </a:gridCol>
+                <a:gridCol w="581383">
+                  <a:extLst>
+                    <a:ext uri="{9D8B030D-6E8A-4147-A177-3AD203B41FA5}">
+                      <a16:colId xmlns:a16="http://schemas.microsoft.com/office/drawing/2014/main" val="83745675"/>
+                    </a:ext>
+                  </a:extLst>
+                </a:gridCol>
+                <a:gridCol w="581383">
+                  <a:extLst>
+                    <a:ext uri="{9D8B030D-6E8A-4147-A177-3AD203B41FA5}">
+                      <a16:colId xmlns:a16="http://schemas.microsoft.com/office/drawing/2014/main" val="497873586"/>
+                    </a:ext>
+                  </a:extLst>
+                </a:gridCol>
+                <a:gridCol w="581383">
+                  <a:extLst>
+                    <a:ext uri="{9D8B030D-6E8A-4147-A177-3AD203B41FA5}">
+                      <a16:colId xmlns:a16="http://schemas.microsoft.com/office/drawing/2014/main" val="960982461"/>
+                    </a:ext>
+                  </a:extLst>
+                </a:gridCol>
+                <a:gridCol w="581383">
+                  <a:extLst>
+                    <a:ext uri="{9D8B030D-6E8A-4147-A177-3AD203B41FA5}">
+                      <a16:colId xmlns:a16="http://schemas.microsoft.com/office/drawing/2014/main" val="2354737066"/>
+                    </a:ext>
+                  </a:extLst>
+                </a:gridCol>
+                <a:gridCol w="581383">
+                  <a:extLst>
+                    <a:ext uri="{9D8B030D-6E8A-4147-A177-3AD203B41FA5}">
+                      <a16:colId xmlns:a16="http://schemas.microsoft.com/office/drawing/2014/main" val="1849893563"/>
+                    </a:ext>
+                  </a:extLst>
+                </a:gridCol>
+                <a:gridCol w="581383">
+                  <a:extLst>
+                    <a:ext uri="{9D8B030D-6E8A-4147-A177-3AD203B41FA5}">
+                      <a16:colId xmlns:a16="http://schemas.microsoft.com/office/drawing/2014/main" val="4144340131"/>
+                    </a:ext>
+                  </a:extLst>
+                </a:gridCol>
+                <a:gridCol w="581383">
+                  <a:extLst>
+                    <a:ext uri="{9D8B030D-6E8A-4147-A177-3AD203B41FA5}">
+                      <a16:colId xmlns:a16="http://schemas.microsoft.com/office/drawing/2014/main" val="2279203821"/>
+                    </a:ext>
+                  </a:extLst>
+                </a:gridCol>
+                <a:gridCol w="581383">
+                  <a:extLst>
+                    <a:ext uri="{9D8B030D-6E8A-4147-A177-3AD203B41FA5}">
+                      <a16:colId xmlns:a16="http://schemas.microsoft.com/office/drawing/2014/main" val="69762115"/>
+                    </a:ext>
+                  </a:extLst>
+                </a:gridCol>
+                <a:gridCol w="581383">
+                  <a:extLst>
+                    <a:ext uri="{9D8B030D-6E8A-4147-A177-3AD203B41FA5}">
+                      <a16:colId xmlns:a16="http://schemas.microsoft.com/office/drawing/2014/main" val="3852966400"/>
+                    </a:ext>
+                  </a:extLst>
+                </a:gridCol>
+                <a:gridCol w="581383">
+                  <a:extLst>
+                    <a:ext uri="{9D8B030D-6E8A-4147-A177-3AD203B41FA5}">
+                      <a16:colId xmlns:a16="http://schemas.microsoft.com/office/drawing/2014/main" val="3887688532"/>
+                    </a:ext>
+                  </a:extLst>
+                </a:gridCol>
+                <a:gridCol w="581383">
+                  <a:extLst>
+                    <a:ext uri="{9D8B030D-6E8A-4147-A177-3AD203B41FA5}">
+                      <a16:colId xmlns:a16="http://schemas.microsoft.com/office/drawing/2014/main" val="3692596838"/>
+                    </a:ext>
+                  </a:extLst>
+                </a:gridCol>
+                <a:gridCol w="581383">
+                  <a:extLst>
+                    <a:ext uri="{9D8B030D-6E8A-4147-A177-3AD203B41FA5}">
+                      <a16:colId xmlns:a16="http://schemas.microsoft.com/office/drawing/2014/main" val="1487121990"/>
+                    </a:ext>
+                  </a:extLst>
+                </a:gridCol>
+                <a:gridCol w="581383">
+                  <a:extLst>
+                    <a:ext uri="{9D8B030D-6E8A-4147-A177-3AD203B41FA5}">
+                      <a16:colId xmlns:a16="http://schemas.microsoft.com/office/drawing/2014/main" val="1549236537"/>
+                    </a:ext>
+                  </a:extLst>
+                </a:gridCol>
+                <a:gridCol w="581383">
+                  <a:extLst>
+                    <a:ext uri="{9D8B030D-6E8A-4147-A177-3AD203B41FA5}">
+                      <a16:colId xmlns:a16="http://schemas.microsoft.com/office/drawing/2014/main" val="2581881679"/>
+                    </a:ext>
+                  </a:extLst>
+                </a:gridCol>
+                <a:gridCol w="581383">
+                  <a:extLst>
+                    <a:ext uri="{9D8B030D-6E8A-4147-A177-3AD203B41FA5}">
+                      <a16:colId xmlns:a16="http://schemas.microsoft.com/office/drawing/2014/main" val="2435654074"/>
+                    </a:ext>
+                  </a:extLst>
+                </a:gridCol>
+                <a:gridCol w="581383">
+                  <a:extLst>
+                    <a:ext uri="{9D8B030D-6E8A-4147-A177-3AD203B41FA5}">
+                      <a16:colId xmlns:a16="http://schemas.microsoft.com/office/drawing/2014/main" val="2737048204"/>
+                    </a:ext>
+                  </a:extLst>
+                </a:gridCol>
+                <a:gridCol w="581383">
+                  <a:extLst>
+                    <a:ext uri="{9D8B030D-6E8A-4147-A177-3AD203B41FA5}">
+                      <a16:colId xmlns:a16="http://schemas.microsoft.com/office/drawing/2014/main" val="2744464931"/>
+                    </a:ext>
+                  </a:extLst>
+                </a:gridCol>
+                <a:gridCol w="581383">
+                  <a:extLst>
+                    <a:ext uri="{9D8B030D-6E8A-4147-A177-3AD203B41FA5}">
+                      <a16:colId xmlns:a16="http://schemas.microsoft.com/office/drawing/2014/main" val="3696760688"/>
+                    </a:ext>
+                  </a:extLst>
+                </a:gridCol>
+                <a:gridCol w="581383">
+                  <a:extLst>
+                    <a:ext uri="{9D8B030D-6E8A-4147-A177-3AD203B41FA5}">
+                      <a16:colId xmlns:a16="http://schemas.microsoft.com/office/drawing/2014/main" val="3952329841"/>
+                    </a:ext>
+                  </a:extLst>
+                </a:gridCol>
+              </a:tblGrid>
+              <a:tr h="370840">
+                <a:tc>
+                  <a:txBody>
+                    <a:bodyPr/>
+                    <a:lstStyle/>
+                    <a:p>
+                      <a:pPr algn="ctr"/>
+                      <a:r>
+                        <a:rPr lang="en-US" sz="1600" b="1"/>
+                        <a:t>100</a:t>
+                      </a:r>
+                    </a:p>
+                  </a:txBody>
+                  <a:tcPr/>
+                </a:tc>
+                <a:tc>
+                  <a:txBody>
+                    <a:bodyPr/>
+                    <a:lstStyle/>
+                    <a:p>
+                      <a:pPr algn="ctr"/>
+                      <a:r>
+                        <a:rPr lang="en-US" sz="1600" b="1"/>
+                        <a:t>104</a:t>
+                      </a:r>
+                    </a:p>
+                  </a:txBody>
+                  <a:tcPr/>
+                </a:tc>
+                <a:tc>
+                  <a:txBody>
+                    <a:bodyPr/>
+                    <a:lstStyle/>
+                    <a:p>
+                      <a:pPr algn="ctr"/>
+                      <a:r>
+                        <a:rPr lang="en-US" sz="1600" b="1"/>
+                        <a:t>108</a:t>
+                      </a:r>
+                    </a:p>
+                  </a:txBody>
+                  <a:tcPr/>
+                </a:tc>
+                <a:tc>
+                  <a:txBody>
+                    <a:bodyPr/>
+                    <a:lstStyle/>
+                    <a:p>
+                      <a:pPr algn="ctr"/>
+                      <a:r>
+                        <a:rPr lang="en-US" sz="1600" b="1"/>
+                        <a:t>112</a:t>
+                      </a:r>
+                    </a:p>
+                  </a:txBody>
+                  <a:tcPr/>
+                </a:tc>
+                <a:tc>
+                  <a:txBody>
+                    <a:bodyPr/>
+                    <a:lstStyle/>
+                    <a:p>
+                      <a:pPr algn="ctr"/>
+                      <a:r>
+                        <a:rPr lang="en-US" sz="1600" b="1"/>
+                        <a:t>116</a:t>
+                      </a:r>
+                    </a:p>
+                  </a:txBody>
+                  <a:tcPr/>
+                </a:tc>
+                <a:tc>
+                  <a:txBody>
+                    <a:bodyPr/>
+                    <a:lstStyle/>
+                    <a:p>
+                      <a:pPr algn="ctr"/>
+                      <a:r>
+                        <a:rPr lang="en-US" sz="1600" b="1"/>
+                        <a:t>120</a:t>
+                      </a:r>
+                    </a:p>
+                  </a:txBody>
+                  <a:tcPr/>
+                </a:tc>
+                <a:tc>
+                  <a:txBody>
+                    <a:bodyPr/>
+                    <a:lstStyle/>
+                    <a:p>
+                      <a:pPr algn="ctr"/>
+                      <a:r>
+                        <a:rPr lang="en-US" sz="1600" b="1"/>
+                        <a:t>124</a:t>
+                      </a:r>
+                    </a:p>
+                  </a:txBody>
+                  <a:tcPr/>
+                </a:tc>
+                <a:tc>
+                  <a:txBody>
+                    <a:bodyPr/>
+                    <a:lstStyle/>
+                    <a:p>
+                      <a:pPr algn="ctr"/>
+                      <a:r>
+                        <a:rPr lang="en-US" sz="1600" b="1"/>
+                        <a:t>128</a:t>
+                      </a:r>
+                    </a:p>
+                  </a:txBody>
+                  <a:tcPr/>
+                </a:tc>
+                <a:tc>
+                  <a:txBody>
+                    <a:bodyPr/>
+                    <a:lstStyle/>
+                    <a:p>
+                      <a:pPr algn="ctr"/>
+                      <a:r>
+                        <a:rPr lang="en-US" sz="1600" b="1"/>
+                        <a:t>132</a:t>
+                      </a:r>
+                    </a:p>
+                  </a:txBody>
+                  <a:tcPr/>
+                </a:tc>
+                <a:tc>
+                  <a:txBody>
+                    <a:bodyPr/>
+                    <a:lstStyle/>
+                    <a:p>
+                      <a:pPr algn="ctr"/>
+                      <a:r>
+                        <a:rPr lang="en-US" sz="1600" b="1"/>
+                        <a:t>136</a:t>
+                      </a:r>
+                    </a:p>
+                  </a:txBody>
+                  <a:tcPr/>
+                </a:tc>
+                <a:tc>
+                  <a:txBody>
+                    <a:bodyPr/>
+                    <a:lstStyle/>
+                    <a:p>
+                      <a:pPr algn="ctr"/>
+                      <a:r>
+                        <a:rPr lang="en-US" sz="1600" b="1"/>
+                        <a:t>140</a:t>
+                      </a:r>
+                    </a:p>
+                  </a:txBody>
+                  <a:tcPr/>
+                </a:tc>
+                <a:tc>
+                  <a:txBody>
+                    <a:bodyPr/>
+                    <a:lstStyle/>
+                    <a:p>
+                      <a:pPr algn="ctr"/>
+                      <a:r>
+                        <a:rPr lang="en-US" sz="1600" b="1"/>
+                        <a:t>144</a:t>
+                      </a:r>
+                    </a:p>
+                  </a:txBody>
+                  <a:tcPr/>
+                </a:tc>
+                <a:tc>
+                  <a:txBody>
+                    <a:bodyPr/>
+                    <a:lstStyle/>
+                    <a:p>
+                      <a:pPr algn="ctr"/>
+                      <a:r>
+                        <a:rPr lang="en-US" sz="1600" b="1"/>
+                        <a:t>148</a:t>
+                      </a:r>
+                    </a:p>
+                  </a:txBody>
+                  <a:tcPr/>
+                </a:tc>
+                <a:tc>
+                  <a:txBody>
+                    <a:bodyPr/>
+                    <a:lstStyle/>
+                    <a:p>
+                      <a:pPr algn="ctr"/>
+                      <a:r>
+                        <a:rPr lang="en-US" sz="1600" b="1"/>
+                        <a:t>152</a:t>
+                      </a:r>
+                    </a:p>
+                  </a:txBody>
+                  <a:tcPr/>
+                </a:tc>
+                <a:tc>
+                  <a:txBody>
+                    <a:bodyPr/>
+                    <a:lstStyle/>
+                    <a:p>
+                      <a:pPr algn="ctr"/>
+                      <a:r>
+                        <a:rPr lang="en-US" sz="1600" b="1"/>
+                        <a:t>156</a:t>
+                      </a:r>
+                    </a:p>
+                  </a:txBody>
+                  <a:tcPr/>
+                </a:tc>
+                <a:tc>
+                  <a:txBody>
+                    <a:bodyPr/>
+                    <a:lstStyle/>
+                    <a:p>
+                      <a:pPr algn="ctr"/>
+                      <a:r>
+                        <a:rPr lang="en-US" sz="1600" b="1"/>
+                        <a:t>160</a:t>
+                      </a:r>
+                    </a:p>
+                  </a:txBody>
+                  <a:tcPr/>
+                </a:tc>
+                <a:tc>
+                  <a:txBody>
+                    <a:bodyPr/>
+                    <a:lstStyle/>
+                    <a:p>
+                      <a:pPr algn="ctr"/>
+                      <a:r>
+                        <a:rPr lang="en-US" sz="1600" b="1"/>
+                        <a:t>164</a:t>
+                      </a:r>
+                    </a:p>
+                  </a:txBody>
+                  <a:tcPr/>
+                </a:tc>
+                <a:tc>
+                  <a:txBody>
+                    <a:bodyPr/>
+                    <a:lstStyle/>
+                    <a:p>
+                      <a:pPr algn="ctr"/>
+                      <a:r>
+                        <a:rPr lang="en-US" sz="1600" b="1"/>
+                        <a:t>168</a:t>
+                      </a:r>
+                    </a:p>
+                  </a:txBody>
+                  <a:tcPr/>
+                </a:tc>
+                <a:tc>
+                  <a:txBody>
+                    <a:bodyPr/>
+                    <a:lstStyle/>
+                    <a:p>
+                      <a:pPr algn="ctr"/>
+                      <a:r>
+                        <a:rPr lang="en-US" sz="1600" b="1"/>
+                        <a:t>172</a:t>
+                      </a:r>
+                    </a:p>
+                  </a:txBody>
+                  <a:tcPr/>
+                </a:tc>
+                <a:tc>
+                  <a:txBody>
+                    <a:bodyPr/>
+                    <a:lstStyle/>
+                    <a:p>
+                      <a:pPr algn="ctr"/>
+                      <a:r>
+                        <a:rPr lang="en-US" sz="1600" b="1"/>
+                        <a:t>176</a:t>
+                      </a:r>
+                    </a:p>
+                  </a:txBody>
+                  <a:tcPr/>
+                </a:tc>
+                <a:extLst>
+                  <a:ext uri="{0D108BD9-81ED-4DB2-BD59-A6C34878D82A}">
+                    <a16:rowId xmlns:a16="http://schemas.microsoft.com/office/drawing/2014/main" val="3033602332"/>
+                  </a:ext>
+                </a:extLst>
+              </a:tr>
+              <a:tr h="370840">
+                <a:tc>
+                  <a:txBody>
+                    <a:bodyPr/>
+                    <a:lstStyle/>
+                    <a:p>
+                      <a:pPr algn="ctr"/>
+                      <a:endParaRPr lang="en-US" sz="1600" b="1"/>
+                    </a:p>
+                  </a:txBody>
+                  <a:tcPr/>
+                </a:tc>
+                <a:tc>
+                  <a:txBody>
+                    <a:bodyPr/>
+                    <a:lstStyle/>
+                    <a:p>
+                      <a:pPr algn="ctr"/>
+                      <a:endParaRPr lang="en-US" sz="1600" b="1"/>
+                    </a:p>
+                  </a:txBody>
+                  <a:tcPr/>
+                </a:tc>
+                <a:tc>
+                  <a:txBody>
+                    <a:bodyPr/>
+                    <a:lstStyle/>
+                    <a:p>
+                      <a:pPr algn="ctr"/>
+                      <a:endParaRPr lang="en-US" sz="1600" b="1"/>
+                    </a:p>
+                  </a:txBody>
+                  <a:tcPr/>
+                </a:tc>
+                <a:tc>
+                  <a:txBody>
+                    <a:bodyPr/>
+                    <a:lstStyle/>
+                    <a:p>
+                      <a:pPr algn="ctr"/>
+                      <a:endParaRPr lang="en-US" sz="1600" b="1"/>
+                    </a:p>
+                  </a:txBody>
+                  <a:tcPr/>
+                </a:tc>
+                <a:tc>
+                  <a:txBody>
+                    <a:bodyPr/>
+                    <a:lstStyle/>
+                    <a:p>
+                      <a:pPr algn="ctr"/>
+                      <a:endParaRPr lang="en-US" sz="1600" b="1"/>
+                    </a:p>
+                  </a:txBody>
+                  <a:tcPr/>
+                </a:tc>
+                <a:tc>
+                  <a:txBody>
+                    <a:bodyPr/>
+                    <a:lstStyle/>
+                    <a:p>
+                      <a:pPr algn="ctr"/>
+                      <a:endParaRPr lang="en-US" sz="1600" b="1"/>
+                    </a:p>
+                  </a:txBody>
+                  <a:tcPr/>
+                </a:tc>
+                <a:tc>
+                  <a:txBody>
+                    <a:bodyPr/>
+                    <a:lstStyle/>
+                    <a:p>
+                      <a:pPr algn="ctr"/>
+                      <a:endParaRPr lang="en-US" sz="1600" b="1"/>
+                    </a:p>
+                  </a:txBody>
+                  <a:tcPr/>
+                </a:tc>
+                <a:tc>
+                  <a:txBody>
+                    <a:bodyPr/>
+                    <a:lstStyle/>
+                    <a:p>
+                      <a:pPr algn="ctr"/>
+                      <a:endParaRPr lang="en-US" sz="1600" b="1"/>
+                    </a:p>
+                  </a:txBody>
+                  <a:tcPr/>
+                </a:tc>
+                <a:tc>
+                  <a:txBody>
+                    <a:bodyPr/>
+                    <a:lstStyle/>
+                    <a:p>
+                      <a:pPr algn="ctr"/>
+                      <a:endParaRPr lang="en-US" sz="1600" b="1"/>
+                    </a:p>
+                  </a:txBody>
+                  <a:tcPr/>
+                </a:tc>
+                <a:tc>
+                  <a:txBody>
+                    <a:bodyPr/>
+                    <a:lstStyle/>
+                    <a:p>
+                      <a:pPr algn="ctr"/>
+                      <a:endParaRPr lang="en-US" sz="1600" b="1"/>
+                    </a:p>
+                  </a:txBody>
+                  <a:tcPr/>
+                </a:tc>
+                <a:tc>
+                  <a:txBody>
+                    <a:bodyPr/>
+                    <a:lstStyle/>
+                    <a:p>
+                      <a:pPr algn="ctr"/>
+                      <a:endParaRPr lang="en-US" sz="1600" b="1"/>
+                    </a:p>
+                  </a:txBody>
+                  <a:tcPr/>
+                </a:tc>
+                <a:tc>
+                  <a:txBody>
+                    <a:bodyPr/>
+                    <a:lstStyle/>
+                    <a:p>
+                      <a:pPr algn="ctr"/>
+                      <a:endParaRPr lang="en-US" sz="1600" b="1"/>
+                    </a:p>
+                  </a:txBody>
+                  <a:tcPr/>
+                </a:tc>
+                <a:tc>
+                  <a:txBody>
+                    <a:bodyPr/>
+                    <a:lstStyle/>
+                    <a:p>
+                      <a:pPr algn="ctr"/>
+                      <a:endParaRPr lang="en-US" sz="1600" b="1"/>
+                    </a:p>
+                  </a:txBody>
+                  <a:tcPr/>
+                </a:tc>
+                <a:tc>
+                  <a:txBody>
+                    <a:bodyPr/>
+                    <a:lstStyle/>
+                    <a:p>
+                      <a:pPr algn="ctr"/>
+                      <a:endParaRPr lang="en-US" sz="1600" b="1"/>
+                    </a:p>
+                  </a:txBody>
+                  <a:tcPr/>
+                </a:tc>
+                <a:tc>
+                  <a:txBody>
+                    <a:bodyPr/>
+                    <a:lstStyle/>
+                    <a:p>
+                      <a:pPr algn="ctr"/>
+                      <a:endParaRPr lang="en-US" sz="1600" b="1"/>
+                    </a:p>
+                  </a:txBody>
+                  <a:tcPr/>
+                </a:tc>
+                <a:tc>
+                  <a:txBody>
+                    <a:bodyPr/>
+                    <a:lstStyle/>
+                    <a:p>
+                      <a:pPr algn="ctr"/>
+                      <a:endParaRPr lang="en-US" sz="1600" b="1"/>
+                    </a:p>
+                  </a:txBody>
+                  <a:tcPr/>
+                </a:tc>
+                <a:tc>
+                  <a:txBody>
+                    <a:bodyPr/>
+                    <a:lstStyle/>
+                    <a:p>
+                      <a:pPr algn="ctr"/>
+                      <a:endParaRPr lang="en-US" sz="1600" b="1"/>
+                    </a:p>
+                  </a:txBody>
+                  <a:tcPr/>
+                </a:tc>
+                <a:tc>
+                  <a:txBody>
+                    <a:bodyPr/>
+                    <a:lstStyle/>
+                    <a:p>
+                      <a:pPr algn="ctr"/>
+                      <a:endParaRPr lang="en-US" sz="1600" b="1"/>
+                    </a:p>
+                  </a:txBody>
+                  <a:tcPr/>
+                </a:tc>
+                <a:tc>
+                  <a:txBody>
+                    <a:bodyPr/>
+                    <a:lstStyle/>
+                    <a:p>
+                      <a:pPr algn="ctr"/>
+                      <a:endParaRPr lang="en-US" sz="1600" b="1"/>
+                    </a:p>
+                  </a:txBody>
+                  <a:tcPr/>
+                </a:tc>
+                <a:tc>
+                  <a:txBody>
+                    <a:bodyPr/>
+                    <a:lstStyle/>
+                    <a:p>
+                      <a:pPr algn="ctr"/>
+                      <a:endParaRPr lang="en-US" sz="1600" b="1"/>
+                    </a:p>
+                  </a:txBody>
+                  <a:tcPr/>
+                </a:tc>
+                <a:extLst>
+                  <a:ext uri="{0D108BD9-81ED-4DB2-BD59-A6C34878D82A}">
+                    <a16:rowId xmlns:a16="http://schemas.microsoft.com/office/drawing/2014/main" val="38290989"/>
+                  </a:ext>
+                </a:extLst>
+              </a:tr>
+            </a:tbl>
+          </a:graphicData>
+        </a:graphic>
+      </p:graphicFrame>
+    </p:spTree>
+    <p:extLst>
+      <p:ext uri="{BB962C8B-B14F-4D97-AF65-F5344CB8AC3E}">
+        <p14:creationId xmlns:p14="http://schemas.microsoft.com/office/powerpoint/2010/main" val="577897003"/>
       </p:ext>
     </p:extLst>
   </p:cSld>
